--- a/docs/cap2_roadmap.pptx
+++ b/docs/cap2_roadmap.pptx
@@ -5,7 +5,7 @@
     <p:sldMasterId id="2147483648" r:id="rId1"/>
   </p:sldMasterIdLst>
   <p:notesMasterIdLst>
-    <p:notesMasterId r:id="rId28"/>
+    <p:notesMasterId r:id="rId32"/>
   </p:notesMasterIdLst>
   <p:sldIdLst>
     <p:sldId id="256" r:id="rId2"/>
@@ -23,17 +23,21 @@
     <p:sldId id="2704" r:id="rId14"/>
     <p:sldId id="2698" r:id="rId15"/>
     <p:sldId id="2688" r:id="rId16"/>
-    <p:sldId id="2699" r:id="rId17"/>
-    <p:sldId id="2701" r:id="rId18"/>
-    <p:sldId id="2702" r:id="rId19"/>
-    <p:sldId id="2687" r:id="rId20"/>
-    <p:sldId id="2689" r:id="rId21"/>
-    <p:sldId id="2696" r:id="rId22"/>
-    <p:sldId id="2690" r:id="rId23"/>
-    <p:sldId id="2697" r:id="rId24"/>
-    <p:sldId id="2684" r:id="rId25"/>
-    <p:sldId id="2679" r:id="rId26"/>
-    <p:sldId id="2683" r:id="rId27"/>
+    <p:sldId id="2707" r:id="rId17"/>
+    <p:sldId id="2708" r:id="rId18"/>
+    <p:sldId id="2709" r:id="rId19"/>
+    <p:sldId id="2705" r:id="rId20"/>
+    <p:sldId id="2699" r:id="rId21"/>
+    <p:sldId id="2701" r:id="rId22"/>
+    <p:sldId id="2702" r:id="rId23"/>
+    <p:sldId id="2687" r:id="rId24"/>
+    <p:sldId id="2689" r:id="rId25"/>
+    <p:sldId id="2696" r:id="rId26"/>
+    <p:sldId id="2690" r:id="rId27"/>
+    <p:sldId id="2697" r:id="rId28"/>
+    <p:sldId id="2684" r:id="rId29"/>
+    <p:sldId id="2679" r:id="rId30"/>
+    <p:sldId id="2683" r:id="rId31"/>
   </p:sldIdLst>
   <p:sldSz cx="12192000" cy="6858000"/>
   <p:notesSz cx="6858000" cy="9144000"/>
@@ -222,7 +226,7 @@
           <a:p>
             <a:fld id="{73B2920E-2C23-B147-8A89-DE643AB677F7}" type="datetimeFigureOut">
               <a:rPr lang="en-US" smtClean="0"/>
-              <a:t>11/8/19</a:t>
+              <a:t>1/20/20</a:t>
             </a:fld>
             <a:endParaRPr lang="en-US"/>
           </a:p>
@@ -1393,7 +1397,7 @@
           <a:p>
             <a:fld id="{623179A2-A31B-1B45-B042-7829E7E5D950}" type="datetimeFigureOut">
               <a:rPr lang="en-US" smtClean="0"/>
-              <a:t>11/8/19</a:t>
+              <a:t>1/20/20</a:t>
             </a:fld>
             <a:endParaRPr lang="en-US"/>
           </a:p>
@@ -1591,7 +1595,7 @@
           <a:p>
             <a:fld id="{623179A2-A31B-1B45-B042-7829E7E5D950}" type="datetimeFigureOut">
               <a:rPr lang="en-US" smtClean="0"/>
-              <a:t>11/8/19</a:t>
+              <a:t>1/20/20</a:t>
             </a:fld>
             <a:endParaRPr lang="en-US"/>
           </a:p>
@@ -1799,7 +1803,7 @@
           <a:p>
             <a:fld id="{623179A2-A31B-1B45-B042-7829E7E5D950}" type="datetimeFigureOut">
               <a:rPr lang="en-US" smtClean="0"/>
-              <a:t>11/8/19</a:t>
+              <a:t>1/20/20</a:t>
             </a:fld>
             <a:endParaRPr lang="en-US"/>
           </a:p>
@@ -2357,7 +2361,7 @@
           <a:p>
             <a:fld id="{623179A2-A31B-1B45-B042-7829E7E5D950}" type="datetimeFigureOut">
               <a:rPr lang="en-US" smtClean="0"/>
-              <a:t>11/8/19</a:t>
+              <a:t>1/20/20</a:t>
             </a:fld>
             <a:endParaRPr lang="en-US"/>
           </a:p>
@@ -2632,7 +2636,7 @@
           <a:p>
             <a:fld id="{623179A2-A31B-1B45-B042-7829E7E5D950}" type="datetimeFigureOut">
               <a:rPr lang="en-US" smtClean="0"/>
-              <a:t>11/8/19</a:t>
+              <a:t>1/20/20</a:t>
             </a:fld>
             <a:endParaRPr lang="en-US"/>
           </a:p>
@@ -2897,7 +2901,7 @@
           <a:p>
             <a:fld id="{623179A2-A31B-1B45-B042-7829E7E5D950}" type="datetimeFigureOut">
               <a:rPr lang="en-US" smtClean="0"/>
-              <a:t>11/8/19</a:t>
+              <a:t>1/20/20</a:t>
             </a:fld>
             <a:endParaRPr lang="en-US"/>
           </a:p>
@@ -3309,7 +3313,7 @@
           <a:p>
             <a:fld id="{623179A2-A31B-1B45-B042-7829E7E5D950}" type="datetimeFigureOut">
               <a:rPr lang="en-US" smtClean="0"/>
-              <a:t>11/8/19</a:t>
+              <a:t>1/20/20</a:t>
             </a:fld>
             <a:endParaRPr lang="en-US"/>
           </a:p>
@@ -3450,7 +3454,7 @@
           <a:p>
             <a:fld id="{623179A2-A31B-1B45-B042-7829E7E5D950}" type="datetimeFigureOut">
               <a:rPr lang="en-US" smtClean="0"/>
-              <a:t>11/8/19</a:t>
+              <a:t>1/20/20</a:t>
             </a:fld>
             <a:endParaRPr lang="en-US"/>
           </a:p>
@@ -3563,7 +3567,7 @@
           <a:p>
             <a:fld id="{623179A2-A31B-1B45-B042-7829E7E5D950}" type="datetimeFigureOut">
               <a:rPr lang="en-US" smtClean="0"/>
-              <a:t>11/8/19</a:t>
+              <a:t>1/20/20</a:t>
             </a:fld>
             <a:endParaRPr lang="en-US"/>
           </a:p>
@@ -3874,7 +3878,7 @@
           <a:p>
             <a:fld id="{623179A2-A31B-1B45-B042-7829E7E5D950}" type="datetimeFigureOut">
               <a:rPr lang="en-US" smtClean="0"/>
-              <a:t>11/8/19</a:t>
+              <a:t>1/20/20</a:t>
             </a:fld>
             <a:endParaRPr lang="en-US"/>
           </a:p>
@@ -4162,7 +4166,7 @@
           <a:p>
             <a:fld id="{623179A2-A31B-1B45-B042-7829E7E5D950}" type="datetimeFigureOut">
               <a:rPr lang="en-US" smtClean="0"/>
-              <a:t>11/8/19</a:t>
+              <a:t>1/20/20</a:t>
             </a:fld>
             <a:endParaRPr lang="en-US"/>
           </a:p>
@@ -4403,7 +4407,7 @@
           <a:p>
             <a:fld id="{623179A2-A31B-1B45-B042-7829E7E5D950}" type="datetimeFigureOut">
               <a:rPr lang="en-US" smtClean="0"/>
-              <a:t>11/8/19</a:t>
+              <a:t>1/20/20</a:t>
             </a:fld>
             <a:endParaRPr lang="en-US"/>
           </a:p>
@@ -9328,7 +9332,7 @@
               <a:pPr algn="ctr"/>
               <a:r>
                 <a:rPr lang="en" sz="1333" dirty="0"/>
-                <a:t>Nanopore Signal</a:t>
+                <a:t>Nanopore Reads</a:t>
               </a:r>
               <a:endParaRPr sz="1333" dirty="0"/>
             </a:p>
@@ -9374,6 +9378,10 @@
             <a:lstStyle/>
             <a:p>
               <a:pPr algn="ctr"/>
+              <a:r>
+                <a:rPr lang="en" sz="1333" dirty="0"/>
+                <a:t>(meta)</a:t>
+              </a:r>
               <a:r>
                 <a:rPr lang="en" sz="1333" dirty="0" err="1"/>
                 <a:t>Flye</a:t>
@@ -12713,7 +12721,7 @@
           <a:p>
             <a:r>
               <a:rPr lang="en-US" dirty="0"/>
-              <a:t>MGS3</a:t>
+              <a:t>Pangea</a:t>
             </a:r>
           </a:p>
         </p:txBody>
@@ -12778,7 +12786,7 @@
           <p:cNvPr id="2" name="Title 1">
             <a:extLst>
               <a:ext uri="{FF2B5EF4-FFF2-40B4-BE49-F238E27FC236}">
-                <a16:creationId xmlns:a16="http://schemas.microsoft.com/office/drawing/2014/main" id="{C6858BC2-676F-2348-BD13-F789210DBD00}"/>
+                <a16:creationId xmlns:a16="http://schemas.microsoft.com/office/drawing/2014/main" id="{08387BD1-7866-3349-B503-D4A3E9B9B7E9}"/>
               </a:ext>
             </a:extLst>
           </p:cNvPr>
@@ -12789,121 +12797,1082 @@
             <p:ph type="title"/>
           </p:nvPr>
         </p:nvSpPr>
-        <p:spPr/>
+        <p:spPr>
+          <a:xfrm>
+            <a:off x="361267" y="169789"/>
+            <a:ext cx="10515600" cy="1325563"/>
+          </a:xfrm>
+        </p:spPr>
         <p:txBody>
           <a:bodyPr/>
           <a:lstStyle/>
           <a:p>
             <a:r>
-              <a:rPr lang="en-US" dirty="0" err="1"/>
-              <a:t>MetaGenScope</a:t>
-            </a:r>
-            <a:endParaRPr lang="en-US" dirty="0"/>
+              <a:rPr lang="en-US" dirty="0"/>
+              <a:t>Data Model</a:t>
+            </a:r>
           </a:p>
         </p:txBody>
       </p:sp>
       <p:sp>
         <p:nvSpPr>
-          <p:cNvPr id="3" name="TextBox 2">
+          <p:cNvPr id="5" name="Rectangle 4">
             <a:extLst>
               <a:ext uri="{FF2B5EF4-FFF2-40B4-BE49-F238E27FC236}">
-                <a16:creationId xmlns:a16="http://schemas.microsoft.com/office/drawing/2014/main" id="{B3F32835-ACBF-914F-A66E-58B0270D02C0}"/>
+                <a16:creationId xmlns:a16="http://schemas.microsoft.com/office/drawing/2014/main" id="{EEEAB8D6-B7EA-4640-BA04-BB2B8CFD8396}"/>
               </a:ext>
             </a:extLst>
           </p:cNvPr>
-          <p:cNvSpPr txBox="1"/>
+          <p:cNvSpPr/>
           <p:nvPr/>
         </p:nvSpPr>
         <p:spPr>
           <a:xfrm>
-            <a:off x="838200" y="1506022"/>
-            <a:ext cx="6685613" cy="3046988"/>
+            <a:off x="1212570" y="3270865"/>
+            <a:ext cx="2168165" cy="1197204"/>
           </a:xfrm>
           <a:prstGeom prst="rect">
             <a:avLst/>
           </a:prstGeom>
           <a:noFill/>
-        </p:spPr>
+          <a:ln w="28575">
+            <a:solidFill>
+              <a:schemeClr val="tx1"/>
+            </a:solidFill>
+          </a:ln>
+        </p:spPr>
+        <p:style>
+          <a:lnRef idx="2">
+            <a:schemeClr val="accent1">
+              <a:shade val="50000"/>
+            </a:schemeClr>
+          </a:lnRef>
+          <a:fillRef idx="1">
+            <a:schemeClr val="accent1"/>
+          </a:fillRef>
+          <a:effectRef idx="0">
+            <a:schemeClr val="accent1"/>
+          </a:effectRef>
+          <a:fontRef idx="minor">
+            <a:schemeClr val="lt1"/>
+          </a:fontRef>
+        </p:style>
         <p:txBody>
-          <a:bodyPr wrap="square" rtlCol="0">
-            <a:spAutoFit/>
-          </a:bodyPr>
+          <a:bodyPr rtlCol="0" anchor="t"/>
           <a:lstStyle/>
           <a:p>
-            <a:pPr marL="342900" indent="-342900">
+            <a:r>
+              <a:rPr lang="en-US" dirty="0">
+                <a:solidFill>
+                  <a:schemeClr val="tx1"/>
+                </a:solidFill>
+              </a:rPr>
+              <a:t>Sample</a:t>
+            </a:r>
+          </a:p>
+          <a:p>
+            <a:pPr marL="285750" indent="-285750">
               <a:buFont typeface="Arial" panose="020B0604020202020204" pitchFamily="34" charset="0"/>
               <a:buChar char="•"/>
             </a:pPr>
             <a:r>
-              <a:rPr lang="en-US" sz="2400" dirty="0"/>
-              <a:t>TypeScript + ReactJS</a:t>
-            </a:r>
-          </a:p>
-          <a:p>
-            <a:pPr marL="342900" indent="-342900">
+              <a:rPr lang="en-US" dirty="0">
+                <a:solidFill>
+                  <a:schemeClr val="tx1"/>
+                </a:solidFill>
+              </a:rPr>
+              <a:t>One data point</a:t>
+            </a:r>
+          </a:p>
+          <a:p>
+            <a:pPr marL="285750" indent="-285750">
               <a:buFont typeface="Arial" panose="020B0604020202020204" pitchFamily="34" charset="0"/>
               <a:buChar char="•"/>
             </a:pPr>
             <a:r>
-              <a:rPr lang="en-US" sz="2400" dirty="0"/>
-              <a:t>Microservice Architecture</a:t>
-            </a:r>
-          </a:p>
-          <a:p>
-            <a:pPr marL="800100" lvl="1" indent="-342900">
+              <a:rPr lang="en-US" dirty="0">
+                <a:solidFill>
+                  <a:schemeClr val="tx1"/>
+                </a:solidFill>
+              </a:rPr>
+              <a:t>E.g. one swab</a:t>
+            </a:r>
+          </a:p>
+        </p:txBody>
+      </p:sp>
+      <p:sp>
+        <p:nvSpPr>
+          <p:cNvPr id="6" name="Rectangle 5">
+            <a:extLst>
+              <a:ext uri="{FF2B5EF4-FFF2-40B4-BE49-F238E27FC236}">
+                <a16:creationId xmlns:a16="http://schemas.microsoft.com/office/drawing/2014/main" id="{A0C571F2-45EE-9B43-9683-6FBC88B653A9}"/>
+              </a:ext>
+            </a:extLst>
+          </p:cNvPr>
+          <p:cNvSpPr/>
+          <p:nvPr/>
+        </p:nvSpPr>
+        <p:spPr>
+          <a:xfrm>
+            <a:off x="4006486" y="4679403"/>
+            <a:ext cx="3418442" cy="1197204"/>
+          </a:xfrm>
+          <a:prstGeom prst="rect">
+            <a:avLst/>
+          </a:prstGeom>
+          <a:noFill/>
+          <a:ln w="28575">
+            <a:solidFill>
+              <a:schemeClr val="tx1"/>
+            </a:solidFill>
+          </a:ln>
+        </p:spPr>
+        <p:style>
+          <a:lnRef idx="2">
+            <a:schemeClr val="accent1">
+              <a:shade val="50000"/>
+            </a:schemeClr>
+          </a:lnRef>
+          <a:fillRef idx="1">
+            <a:schemeClr val="accent1"/>
+          </a:fillRef>
+          <a:effectRef idx="0">
+            <a:schemeClr val="accent1"/>
+          </a:effectRef>
+          <a:fontRef idx="minor">
+            <a:schemeClr val="lt1"/>
+          </a:fontRef>
+        </p:style>
+        <p:txBody>
+          <a:bodyPr rtlCol="0" anchor="t"/>
+          <a:lstStyle/>
+          <a:p>
+            <a:r>
+              <a:rPr lang="en-US" dirty="0">
+                <a:solidFill>
+                  <a:schemeClr val="tx1"/>
+                </a:solidFill>
+              </a:rPr>
+              <a:t>Analysis Module</a:t>
+            </a:r>
+          </a:p>
+          <a:p>
+            <a:pPr marL="285750" indent="-285750">
               <a:buFont typeface="Arial" panose="020B0604020202020204" pitchFamily="34" charset="0"/>
               <a:buChar char="•"/>
             </a:pPr>
             <a:r>
-              <a:rPr lang="en-US" sz="2400" dirty="0"/>
-              <a:t>Database</a:t>
-            </a:r>
-          </a:p>
-          <a:p>
-            <a:pPr marL="800100" lvl="1" indent="-342900">
+              <a:rPr lang="en-US" dirty="0">
+                <a:solidFill>
+                  <a:schemeClr val="tx1"/>
+                </a:solidFill>
+              </a:rPr>
+              <a:t>A specific tool run on a sample</a:t>
+            </a:r>
+          </a:p>
+          <a:p>
+            <a:pPr marL="285750" indent="-285750">
               <a:buFont typeface="Arial" panose="020B0604020202020204" pitchFamily="34" charset="0"/>
               <a:buChar char="•"/>
             </a:pPr>
             <a:r>
-              <a:rPr lang="en-US" sz="2400" dirty="0"/>
-              <a:t>Worker Nodes</a:t>
-            </a:r>
-          </a:p>
-          <a:p>
-            <a:pPr marL="800100" lvl="1" indent="-342900">
+              <a:rPr lang="en-US" dirty="0">
+                <a:solidFill>
+                  <a:schemeClr val="tx1"/>
+                </a:solidFill>
+              </a:rPr>
+              <a:t>E.g. Read Count, Paired end </a:t>
+            </a:r>
+            <a:r>
+              <a:rPr lang="en-US" dirty="0" err="1">
+                <a:solidFill>
+                  <a:schemeClr val="tx1"/>
+                </a:solidFill>
+              </a:rPr>
+              <a:t>fastqs</a:t>
+            </a:r>
+            <a:endParaRPr lang="en-US" dirty="0">
+              <a:solidFill>
+                <a:schemeClr val="tx1"/>
+              </a:solidFill>
+            </a:endParaRPr>
+          </a:p>
+        </p:txBody>
+      </p:sp>
+      <p:cxnSp>
+        <p:nvCxnSpPr>
+          <p:cNvPr id="9" name="Curved Connector 8">
+            <a:extLst>
+              <a:ext uri="{FF2B5EF4-FFF2-40B4-BE49-F238E27FC236}">
+                <a16:creationId xmlns:a16="http://schemas.microsoft.com/office/drawing/2014/main" id="{5E6D2EEE-9FAB-3E45-8819-28EA73A3A440}"/>
+              </a:ext>
+            </a:extLst>
+          </p:cNvPr>
+          <p:cNvCxnSpPr>
+            <a:stCxn id="4" idx="2"/>
+            <a:endCxn id="5" idx="1"/>
+          </p:cNvCxnSpPr>
+          <p:nvPr/>
+        </p:nvCxnSpPr>
+        <p:spPr>
+          <a:xfrm rot="5400000">
+            <a:off x="1248997" y="2574797"/>
+            <a:ext cx="1258243" cy="1331096"/>
+          </a:xfrm>
+          <a:prstGeom prst="curvedConnector4">
+            <a:avLst>
+              <a:gd name="adj1" fmla="val 26213"/>
+              <a:gd name="adj2" fmla="val 117174"/>
+            </a:avLst>
+          </a:prstGeom>
+          <a:ln w="38100">
+            <a:solidFill>
+              <a:schemeClr val="tx1"/>
+            </a:solidFill>
+            <a:tailEnd type="oval" w="lg" len="lg"/>
+          </a:ln>
+        </p:spPr>
+        <p:style>
+          <a:lnRef idx="1">
+            <a:schemeClr val="accent1"/>
+          </a:lnRef>
+          <a:fillRef idx="0">
+            <a:schemeClr val="accent1"/>
+          </a:fillRef>
+          <a:effectRef idx="0">
+            <a:schemeClr val="accent1"/>
+          </a:effectRef>
+          <a:fontRef idx="minor">
+            <a:schemeClr val="tx1"/>
+          </a:fontRef>
+        </p:style>
+      </p:cxnSp>
+      <p:cxnSp>
+        <p:nvCxnSpPr>
+          <p:cNvPr id="10" name="Curved Connector 9">
+            <a:extLst>
+              <a:ext uri="{FF2B5EF4-FFF2-40B4-BE49-F238E27FC236}">
+                <a16:creationId xmlns:a16="http://schemas.microsoft.com/office/drawing/2014/main" id="{6BD1A3E6-A668-854C-8372-3C633851382A}"/>
+              </a:ext>
+            </a:extLst>
+          </p:cNvPr>
+          <p:cNvCxnSpPr>
+            <a:cxnSpLocks/>
+            <a:stCxn id="5" idx="2"/>
+            <a:endCxn id="6" idx="1"/>
+          </p:cNvCxnSpPr>
+          <p:nvPr/>
+        </p:nvCxnSpPr>
+        <p:spPr>
+          <a:xfrm rot="16200000" flipH="1">
+            <a:off x="2746601" y="4018120"/>
+            <a:ext cx="809936" cy="1709833"/>
+          </a:xfrm>
+          <a:prstGeom prst="curvedConnector2">
+            <a:avLst/>
+          </a:prstGeom>
+          <a:ln w="38100">
+            <a:solidFill>
+              <a:schemeClr val="tx1"/>
+            </a:solidFill>
+            <a:tailEnd type="oval" w="lg" len="lg"/>
+          </a:ln>
+        </p:spPr>
+        <p:style>
+          <a:lnRef idx="1">
+            <a:schemeClr val="accent1"/>
+          </a:lnRef>
+          <a:fillRef idx="0">
+            <a:schemeClr val="accent1"/>
+          </a:fillRef>
+          <a:effectRef idx="0">
+            <a:schemeClr val="accent1"/>
+          </a:effectRef>
+          <a:fontRef idx="minor">
+            <a:schemeClr val="tx1"/>
+          </a:fontRef>
+        </p:style>
+      </p:cxnSp>
+      <p:grpSp>
+        <p:nvGrpSpPr>
+          <p:cNvPr id="12" name="Group 11">
+            <a:extLst>
+              <a:ext uri="{FF2B5EF4-FFF2-40B4-BE49-F238E27FC236}">
+                <a16:creationId xmlns:a16="http://schemas.microsoft.com/office/drawing/2014/main" id="{4E3B9C47-0677-2D41-B15B-A3B34271C0E6}"/>
+              </a:ext>
+            </a:extLst>
+          </p:cNvPr>
+          <p:cNvGrpSpPr/>
+          <p:nvPr/>
+        </p:nvGrpSpPr>
+        <p:grpSpPr>
+          <a:xfrm>
+            <a:off x="1459583" y="1409307"/>
+            <a:ext cx="4798243" cy="1201917"/>
+            <a:chOff x="1459583" y="1409307"/>
+            <a:chExt cx="4798243" cy="1201917"/>
+          </a:xfrm>
+        </p:grpSpPr>
+        <p:sp>
+          <p:nvSpPr>
+            <p:cNvPr id="4" name="Rectangle 3">
+              <a:extLst>
+                <a:ext uri="{FF2B5EF4-FFF2-40B4-BE49-F238E27FC236}">
+                  <a16:creationId xmlns:a16="http://schemas.microsoft.com/office/drawing/2014/main" id="{897FB6F9-5D64-DC40-B8E2-1B62DB208466}"/>
+                </a:ext>
+              </a:extLst>
+            </p:cNvPr>
+            <p:cNvSpPr/>
+            <p:nvPr/>
+          </p:nvSpPr>
+          <p:spPr>
+            <a:xfrm>
+              <a:off x="1459583" y="1414020"/>
+              <a:ext cx="2168165" cy="1197204"/>
+            </a:xfrm>
+            <a:prstGeom prst="rect">
+              <a:avLst/>
+            </a:prstGeom>
+            <a:noFill/>
+            <a:ln w="28575">
+              <a:solidFill>
+                <a:schemeClr val="tx1"/>
+              </a:solidFill>
+            </a:ln>
+          </p:spPr>
+          <p:style>
+            <a:lnRef idx="2">
+              <a:schemeClr val="accent1">
+                <a:shade val="50000"/>
+              </a:schemeClr>
+            </a:lnRef>
+            <a:fillRef idx="1">
+              <a:schemeClr val="accent1"/>
+            </a:fillRef>
+            <a:effectRef idx="0">
+              <a:schemeClr val="accent1"/>
+            </a:effectRef>
+            <a:fontRef idx="minor">
+              <a:schemeClr val="lt1"/>
+            </a:fontRef>
+          </p:style>
+          <p:txBody>
+            <a:bodyPr rtlCol="0" anchor="t"/>
+            <a:lstStyle/>
+            <a:p>
+              <a:r>
+                <a:rPr lang="en-US" dirty="0">
+                  <a:solidFill>
+                    <a:schemeClr val="tx1"/>
+                  </a:solidFill>
+                </a:rPr>
+                <a:t>Sample Library</a:t>
+              </a:r>
+            </a:p>
+            <a:p>
+              <a:pPr marL="285750" indent="-285750">
+                <a:buFont typeface="Arial" panose="020B0604020202020204" pitchFamily="34" charset="0"/>
+                <a:buChar char="•"/>
+              </a:pPr>
+              <a:r>
+                <a:rPr lang="en-US" dirty="0">
+                  <a:solidFill>
+                    <a:schemeClr val="tx1"/>
+                  </a:solidFill>
+                </a:rPr>
+                <a:t>Group of Samples</a:t>
+              </a:r>
+            </a:p>
+            <a:p>
+              <a:pPr marL="285750" indent="-285750">
+                <a:buFont typeface="Arial" panose="020B0604020202020204" pitchFamily="34" charset="0"/>
+                <a:buChar char="•"/>
+              </a:pPr>
+              <a:r>
+                <a:rPr lang="en-US" dirty="0">
+                  <a:solidFill>
+                    <a:schemeClr val="tx1"/>
+                  </a:solidFill>
+                </a:rPr>
+                <a:t>E.g. MetaSUB</a:t>
+              </a:r>
+            </a:p>
+          </p:txBody>
+        </p:sp>
+        <p:sp>
+          <p:nvSpPr>
+            <p:cNvPr id="11" name="Rectangle 10">
+              <a:extLst>
+                <a:ext uri="{FF2B5EF4-FFF2-40B4-BE49-F238E27FC236}">
+                  <a16:creationId xmlns:a16="http://schemas.microsoft.com/office/drawing/2014/main" id="{67E38E01-7A7A-2846-97DE-42E2283D43F2}"/>
+                </a:ext>
+              </a:extLst>
+            </p:cNvPr>
+            <p:cNvSpPr/>
+            <p:nvPr/>
+          </p:nvSpPr>
+          <p:spPr>
+            <a:xfrm>
+              <a:off x="4089661" y="1409307"/>
+              <a:ext cx="2168165" cy="1197204"/>
+            </a:xfrm>
+            <a:prstGeom prst="rect">
+              <a:avLst/>
+            </a:prstGeom>
+            <a:noFill/>
+            <a:ln w="28575">
+              <a:solidFill>
+                <a:schemeClr val="tx1"/>
+              </a:solidFill>
+            </a:ln>
+          </p:spPr>
+          <p:style>
+            <a:lnRef idx="2">
+              <a:schemeClr val="accent1">
+                <a:shade val="50000"/>
+              </a:schemeClr>
+            </a:lnRef>
+            <a:fillRef idx="1">
+              <a:schemeClr val="accent1"/>
+            </a:fillRef>
+            <a:effectRef idx="0">
+              <a:schemeClr val="accent1"/>
+            </a:effectRef>
+            <a:fontRef idx="minor">
+              <a:schemeClr val="lt1"/>
+            </a:fontRef>
+          </p:style>
+          <p:txBody>
+            <a:bodyPr rtlCol="0" anchor="t"/>
+            <a:lstStyle/>
+            <a:p>
+              <a:r>
+                <a:rPr lang="en-US" dirty="0">
+                  <a:solidFill>
+                    <a:schemeClr val="tx1"/>
+                  </a:solidFill>
+                </a:rPr>
+                <a:t>Sample Group</a:t>
+              </a:r>
+            </a:p>
+            <a:p>
+              <a:pPr marL="285750" indent="-285750">
+                <a:buFont typeface="Arial" panose="020B0604020202020204" pitchFamily="34" charset="0"/>
+                <a:buChar char="•"/>
+              </a:pPr>
+              <a:r>
+                <a:rPr lang="en-US" dirty="0">
+                  <a:solidFill>
+                    <a:schemeClr val="tx1"/>
+                  </a:solidFill>
+                </a:rPr>
+                <a:t>Group of Samples</a:t>
+              </a:r>
+            </a:p>
+            <a:p>
+              <a:pPr marL="285750" indent="-285750">
+                <a:buFont typeface="Arial" panose="020B0604020202020204" pitchFamily="34" charset="0"/>
+                <a:buChar char="•"/>
+              </a:pPr>
+              <a:r>
+                <a:rPr lang="en-US" dirty="0">
+                  <a:solidFill>
+                    <a:schemeClr val="tx1"/>
+                  </a:solidFill>
+                </a:rPr>
+                <a:t>Ad-hoc</a:t>
+              </a:r>
+            </a:p>
+            <a:p>
+              <a:pPr marL="285750" indent="-285750">
+                <a:buFont typeface="Arial" panose="020B0604020202020204" pitchFamily="34" charset="0"/>
+                <a:buChar char="•"/>
+              </a:pPr>
+              <a:r>
+                <a:rPr lang="en-US" dirty="0">
+                  <a:solidFill>
+                    <a:schemeClr val="tx1"/>
+                  </a:solidFill>
+                </a:rPr>
+                <a:t>E.g. ‘Paris’</a:t>
+              </a:r>
+            </a:p>
+          </p:txBody>
+        </p:sp>
+      </p:grpSp>
+      <p:sp>
+        <p:nvSpPr>
+          <p:cNvPr id="14" name="Rectangle 13">
+            <a:extLst>
+              <a:ext uri="{FF2B5EF4-FFF2-40B4-BE49-F238E27FC236}">
+                <a16:creationId xmlns:a16="http://schemas.microsoft.com/office/drawing/2014/main" id="{345BDBE6-D1A8-7842-BEF1-A1F2994ADDBE}"/>
+              </a:ext>
+            </a:extLst>
+          </p:cNvPr>
+          <p:cNvSpPr/>
+          <p:nvPr/>
+        </p:nvSpPr>
+        <p:spPr>
+          <a:xfrm>
+            <a:off x="7858436" y="5555089"/>
+            <a:ext cx="3775435" cy="1197204"/>
+          </a:xfrm>
+          <a:prstGeom prst="rect">
+            <a:avLst/>
+          </a:prstGeom>
+          <a:noFill/>
+          <a:ln w="28575">
+            <a:solidFill>
+              <a:schemeClr val="tx1"/>
+            </a:solidFill>
+          </a:ln>
+        </p:spPr>
+        <p:style>
+          <a:lnRef idx="2">
+            <a:schemeClr val="accent1">
+              <a:shade val="50000"/>
+            </a:schemeClr>
+          </a:lnRef>
+          <a:fillRef idx="1">
+            <a:schemeClr val="accent1"/>
+          </a:fillRef>
+          <a:effectRef idx="0">
+            <a:schemeClr val="accent1"/>
+          </a:effectRef>
+          <a:fontRef idx="minor">
+            <a:schemeClr val="lt1"/>
+          </a:fontRef>
+        </p:style>
+        <p:txBody>
+          <a:bodyPr rtlCol="0" anchor="t"/>
+          <a:lstStyle/>
+          <a:p>
+            <a:r>
+              <a:rPr lang="en-US" dirty="0">
+                <a:solidFill>
+                  <a:schemeClr val="tx1"/>
+                </a:solidFill>
+              </a:rPr>
+              <a:t>Analysis Module Field</a:t>
+            </a:r>
+          </a:p>
+          <a:p>
+            <a:pPr marL="285750" indent="-285750">
               <a:buFont typeface="Arial" panose="020B0604020202020204" pitchFamily="34" charset="0"/>
               <a:buChar char="•"/>
             </a:pPr>
             <a:r>
-              <a:rPr lang="en-US" sz="2400" dirty="0"/>
-              <a:t>Redis + RabbitMQ</a:t>
-            </a:r>
-          </a:p>
-          <a:p>
-            <a:pPr marL="342900" indent="-342900">
+              <a:rPr lang="en-US" dirty="0">
+                <a:solidFill>
+                  <a:schemeClr val="tx1"/>
+                </a:solidFill>
+              </a:rPr>
+              <a:t>Useful extra level</a:t>
+            </a:r>
+          </a:p>
+          <a:p>
+            <a:pPr marL="285750" indent="-285750">
               <a:buFont typeface="Arial" panose="020B0604020202020204" pitchFamily="34" charset="0"/>
               <a:buChar char="•"/>
             </a:pPr>
-            <a:endParaRPr lang="en-US" sz="2400" dirty="0"/>
-          </a:p>
-          <a:p>
-            <a:endParaRPr lang="en-US" sz="2400" dirty="0"/>
-          </a:p>
-          <a:p>
-            <a:r>
-              <a:rPr lang="en-US" sz="2400" dirty="0">
-                <a:hlinkClick r:id="rId2"/>
+            <a:r>
+              <a:rPr lang="en-US" dirty="0">
+                <a:solidFill>
+                  <a:schemeClr val="tx1"/>
+                </a:solidFill>
               </a:rPr>
-              <a:t>https://github.com/dcdanko/capalyzer</a:t>
-            </a:r>
-            <a:endParaRPr lang="en-US" sz="2400" dirty="0"/>
+              <a:t>For results that should be together</a:t>
+            </a:r>
+          </a:p>
+          <a:p>
+            <a:pPr marL="285750" indent="-285750">
+              <a:buFont typeface="Arial" panose="020B0604020202020204" pitchFamily="34" charset="0"/>
+              <a:buChar char="•"/>
+            </a:pPr>
+            <a:r>
+              <a:rPr lang="en-US" dirty="0">
+                <a:solidFill>
+                  <a:schemeClr val="tx1"/>
+                </a:solidFill>
+              </a:rPr>
+              <a:t>E.g. R1 and R2 in paired end reads</a:t>
+            </a:r>
           </a:p>
         </p:txBody>
       </p:sp>
+      <p:cxnSp>
+        <p:nvCxnSpPr>
+          <p:cNvPr id="18" name="Curved Connector 17">
+            <a:extLst>
+              <a:ext uri="{FF2B5EF4-FFF2-40B4-BE49-F238E27FC236}">
+                <a16:creationId xmlns:a16="http://schemas.microsoft.com/office/drawing/2014/main" id="{54011FE5-45EA-A542-8A0F-57FE10AD6CA3}"/>
+              </a:ext>
+            </a:extLst>
+          </p:cNvPr>
+          <p:cNvCxnSpPr>
+            <a:cxnSpLocks/>
+            <a:stCxn id="11" idx="2"/>
+            <a:endCxn id="5" idx="3"/>
+          </p:cNvCxnSpPr>
+          <p:nvPr/>
+        </p:nvCxnSpPr>
+        <p:spPr>
+          <a:xfrm rot="5400000">
+            <a:off x="3645762" y="2341485"/>
+            <a:ext cx="1262956" cy="1793009"/>
+          </a:xfrm>
+          <a:prstGeom prst="curvedConnector2">
+            <a:avLst/>
+          </a:prstGeom>
+          <a:ln w="38100">
+            <a:solidFill>
+              <a:schemeClr val="tx1"/>
+            </a:solidFill>
+            <a:headEnd type="oval" w="lg" len="lg"/>
+            <a:tailEnd type="oval" w="lg" len="lg"/>
+          </a:ln>
+        </p:spPr>
+        <p:style>
+          <a:lnRef idx="1">
+            <a:schemeClr val="accent1"/>
+          </a:lnRef>
+          <a:fillRef idx="0">
+            <a:schemeClr val="accent1"/>
+          </a:fillRef>
+          <a:effectRef idx="0">
+            <a:schemeClr val="accent1"/>
+          </a:effectRef>
+          <a:fontRef idx="minor">
+            <a:schemeClr val="tx1"/>
+          </a:fontRef>
+        </p:style>
+      </p:cxnSp>
+      <p:cxnSp>
+        <p:nvCxnSpPr>
+          <p:cNvPr id="21" name="Curved Connector 20">
+            <a:extLst>
+              <a:ext uri="{FF2B5EF4-FFF2-40B4-BE49-F238E27FC236}">
+                <a16:creationId xmlns:a16="http://schemas.microsoft.com/office/drawing/2014/main" id="{C7D2D2BF-8678-4248-B06B-B2F2AB223C22}"/>
+              </a:ext>
+            </a:extLst>
+          </p:cNvPr>
+          <p:cNvCxnSpPr>
+            <a:cxnSpLocks/>
+            <a:stCxn id="6" idx="2"/>
+            <a:endCxn id="14" idx="1"/>
+          </p:cNvCxnSpPr>
+          <p:nvPr/>
+        </p:nvCxnSpPr>
+        <p:spPr>
+          <a:xfrm rot="16200000" flipH="1">
+            <a:off x="6648529" y="4943784"/>
+            <a:ext cx="277084" cy="2142729"/>
+          </a:xfrm>
+          <a:prstGeom prst="curvedConnector2">
+            <a:avLst/>
+          </a:prstGeom>
+          <a:ln w="38100">
+            <a:solidFill>
+              <a:schemeClr val="tx1"/>
+            </a:solidFill>
+            <a:tailEnd type="oval" w="lg" len="lg"/>
+          </a:ln>
+        </p:spPr>
+        <p:style>
+          <a:lnRef idx="1">
+            <a:schemeClr val="accent1"/>
+          </a:lnRef>
+          <a:fillRef idx="0">
+            <a:schemeClr val="accent1"/>
+          </a:fillRef>
+          <a:effectRef idx="0">
+            <a:schemeClr val="accent1"/>
+          </a:effectRef>
+          <a:fontRef idx="minor">
+            <a:schemeClr val="tx1"/>
+          </a:fontRef>
+        </p:style>
+      </p:cxnSp>
+      <p:cxnSp>
+        <p:nvCxnSpPr>
+          <p:cNvPr id="26" name="Curved Connector 25">
+            <a:extLst>
+              <a:ext uri="{FF2B5EF4-FFF2-40B4-BE49-F238E27FC236}">
+                <a16:creationId xmlns:a16="http://schemas.microsoft.com/office/drawing/2014/main" id="{F70AA115-C52D-7A4E-B61A-A62705D6309E}"/>
+              </a:ext>
+            </a:extLst>
+          </p:cNvPr>
+          <p:cNvCxnSpPr>
+            <a:cxnSpLocks/>
+            <a:stCxn id="11" idx="2"/>
+            <a:endCxn id="6" idx="1"/>
+          </p:cNvCxnSpPr>
+          <p:nvPr/>
+        </p:nvCxnSpPr>
+        <p:spPr>
+          <a:xfrm rot="5400000">
+            <a:off x="3254368" y="3358629"/>
+            <a:ext cx="2671494" cy="1167258"/>
+          </a:xfrm>
+          <a:prstGeom prst="curvedConnector4">
+            <a:avLst>
+              <a:gd name="adj1" fmla="val 38796"/>
+              <a:gd name="adj2" fmla="val 119584"/>
+            </a:avLst>
+          </a:prstGeom>
+          <a:ln w="38100">
+            <a:solidFill>
+              <a:schemeClr val="tx1"/>
+            </a:solidFill>
+            <a:tailEnd type="oval" w="lg" len="lg"/>
+          </a:ln>
+        </p:spPr>
+        <p:style>
+          <a:lnRef idx="1">
+            <a:schemeClr val="accent1"/>
+          </a:lnRef>
+          <a:fillRef idx="0">
+            <a:schemeClr val="accent1"/>
+          </a:fillRef>
+          <a:effectRef idx="0">
+            <a:schemeClr val="accent1"/>
+          </a:effectRef>
+          <a:fontRef idx="minor">
+            <a:schemeClr val="tx1"/>
+          </a:fontRef>
+        </p:style>
+      </p:cxnSp>
+      <p:sp>
+        <p:nvSpPr>
+          <p:cNvPr id="49" name="Right Arrow 48">
+            <a:extLst>
+              <a:ext uri="{FF2B5EF4-FFF2-40B4-BE49-F238E27FC236}">
+                <a16:creationId xmlns:a16="http://schemas.microsoft.com/office/drawing/2014/main" id="{A715495F-512D-0D49-B10F-3760E9EDCDF4}"/>
+              </a:ext>
+            </a:extLst>
+          </p:cNvPr>
+          <p:cNvSpPr/>
+          <p:nvPr/>
+        </p:nvSpPr>
+        <p:spPr>
+          <a:xfrm>
+            <a:off x="3627748" y="1853668"/>
+            <a:ext cx="461913" cy="462812"/>
+          </a:xfrm>
+          <a:prstGeom prst="rightArrow">
+            <a:avLst/>
+          </a:prstGeom>
+          <a:solidFill>
+            <a:schemeClr val="tx1"/>
+          </a:solidFill>
+          <a:ln>
+            <a:solidFill>
+              <a:schemeClr val="tx1"/>
+            </a:solidFill>
+          </a:ln>
+        </p:spPr>
+        <p:style>
+          <a:lnRef idx="2">
+            <a:schemeClr val="accent1">
+              <a:shade val="50000"/>
+            </a:schemeClr>
+          </a:lnRef>
+          <a:fillRef idx="1">
+            <a:schemeClr val="accent1"/>
+          </a:fillRef>
+          <a:effectRef idx="0">
+            <a:schemeClr val="accent1"/>
+          </a:effectRef>
+          <a:fontRef idx="minor">
+            <a:schemeClr val="lt1"/>
+          </a:fontRef>
+        </p:style>
+        <p:txBody>
+          <a:bodyPr rtlCol="0" anchor="ctr"/>
+          <a:lstStyle/>
+          <a:p>
+            <a:pPr algn="ctr"/>
+            <a:endParaRPr lang="en-US"/>
+          </a:p>
+        </p:txBody>
+      </p:sp>
+      <p:grpSp>
+        <p:nvGrpSpPr>
+          <p:cNvPr id="52" name="Group 51">
+            <a:extLst>
+              <a:ext uri="{FF2B5EF4-FFF2-40B4-BE49-F238E27FC236}">
+                <a16:creationId xmlns:a16="http://schemas.microsoft.com/office/drawing/2014/main" id="{7F30064B-962B-B942-98D2-1298D3EA63C1}"/>
+              </a:ext>
+            </a:extLst>
+          </p:cNvPr>
+          <p:cNvGrpSpPr/>
+          <p:nvPr/>
+        </p:nvGrpSpPr>
+        <p:grpSpPr>
+          <a:xfrm>
+            <a:off x="9340299" y="1409307"/>
+            <a:ext cx="2149311" cy="2460160"/>
+            <a:chOff x="8079777" y="1515606"/>
+            <a:chExt cx="2149311" cy="2460160"/>
+          </a:xfrm>
+        </p:grpSpPr>
+        <p:cxnSp>
+          <p:nvCxnSpPr>
+            <p:cNvPr id="41" name="Curved Connector 40">
+              <a:extLst>
+                <a:ext uri="{FF2B5EF4-FFF2-40B4-BE49-F238E27FC236}">
+                  <a16:creationId xmlns:a16="http://schemas.microsoft.com/office/drawing/2014/main" id="{A3F10BAF-1534-FC4D-B921-90D31E449BE6}"/>
+                </a:ext>
+              </a:extLst>
+            </p:cNvPr>
+            <p:cNvCxnSpPr>
+              <a:cxnSpLocks/>
+            </p:cNvCxnSpPr>
+            <p:nvPr/>
+          </p:nvCxnSpPr>
+          <p:spPr>
+            <a:xfrm rot="5400000">
+              <a:off x="7989210" y="1810252"/>
+              <a:ext cx="676124" cy="86832"/>
+            </a:xfrm>
+            <a:prstGeom prst="curvedConnector3">
+              <a:avLst>
+                <a:gd name="adj1" fmla="val 50000"/>
+              </a:avLst>
+            </a:prstGeom>
+            <a:ln w="38100">
+              <a:solidFill>
+                <a:schemeClr val="tx1"/>
+              </a:solidFill>
+              <a:headEnd type="oval" w="lg" len="lg"/>
+              <a:tailEnd type="oval" w="lg" len="lg"/>
+            </a:ln>
+          </p:spPr>
+          <p:style>
+            <a:lnRef idx="1">
+              <a:schemeClr val="accent1"/>
+            </a:lnRef>
+            <a:fillRef idx="0">
+              <a:schemeClr val="accent1"/>
+            </a:fillRef>
+            <a:effectRef idx="0">
+              <a:schemeClr val="accent1"/>
+            </a:effectRef>
+            <a:fontRef idx="minor">
+              <a:schemeClr val="tx1"/>
+            </a:fontRef>
+          </p:style>
+        </p:cxnSp>
+        <p:sp>
+          <p:nvSpPr>
+            <p:cNvPr id="44" name="TextBox 43">
+              <a:extLst>
+                <a:ext uri="{FF2B5EF4-FFF2-40B4-BE49-F238E27FC236}">
+                  <a16:creationId xmlns:a16="http://schemas.microsoft.com/office/drawing/2014/main" id="{CC30436F-BD4C-2B4A-B0DE-E3855322CC12}"/>
+                </a:ext>
+              </a:extLst>
+            </p:cNvPr>
+            <p:cNvSpPr txBox="1"/>
+            <p:nvPr/>
+          </p:nvSpPr>
+          <p:spPr>
+            <a:xfrm>
+              <a:off x="8485632" y="1638577"/>
+              <a:ext cx="1743456" cy="369332"/>
+            </a:xfrm>
+            <a:prstGeom prst="rect">
+              <a:avLst/>
+            </a:prstGeom>
+            <a:noFill/>
+          </p:spPr>
+          <p:txBody>
+            <a:bodyPr wrap="square" rtlCol="0">
+              <a:spAutoFit/>
+            </a:bodyPr>
+            <a:lstStyle/>
+            <a:p>
+              <a:r>
+                <a:rPr lang="en-US" dirty="0"/>
+                <a:t>Many-to-Many</a:t>
+              </a:r>
+            </a:p>
+          </p:txBody>
+        </p:sp>
+        <p:cxnSp>
+          <p:nvCxnSpPr>
+            <p:cNvPr id="45" name="Curved Connector 44">
+              <a:extLst>
+                <a:ext uri="{FF2B5EF4-FFF2-40B4-BE49-F238E27FC236}">
+                  <a16:creationId xmlns:a16="http://schemas.microsoft.com/office/drawing/2014/main" id="{908D16F9-E08C-3746-ABD0-283B73219C87}"/>
+                </a:ext>
+              </a:extLst>
+            </p:cNvPr>
+            <p:cNvCxnSpPr>
+              <a:cxnSpLocks/>
+            </p:cNvCxnSpPr>
+            <p:nvPr/>
+          </p:nvCxnSpPr>
+          <p:spPr>
+            <a:xfrm rot="16200000" flipH="1">
+              <a:off x="7940012" y="2734445"/>
+              <a:ext cx="528650" cy="249119"/>
+            </a:xfrm>
+            <a:prstGeom prst="curvedConnector3">
+              <a:avLst>
+                <a:gd name="adj1" fmla="val 50000"/>
+              </a:avLst>
+            </a:prstGeom>
+            <a:ln w="38100">
+              <a:solidFill>
+                <a:schemeClr val="tx1"/>
+              </a:solidFill>
+              <a:tailEnd type="oval" w="lg" len="lg"/>
+            </a:ln>
+          </p:spPr>
+          <p:style>
+            <a:lnRef idx="1">
+              <a:schemeClr val="accent1"/>
+            </a:lnRef>
+            <a:fillRef idx="0">
+              <a:schemeClr val="accent1"/>
+            </a:fillRef>
+            <a:effectRef idx="0">
+              <a:schemeClr val="accent1"/>
+            </a:effectRef>
+            <a:fontRef idx="minor">
+              <a:schemeClr val="tx1"/>
+            </a:fontRef>
+          </p:style>
+        </p:cxnSp>
+        <p:sp>
+          <p:nvSpPr>
+            <p:cNvPr id="47" name="TextBox 46">
+              <a:extLst>
+                <a:ext uri="{FF2B5EF4-FFF2-40B4-BE49-F238E27FC236}">
+                  <a16:creationId xmlns:a16="http://schemas.microsoft.com/office/drawing/2014/main" id="{78463654-CF28-F14E-AF93-42B4B190B849}"/>
+                </a:ext>
+              </a:extLst>
+            </p:cNvPr>
+            <p:cNvSpPr txBox="1"/>
+            <p:nvPr/>
+          </p:nvSpPr>
+          <p:spPr>
+            <a:xfrm>
+              <a:off x="8485632" y="2705343"/>
+              <a:ext cx="1634042" cy="369332"/>
+            </a:xfrm>
+            <a:prstGeom prst="rect">
+              <a:avLst/>
+            </a:prstGeom>
+            <a:noFill/>
+          </p:spPr>
+          <p:txBody>
+            <a:bodyPr wrap="square" rtlCol="0">
+              <a:spAutoFit/>
+            </a:bodyPr>
+            <a:lstStyle/>
+            <a:p>
+              <a:r>
+                <a:rPr lang="en-US" dirty="0"/>
+                <a:t>One-to-Many</a:t>
+              </a:r>
+            </a:p>
+          </p:txBody>
+        </p:sp>
+        <p:sp>
+          <p:nvSpPr>
+            <p:cNvPr id="50" name="Right Arrow 49">
+              <a:extLst>
+                <a:ext uri="{FF2B5EF4-FFF2-40B4-BE49-F238E27FC236}">
+                  <a16:creationId xmlns:a16="http://schemas.microsoft.com/office/drawing/2014/main" id="{882237EC-312D-0C45-9CCD-518FA6637DDE}"/>
+                </a:ext>
+              </a:extLst>
+            </p:cNvPr>
+            <p:cNvSpPr/>
+            <p:nvPr/>
+          </p:nvSpPr>
+          <p:spPr>
+            <a:xfrm>
+              <a:off x="8139731" y="3512954"/>
+              <a:ext cx="461913" cy="462812"/>
+            </a:xfrm>
+            <a:prstGeom prst="rightArrow">
+              <a:avLst/>
+            </a:prstGeom>
+            <a:solidFill>
+              <a:schemeClr val="tx1"/>
+            </a:solidFill>
+            <a:ln>
+              <a:solidFill>
+                <a:schemeClr val="tx1"/>
+              </a:solidFill>
+            </a:ln>
+          </p:spPr>
+          <p:style>
+            <a:lnRef idx="2">
+              <a:schemeClr val="accent1">
+                <a:shade val="50000"/>
+              </a:schemeClr>
+            </a:lnRef>
+            <a:fillRef idx="1">
+              <a:schemeClr val="accent1"/>
+            </a:fillRef>
+            <a:effectRef idx="0">
+              <a:schemeClr val="accent1"/>
+            </a:effectRef>
+            <a:fontRef idx="minor">
+              <a:schemeClr val="lt1"/>
+            </a:fontRef>
+          </p:style>
+          <p:txBody>
+            <a:bodyPr rtlCol="0" anchor="ctr"/>
+            <a:lstStyle/>
+            <a:p>
+              <a:pPr algn="ctr"/>
+              <a:endParaRPr lang="en-US"/>
+            </a:p>
+          </p:txBody>
+        </p:sp>
+        <p:sp>
+          <p:nvSpPr>
+            <p:cNvPr id="51" name="TextBox 50">
+              <a:extLst>
+                <a:ext uri="{FF2B5EF4-FFF2-40B4-BE49-F238E27FC236}">
+                  <a16:creationId xmlns:a16="http://schemas.microsoft.com/office/drawing/2014/main" id="{4BE91D36-9A2E-3E4D-B3BE-3EEF3B8F6662}"/>
+                </a:ext>
+              </a:extLst>
+            </p:cNvPr>
+            <p:cNvSpPr txBox="1"/>
+            <p:nvPr/>
+          </p:nvSpPr>
+          <p:spPr>
+            <a:xfrm>
+              <a:off x="8741978" y="3512954"/>
+              <a:ext cx="670246" cy="369332"/>
+            </a:xfrm>
+            <a:prstGeom prst="rect">
+              <a:avLst/>
+            </a:prstGeom>
+            <a:noFill/>
+          </p:spPr>
+          <p:txBody>
+            <a:bodyPr wrap="square" rtlCol="0">
+              <a:spAutoFit/>
+            </a:bodyPr>
+            <a:lstStyle/>
+            <a:p>
+              <a:r>
+                <a:rPr lang="en-US" dirty="0"/>
+                <a:t>'Is’</a:t>
+              </a:r>
+            </a:p>
+          </p:txBody>
+        </p:sp>
+      </p:grpSp>
     </p:spTree>
     <p:extLst>
       <p:ext uri="{BB962C8B-B14F-4D97-AF65-F5344CB8AC3E}">
-        <p14:creationId xmlns:p14="http://schemas.microsoft.com/office/powerpoint/2010/main" val="3858736445"/>
+        <p14:creationId xmlns:p14="http://schemas.microsoft.com/office/powerpoint/2010/main" val="3411912120"/>
       </p:ext>
     </p:extLst>
   </p:cSld>
@@ -12935,7 +13904,7 @@
           <p:cNvPr id="2" name="Title 1">
             <a:extLst>
               <a:ext uri="{FF2B5EF4-FFF2-40B4-BE49-F238E27FC236}">
-                <a16:creationId xmlns:a16="http://schemas.microsoft.com/office/drawing/2014/main" id="{C6858BC2-676F-2348-BD13-F789210DBD00}"/>
+                <a16:creationId xmlns:a16="http://schemas.microsoft.com/office/drawing/2014/main" id="{08387BD1-7866-3349-B503-D4A3E9B9B7E9}"/>
               </a:ext>
             </a:extLst>
           </p:cNvPr>
@@ -12946,303 +13915,1335 @@
             <p:ph type="title"/>
           </p:nvPr>
         </p:nvSpPr>
-        <p:spPr/>
+        <p:spPr>
+          <a:xfrm>
+            <a:off x="361267" y="169789"/>
+            <a:ext cx="10515600" cy="1325563"/>
+          </a:xfrm>
+        </p:spPr>
         <p:txBody>
           <a:bodyPr/>
           <a:lstStyle/>
           <a:p>
             <a:r>
-              <a:rPr lang="en-US" dirty="0" err="1"/>
-              <a:t>MetaGenScope</a:t>
-            </a:r>
-            <a:r>
               <a:rPr lang="en-US" dirty="0"/>
-              <a:t>- New Features</a:t>
+              <a:t>Data Model</a:t>
             </a:r>
           </a:p>
         </p:txBody>
       </p:sp>
       <p:sp>
         <p:nvSpPr>
-          <p:cNvPr id="3" name="TextBox 2">
+          <p:cNvPr id="5" name="Rectangle 4">
             <a:extLst>
               <a:ext uri="{FF2B5EF4-FFF2-40B4-BE49-F238E27FC236}">
-                <a16:creationId xmlns:a16="http://schemas.microsoft.com/office/drawing/2014/main" id="{B3F32835-ACBF-914F-A66E-58B0270D02C0}"/>
+                <a16:creationId xmlns:a16="http://schemas.microsoft.com/office/drawing/2014/main" id="{EEEAB8D6-B7EA-4640-BA04-BB2B8CFD8396}"/>
               </a:ext>
             </a:extLst>
           </p:cNvPr>
-          <p:cNvSpPr txBox="1"/>
+          <p:cNvSpPr/>
           <p:nvPr/>
         </p:nvSpPr>
         <p:spPr>
           <a:xfrm>
-            <a:off x="838200" y="1506022"/>
-            <a:ext cx="6685613" cy="3785652"/>
+            <a:off x="1212570" y="3270865"/>
+            <a:ext cx="2168165" cy="1197204"/>
           </a:xfrm>
           <a:prstGeom prst="rect">
             <a:avLst/>
           </a:prstGeom>
           <a:noFill/>
-        </p:spPr>
+          <a:ln w="28575">
+            <a:solidFill>
+              <a:schemeClr val="tx1"/>
+            </a:solidFill>
+          </a:ln>
+        </p:spPr>
+        <p:style>
+          <a:lnRef idx="2">
+            <a:schemeClr val="accent1">
+              <a:shade val="50000"/>
+            </a:schemeClr>
+          </a:lnRef>
+          <a:fillRef idx="1">
+            <a:schemeClr val="accent1"/>
+          </a:fillRef>
+          <a:effectRef idx="0">
+            <a:schemeClr val="accent1"/>
+          </a:effectRef>
+          <a:fontRef idx="minor">
+            <a:schemeClr val="lt1"/>
+          </a:fontRef>
+        </p:style>
         <p:txBody>
-          <a:bodyPr wrap="square" rtlCol="0">
-            <a:spAutoFit/>
-          </a:bodyPr>
+          <a:bodyPr rtlCol="0" anchor="t"/>
           <a:lstStyle/>
           <a:p>
-            <a:pPr marL="342900" indent="-342900">
+            <a:r>
+              <a:rPr lang="en-US" dirty="0">
+                <a:solidFill>
+                  <a:schemeClr val="tx1"/>
+                </a:solidFill>
+              </a:rPr>
+              <a:t>Sample</a:t>
+            </a:r>
+          </a:p>
+          <a:p>
+            <a:pPr marL="285750" indent="-285750">
               <a:buFont typeface="Arial" panose="020B0604020202020204" pitchFamily="34" charset="0"/>
               <a:buChar char="•"/>
             </a:pPr>
             <a:r>
-              <a:rPr lang="en-US" sz="2400" dirty="0"/>
-              <a:t>Upload Samples</a:t>
-            </a:r>
-          </a:p>
-          <a:p>
-            <a:pPr marL="342900" indent="-342900">
+              <a:rPr lang="en-US" dirty="0">
+                <a:solidFill>
+                  <a:schemeClr val="tx1"/>
+                </a:solidFill>
+              </a:rPr>
+              <a:t>One data point</a:t>
+            </a:r>
+          </a:p>
+          <a:p>
+            <a:pPr marL="285750" indent="-285750">
               <a:buFont typeface="Arial" panose="020B0604020202020204" pitchFamily="34" charset="0"/>
               <a:buChar char="•"/>
             </a:pPr>
             <a:r>
-              <a:rPr lang="en-US" sz="2400" dirty="0"/>
-              <a:t>Manage samples and sample groups</a:t>
-            </a:r>
-          </a:p>
-          <a:p>
-            <a:pPr marL="800100" lvl="1" indent="-342900">
-              <a:buFont typeface="Arial" panose="020B0604020202020204" pitchFamily="34" charset="0"/>
-              <a:buChar char="•"/>
-            </a:pPr>
-            <a:r>
-              <a:rPr lang="en-US" sz="2400" dirty="0"/>
-              <a:t>make new groups</a:t>
-            </a:r>
-          </a:p>
-          <a:p>
-            <a:pPr marL="800100" lvl="1" indent="-342900">
-              <a:buFont typeface="Arial" panose="020B0604020202020204" pitchFamily="34" charset="0"/>
-              <a:buChar char="•"/>
-            </a:pPr>
-            <a:r>
-              <a:rPr lang="en-US" sz="2400" dirty="0"/>
-              <a:t>Delete groups</a:t>
-            </a:r>
-          </a:p>
-          <a:p>
-            <a:pPr marL="342900" indent="-342900">
-              <a:buFont typeface="Arial" panose="020B0604020202020204" pitchFamily="34" charset="0"/>
-              <a:buChar char="•"/>
-            </a:pPr>
-            <a:r>
-              <a:rPr lang="en-US" sz="2400" dirty="0"/>
-              <a:t>Search groups/samples</a:t>
-            </a:r>
-          </a:p>
-          <a:p>
-            <a:pPr marL="342900" indent="-342900">
-              <a:buFont typeface="Arial" panose="020B0604020202020204" pitchFamily="34" charset="0"/>
-              <a:buChar char="•"/>
-            </a:pPr>
-            <a:r>
-              <a:rPr lang="en-US" sz="2400" dirty="0"/>
-              <a:t>Species view (in addition to sample and group)</a:t>
-            </a:r>
-          </a:p>
-          <a:p>
-            <a:pPr marL="342900" indent="-342900">
-              <a:buFont typeface="Arial" panose="020B0604020202020204" pitchFamily="34" charset="0"/>
-              <a:buChar char="•"/>
-            </a:pPr>
-            <a:r>
-              <a:rPr lang="en-US" sz="2400" dirty="0"/>
-              <a:t>Gene search in groups</a:t>
-            </a:r>
-          </a:p>
-          <a:p>
-            <a:pPr marL="342900" indent="-342900">
-              <a:buFont typeface="Arial" panose="020B0604020202020204" pitchFamily="34" charset="0"/>
-              <a:buChar char="•"/>
-            </a:pPr>
-            <a:r>
-              <a:rPr lang="en-US" sz="2400" dirty="0"/>
-              <a:t>Support long reads</a:t>
-            </a:r>
-          </a:p>
-          <a:p>
-            <a:pPr marL="342900" indent="-342900">
-              <a:buFont typeface="Arial" panose="020B0604020202020204" pitchFamily="34" charset="0"/>
-              <a:buChar char="•"/>
-            </a:pPr>
-            <a:endParaRPr lang="en-US" sz="2400" dirty="0"/>
-          </a:p>
-          <a:p>
-            <a:endParaRPr lang="en-US" sz="2400" dirty="0"/>
+              <a:rPr lang="en-US" dirty="0">
+                <a:solidFill>
+                  <a:schemeClr val="tx1"/>
+                </a:solidFill>
+              </a:rPr>
+              <a:t>E.g. one swab</a:t>
+            </a:r>
           </a:p>
         </p:txBody>
       </p:sp>
       <p:sp>
         <p:nvSpPr>
-          <p:cNvPr id="4" name="TextBox 3">
+          <p:cNvPr id="6" name="Rectangle 5">
             <a:extLst>
               <a:ext uri="{FF2B5EF4-FFF2-40B4-BE49-F238E27FC236}">
-                <a16:creationId xmlns:a16="http://schemas.microsoft.com/office/drawing/2014/main" id="{74B194CA-F84C-5D4E-96EB-EF80283AE5AD}"/>
+                <a16:creationId xmlns:a16="http://schemas.microsoft.com/office/drawing/2014/main" id="{A0C571F2-45EE-9B43-9683-6FBC88B653A9}"/>
               </a:ext>
             </a:extLst>
           </p:cNvPr>
-          <p:cNvSpPr txBox="1"/>
+          <p:cNvSpPr/>
           <p:nvPr/>
         </p:nvSpPr>
         <p:spPr>
           <a:xfrm>
-            <a:off x="7252505" y="1506022"/>
-            <a:ext cx="4796742" cy="5632311"/>
+            <a:off x="4006486" y="4679403"/>
+            <a:ext cx="3418442" cy="1197204"/>
           </a:xfrm>
           <a:prstGeom prst="rect">
             <a:avLst/>
           </a:prstGeom>
           <a:noFill/>
-        </p:spPr>
+          <a:ln w="28575">
+            <a:solidFill>
+              <a:schemeClr val="tx1"/>
+            </a:solidFill>
+          </a:ln>
+        </p:spPr>
+        <p:style>
+          <a:lnRef idx="2">
+            <a:schemeClr val="accent1">
+              <a:shade val="50000"/>
+            </a:schemeClr>
+          </a:lnRef>
+          <a:fillRef idx="1">
+            <a:schemeClr val="accent1"/>
+          </a:fillRef>
+          <a:effectRef idx="0">
+            <a:schemeClr val="accent1"/>
+          </a:effectRef>
+          <a:fontRef idx="minor">
+            <a:schemeClr val="lt1"/>
+          </a:fontRef>
+        </p:style>
         <p:txBody>
-          <a:bodyPr wrap="square" rtlCol="0">
-            <a:spAutoFit/>
-          </a:bodyPr>
+          <a:bodyPr rtlCol="0" anchor="t"/>
           <a:lstStyle/>
           <a:p>
             <a:r>
-              <a:rPr lang="en-US" sz="2400" dirty="0"/>
-              <a:t>Modules- Group</a:t>
-            </a:r>
-          </a:p>
-          <a:p>
-            <a:pPr marL="342900" indent="-342900">
+              <a:rPr lang="en-US" dirty="0">
+                <a:solidFill>
+                  <a:schemeClr val="tx1"/>
+                </a:solidFill>
+              </a:rPr>
+              <a:t>Analysis Module</a:t>
+            </a:r>
+          </a:p>
+          <a:p>
+            <a:pPr marL="285750" indent="-285750">
               <a:buFont typeface="Arial" panose="020B0604020202020204" pitchFamily="34" charset="0"/>
               <a:buChar char="•"/>
             </a:pPr>
             <a:r>
-              <a:rPr lang="en-US" sz="2400" dirty="0"/>
-              <a:t>Dimensionality Reduction</a:t>
-            </a:r>
-          </a:p>
-          <a:p>
-            <a:pPr marL="342900" indent="-342900">
+              <a:rPr lang="en-US" dirty="0">
+                <a:solidFill>
+                  <a:schemeClr val="tx1"/>
+                </a:solidFill>
+              </a:rPr>
+              <a:t>A specific tool run on a sample</a:t>
+            </a:r>
+          </a:p>
+          <a:p>
+            <a:pPr marL="285750" indent="-285750">
               <a:buFont typeface="Arial" panose="020B0604020202020204" pitchFamily="34" charset="0"/>
               <a:buChar char="•"/>
             </a:pPr>
             <a:r>
-              <a:rPr lang="en-US" sz="2400" dirty="0"/>
-              <a:t>Multi-Axis</a:t>
-            </a:r>
-          </a:p>
-          <a:p>
-            <a:pPr marL="342900" indent="-342900">
+              <a:rPr lang="en-US" dirty="0">
+                <a:solidFill>
+                  <a:schemeClr val="tx1"/>
+                </a:solidFill>
+              </a:rPr>
+              <a:t>E.g. Read Count, Paired end </a:t>
+            </a:r>
+            <a:r>
+              <a:rPr lang="en-US" dirty="0" err="1">
+                <a:solidFill>
+                  <a:schemeClr val="tx1"/>
+                </a:solidFill>
+              </a:rPr>
+              <a:t>fastqs</a:t>
+            </a:r>
+            <a:endParaRPr lang="en-US" dirty="0">
+              <a:solidFill>
+                <a:schemeClr val="tx1"/>
+              </a:solidFill>
+            </a:endParaRPr>
+          </a:p>
+        </p:txBody>
+      </p:sp>
+      <p:cxnSp>
+        <p:nvCxnSpPr>
+          <p:cNvPr id="9" name="Curved Connector 8">
+            <a:extLst>
+              <a:ext uri="{FF2B5EF4-FFF2-40B4-BE49-F238E27FC236}">
+                <a16:creationId xmlns:a16="http://schemas.microsoft.com/office/drawing/2014/main" id="{5E6D2EEE-9FAB-3E45-8819-28EA73A3A440}"/>
+              </a:ext>
+            </a:extLst>
+          </p:cNvPr>
+          <p:cNvCxnSpPr>
+            <a:stCxn id="4" idx="2"/>
+            <a:endCxn id="5" idx="1"/>
+          </p:cNvCxnSpPr>
+          <p:nvPr/>
+        </p:nvCxnSpPr>
+        <p:spPr>
+          <a:xfrm rot="5400000">
+            <a:off x="1248997" y="2574797"/>
+            <a:ext cx="1258243" cy="1331096"/>
+          </a:xfrm>
+          <a:prstGeom prst="curvedConnector4">
+            <a:avLst>
+              <a:gd name="adj1" fmla="val 26213"/>
+              <a:gd name="adj2" fmla="val 117174"/>
+            </a:avLst>
+          </a:prstGeom>
+          <a:ln w="38100">
+            <a:solidFill>
+              <a:schemeClr val="tx1"/>
+            </a:solidFill>
+            <a:tailEnd type="oval" w="lg" len="lg"/>
+          </a:ln>
+        </p:spPr>
+        <p:style>
+          <a:lnRef idx="1">
+            <a:schemeClr val="accent1"/>
+          </a:lnRef>
+          <a:fillRef idx="0">
+            <a:schemeClr val="accent1"/>
+          </a:fillRef>
+          <a:effectRef idx="0">
+            <a:schemeClr val="accent1"/>
+          </a:effectRef>
+          <a:fontRef idx="minor">
+            <a:schemeClr val="tx1"/>
+          </a:fontRef>
+        </p:style>
+      </p:cxnSp>
+      <p:cxnSp>
+        <p:nvCxnSpPr>
+          <p:cNvPr id="10" name="Curved Connector 9">
+            <a:extLst>
+              <a:ext uri="{FF2B5EF4-FFF2-40B4-BE49-F238E27FC236}">
+                <a16:creationId xmlns:a16="http://schemas.microsoft.com/office/drawing/2014/main" id="{6BD1A3E6-A668-854C-8372-3C633851382A}"/>
+              </a:ext>
+            </a:extLst>
+          </p:cNvPr>
+          <p:cNvCxnSpPr>
+            <a:cxnSpLocks/>
+            <a:stCxn id="5" idx="2"/>
+            <a:endCxn id="6" idx="1"/>
+          </p:cNvCxnSpPr>
+          <p:nvPr/>
+        </p:nvCxnSpPr>
+        <p:spPr>
+          <a:xfrm rot="16200000" flipH="1">
+            <a:off x="2746601" y="4018120"/>
+            <a:ext cx="809936" cy="1709833"/>
+          </a:xfrm>
+          <a:prstGeom prst="curvedConnector2">
+            <a:avLst/>
+          </a:prstGeom>
+          <a:ln w="38100">
+            <a:solidFill>
+              <a:schemeClr val="tx1"/>
+            </a:solidFill>
+            <a:tailEnd type="oval" w="lg" len="lg"/>
+          </a:ln>
+        </p:spPr>
+        <p:style>
+          <a:lnRef idx="1">
+            <a:schemeClr val="accent1"/>
+          </a:lnRef>
+          <a:fillRef idx="0">
+            <a:schemeClr val="accent1"/>
+          </a:fillRef>
+          <a:effectRef idx="0">
+            <a:schemeClr val="accent1"/>
+          </a:effectRef>
+          <a:fontRef idx="minor">
+            <a:schemeClr val="tx1"/>
+          </a:fontRef>
+        </p:style>
+      </p:cxnSp>
+      <p:grpSp>
+        <p:nvGrpSpPr>
+          <p:cNvPr id="12" name="Group 11">
+            <a:extLst>
+              <a:ext uri="{FF2B5EF4-FFF2-40B4-BE49-F238E27FC236}">
+                <a16:creationId xmlns:a16="http://schemas.microsoft.com/office/drawing/2014/main" id="{4E3B9C47-0677-2D41-B15B-A3B34271C0E6}"/>
+              </a:ext>
+            </a:extLst>
+          </p:cNvPr>
+          <p:cNvGrpSpPr/>
+          <p:nvPr/>
+        </p:nvGrpSpPr>
+        <p:grpSpPr>
+          <a:xfrm>
+            <a:off x="1459583" y="1409307"/>
+            <a:ext cx="4798243" cy="1201917"/>
+            <a:chOff x="1459583" y="1409307"/>
+            <a:chExt cx="4798243" cy="1201917"/>
+          </a:xfrm>
+        </p:grpSpPr>
+        <p:sp>
+          <p:nvSpPr>
+            <p:cNvPr id="4" name="Rectangle 3">
+              <a:extLst>
+                <a:ext uri="{FF2B5EF4-FFF2-40B4-BE49-F238E27FC236}">
+                  <a16:creationId xmlns:a16="http://schemas.microsoft.com/office/drawing/2014/main" id="{897FB6F9-5D64-DC40-B8E2-1B62DB208466}"/>
+                </a:ext>
+              </a:extLst>
+            </p:cNvPr>
+            <p:cNvSpPr/>
+            <p:nvPr/>
+          </p:nvSpPr>
+          <p:spPr>
+            <a:xfrm>
+              <a:off x="1459583" y="1414020"/>
+              <a:ext cx="2168165" cy="1197204"/>
+            </a:xfrm>
+            <a:prstGeom prst="rect">
+              <a:avLst/>
+            </a:prstGeom>
+            <a:noFill/>
+            <a:ln w="28575">
+              <a:solidFill>
+                <a:schemeClr val="tx1"/>
+              </a:solidFill>
+            </a:ln>
+          </p:spPr>
+          <p:style>
+            <a:lnRef idx="2">
+              <a:schemeClr val="accent1">
+                <a:shade val="50000"/>
+              </a:schemeClr>
+            </a:lnRef>
+            <a:fillRef idx="1">
+              <a:schemeClr val="accent1"/>
+            </a:fillRef>
+            <a:effectRef idx="0">
+              <a:schemeClr val="accent1"/>
+            </a:effectRef>
+            <a:fontRef idx="minor">
+              <a:schemeClr val="lt1"/>
+            </a:fontRef>
+          </p:style>
+          <p:txBody>
+            <a:bodyPr rtlCol="0" anchor="t"/>
+            <a:lstStyle/>
+            <a:p>
+              <a:r>
+                <a:rPr lang="en-US" dirty="0">
+                  <a:solidFill>
+                    <a:schemeClr val="tx1"/>
+                  </a:solidFill>
+                </a:rPr>
+                <a:t>Sample Library</a:t>
+              </a:r>
+            </a:p>
+            <a:p>
+              <a:pPr marL="285750" indent="-285750">
+                <a:buFont typeface="Arial" panose="020B0604020202020204" pitchFamily="34" charset="0"/>
+                <a:buChar char="•"/>
+              </a:pPr>
+              <a:r>
+                <a:rPr lang="en-US" dirty="0">
+                  <a:solidFill>
+                    <a:schemeClr val="tx1"/>
+                  </a:solidFill>
+                </a:rPr>
+                <a:t>Group of Samples</a:t>
+              </a:r>
+            </a:p>
+            <a:p>
+              <a:pPr marL="285750" indent="-285750">
+                <a:buFont typeface="Arial" panose="020B0604020202020204" pitchFamily="34" charset="0"/>
+                <a:buChar char="•"/>
+              </a:pPr>
+              <a:r>
+                <a:rPr lang="en-US" dirty="0">
+                  <a:solidFill>
+                    <a:schemeClr val="tx1"/>
+                  </a:solidFill>
+                </a:rPr>
+                <a:t>E.g. MetaSUB</a:t>
+              </a:r>
+            </a:p>
+          </p:txBody>
+        </p:sp>
+        <p:sp>
+          <p:nvSpPr>
+            <p:cNvPr id="11" name="Rectangle 10">
+              <a:extLst>
+                <a:ext uri="{FF2B5EF4-FFF2-40B4-BE49-F238E27FC236}">
+                  <a16:creationId xmlns:a16="http://schemas.microsoft.com/office/drawing/2014/main" id="{67E38E01-7A7A-2846-97DE-42E2283D43F2}"/>
+                </a:ext>
+              </a:extLst>
+            </p:cNvPr>
+            <p:cNvSpPr/>
+            <p:nvPr/>
+          </p:nvSpPr>
+          <p:spPr>
+            <a:xfrm>
+              <a:off x="4089661" y="1409307"/>
+              <a:ext cx="2168165" cy="1197204"/>
+            </a:xfrm>
+            <a:prstGeom prst="rect">
+              <a:avLst/>
+            </a:prstGeom>
+            <a:noFill/>
+            <a:ln w="28575">
+              <a:solidFill>
+                <a:schemeClr val="tx1"/>
+              </a:solidFill>
+            </a:ln>
+          </p:spPr>
+          <p:style>
+            <a:lnRef idx="2">
+              <a:schemeClr val="accent1">
+                <a:shade val="50000"/>
+              </a:schemeClr>
+            </a:lnRef>
+            <a:fillRef idx="1">
+              <a:schemeClr val="accent1"/>
+            </a:fillRef>
+            <a:effectRef idx="0">
+              <a:schemeClr val="accent1"/>
+            </a:effectRef>
+            <a:fontRef idx="minor">
+              <a:schemeClr val="lt1"/>
+            </a:fontRef>
+          </p:style>
+          <p:txBody>
+            <a:bodyPr rtlCol="0" anchor="t"/>
+            <a:lstStyle/>
+            <a:p>
+              <a:r>
+                <a:rPr lang="en-US" dirty="0">
+                  <a:solidFill>
+                    <a:schemeClr val="tx1"/>
+                  </a:solidFill>
+                </a:rPr>
+                <a:t>Sample Group</a:t>
+              </a:r>
+            </a:p>
+            <a:p>
+              <a:pPr marL="285750" indent="-285750">
+                <a:buFont typeface="Arial" panose="020B0604020202020204" pitchFamily="34" charset="0"/>
+                <a:buChar char="•"/>
+              </a:pPr>
+              <a:r>
+                <a:rPr lang="en-US" dirty="0">
+                  <a:solidFill>
+                    <a:schemeClr val="tx1"/>
+                  </a:solidFill>
+                </a:rPr>
+                <a:t>Group of Samples</a:t>
+              </a:r>
+            </a:p>
+            <a:p>
+              <a:pPr marL="285750" indent="-285750">
+                <a:buFont typeface="Arial" panose="020B0604020202020204" pitchFamily="34" charset="0"/>
+                <a:buChar char="•"/>
+              </a:pPr>
+              <a:r>
+                <a:rPr lang="en-US" dirty="0">
+                  <a:solidFill>
+                    <a:schemeClr val="tx1"/>
+                  </a:solidFill>
+                </a:rPr>
+                <a:t>Ad-hoc</a:t>
+              </a:r>
+            </a:p>
+            <a:p>
+              <a:pPr marL="285750" indent="-285750">
+                <a:buFont typeface="Arial" panose="020B0604020202020204" pitchFamily="34" charset="0"/>
+                <a:buChar char="•"/>
+              </a:pPr>
+              <a:r>
+                <a:rPr lang="en-US" dirty="0">
+                  <a:solidFill>
+                    <a:schemeClr val="tx1"/>
+                  </a:solidFill>
+                </a:rPr>
+                <a:t>E.g. ‘Paris’</a:t>
+              </a:r>
+            </a:p>
+          </p:txBody>
+        </p:sp>
+      </p:grpSp>
+      <p:sp>
+        <p:nvSpPr>
+          <p:cNvPr id="14" name="Rectangle 13">
+            <a:extLst>
+              <a:ext uri="{FF2B5EF4-FFF2-40B4-BE49-F238E27FC236}">
+                <a16:creationId xmlns:a16="http://schemas.microsoft.com/office/drawing/2014/main" id="{345BDBE6-D1A8-7842-BEF1-A1F2994ADDBE}"/>
+              </a:ext>
+            </a:extLst>
+          </p:cNvPr>
+          <p:cNvSpPr/>
+          <p:nvPr/>
+        </p:nvSpPr>
+        <p:spPr>
+          <a:xfrm>
+            <a:off x="7858436" y="5555089"/>
+            <a:ext cx="3775435" cy="1197204"/>
+          </a:xfrm>
+          <a:prstGeom prst="rect">
+            <a:avLst/>
+          </a:prstGeom>
+          <a:noFill/>
+          <a:ln w="28575">
+            <a:solidFill>
+              <a:schemeClr val="tx1"/>
+            </a:solidFill>
+          </a:ln>
+        </p:spPr>
+        <p:style>
+          <a:lnRef idx="2">
+            <a:schemeClr val="accent1">
+              <a:shade val="50000"/>
+            </a:schemeClr>
+          </a:lnRef>
+          <a:fillRef idx="1">
+            <a:schemeClr val="accent1"/>
+          </a:fillRef>
+          <a:effectRef idx="0">
+            <a:schemeClr val="accent1"/>
+          </a:effectRef>
+          <a:fontRef idx="minor">
+            <a:schemeClr val="lt1"/>
+          </a:fontRef>
+        </p:style>
+        <p:txBody>
+          <a:bodyPr rtlCol="0" anchor="t"/>
+          <a:lstStyle/>
+          <a:p>
+            <a:r>
+              <a:rPr lang="en-US" dirty="0">
+                <a:solidFill>
+                  <a:schemeClr val="tx1"/>
+                </a:solidFill>
+              </a:rPr>
+              <a:t>Analysis Module Field</a:t>
+            </a:r>
+          </a:p>
+          <a:p>
+            <a:pPr marL="285750" indent="-285750">
               <a:buFont typeface="Arial" panose="020B0604020202020204" pitchFamily="34" charset="0"/>
               <a:buChar char="•"/>
             </a:pPr>
             <a:r>
-              <a:rPr lang="en-US" sz="2400" dirty="0"/>
-              <a:t>Volcano</a:t>
-            </a:r>
-          </a:p>
-          <a:p>
-            <a:pPr marL="342900" indent="-342900">
+              <a:rPr lang="en-US" dirty="0">
+                <a:solidFill>
+                  <a:schemeClr val="tx1"/>
+                </a:solidFill>
+              </a:rPr>
+              <a:t>Useful extra level</a:t>
+            </a:r>
+          </a:p>
+          <a:p>
+            <a:pPr marL="285750" indent="-285750">
               <a:buFont typeface="Arial" panose="020B0604020202020204" pitchFamily="34" charset="0"/>
               <a:buChar char="•"/>
             </a:pPr>
             <a:r>
-              <a:rPr lang="en-US" sz="2400" dirty="0"/>
-              <a:t>Alpha diversity</a:t>
-            </a:r>
-          </a:p>
-          <a:p>
-            <a:pPr marL="342900" indent="-342900">
+              <a:rPr lang="en-US" dirty="0">
+                <a:solidFill>
+                  <a:schemeClr val="tx1"/>
+                </a:solidFill>
+              </a:rPr>
+              <a:t>For results that should be together</a:t>
+            </a:r>
+          </a:p>
+          <a:p>
+            <a:pPr marL="285750" indent="-285750">
               <a:buFont typeface="Arial" panose="020B0604020202020204" pitchFamily="34" charset="0"/>
               <a:buChar char="•"/>
             </a:pPr>
             <a:r>
-              <a:rPr lang="en-US" sz="2400" dirty="0"/>
-              <a:t>Beta diversity</a:t>
-            </a:r>
-          </a:p>
-          <a:p>
-            <a:pPr marL="342900" indent="-342900">
+              <a:rPr lang="en-US" dirty="0">
+                <a:solidFill>
+                  <a:schemeClr val="tx1"/>
+                </a:solidFill>
+              </a:rPr>
+              <a:t>E.g. R1 and R2 in paired end reads</a:t>
+            </a:r>
+          </a:p>
+        </p:txBody>
+      </p:sp>
+      <p:cxnSp>
+        <p:nvCxnSpPr>
+          <p:cNvPr id="18" name="Curved Connector 17">
+            <a:extLst>
+              <a:ext uri="{FF2B5EF4-FFF2-40B4-BE49-F238E27FC236}">
+                <a16:creationId xmlns:a16="http://schemas.microsoft.com/office/drawing/2014/main" id="{54011FE5-45EA-A542-8A0F-57FE10AD6CA3}"/>
+              </a:ext>
+            </a:extLst>
+          </p:cNvPr>
+          <p:cNvCxnSpPr>
+            <a:cxnSpLocks/>
+            <a:stCxn id="11" idx="2"/>
+            <a:endCxn id="5" idx="3"/>
+          </p:cNvCxnSpPr>
+          <p:nvPr/>
+        </p:nvCxnSpPr>
+        <p:spPr>
+          <a:xfrm rot="5400000">
+            <a:off x="3645762" y="2341485"/>
+            <a:ext cx="1262956" cy="1793009"/>
+          </a:xfrm>
+          <a:prstGeom prst="curvedConnector2">
+            <a:avLst/>
+          </a:prstGeom>
+          <a:ln w="38100">
+            <a:solidFill>
+              <a:schemeClr val="tx1"/>
+            </a:solidFill>
+            <a:headEnd type="oval" w="lg" len="lg"/>
+            <a:tailEnd type="oval" w="lg" len="lg"/>
+          </a:ln>
+        </p:spPr>
+        <p:style>
+          <a:lnRef idx="1">
+            <a:schemeClr val="accent1"/>
+          </a:lnRef>
+          <a:fillRef idx="0">
+            <a:schemeClr val="accent1"/>
+          </a:fillRef>
+          <a:effectRef idx="0">
+            <a:schemeClr val="accent1"/>
+          </a:effectRef>
+          <a:fontRef idx="minor">
+            <a:schemeClr val="tx1"/>
+          </a:fontRef>
+        </p:style>
+      </p:cxnSp>
+      <p:cxnSp>
+        <p:nvCxnSpPr>
+          <p:cNvPr id="21" name="Curved Connector 20">
+            <a:extLst>
+              <a:ext uri="{FF2B5EF4-FFF2-40B4-BE49-F238E27FC236}">
+                <a16:creationId xmlns:a16="http://schemas.microsoft.com/office/drawing/2014/main" id="{C7D2D2BF-8678-4248-B06B-B2F2AB223C22}"/>
+              </a:ext>
+            </a:extLst>
+          </p:cNvPr>
+          <p:cNvCxnSpPr>
+            <a:cxnSpLocks/>
+            <a:stCxn id="6" idx="2"/>
+            <a:endCxn id="14" idx="1"/>
+          </p:cNvCxnSpPr>
+          <p:nvPr/>
+        </p:nvCxnSpPr>
+        <p:spPr>
+          <a:xfrm rot="16200000" flipH="1">
+            <a:off x="6648529" y="4943784"/>
+            <a:ext cx="277084" cy="2142729"/>
+          </a:xfrm>
+          <a:prstGeom prst="curvedConnector2">
+            <a:avLst/>
+          </a:prstGeom>
+          <a:ln w="38100">
+            <a:solidFill>
+              <a:schemeClr val="tx1"/>
+            </a:solidFill>
+            <a:tailEnd type="oval" w="lg" len="lg"/>
+          </a:ln>
+        </p:spPr>
+        <p:style>
+          <a:lnRef idx="1">
+            <a:schemeClr val="accent1"/>
+          </a:lnRef>
+          <a:fillRef idx="0">
+            <a:schemeClr val="accent1"/>
+          </a:fillRef>
+          <a:effectRef idx="0">
+            <a:schemeClr val="accent1"/>
+          </a:effectRef>
+          <a:fontRef idx="minor">
+            <a:schemeClr val="tx1"/>
+          </a:fontRef>
+        </p:style>
+      </p:cxnSp>
+      <p:cxnSp>
+        <p:nvCxnSpPr>
+          <p:cNvPr id="26" name="Curved Connector 25">
+            <a:extLst>
+              <a:ext uri="{FF2B5EF4-FFF2-40B4-BE49-F238E27FC236}">
+                <a16:creationId xmlns:a16="http://schemas.microsoft.com/office/drawing/2014/main" id="{F70AA115-C52D-7A4E-B61A-A62705D6309E}"/>
+              </a:ext>
+            </a:extLst>
+          </p:cNvPr>
+          <p:cNvCxnSpPr>
+            <a:cxnSpLocks/>
+            <a:stCxn id="11" idx="2"/>
+            <a:endCxn id="6" idx="1"/>
+          </p:cNvCxnSpPr>
+          <p:nvPr/>
+        </p:nvCxnSpPr>
+        <p:spPr>
+          <a:xfrm rot="5400000">
+            <a:off x="3254368" y="3358629"/>
+            <a:ext cx="2671494" cy="1167258"/>
+          </a:xfrm>
+          <a:prstGeom prst="curvedConnector4">
+            <a:avLst>
+              <a:gd name="adj1" fmla="val 38796"/>
+              <a:gd name="adj2" fmla="val 119584"/>
+            </a:avLst>
+          </a:prstGeom>
+          <a:ln w="38100">
+            <a:solidFill>
+              <a:schemeClr val="tx1"/>
+            </a:solidFill>
+            <a:tailEnd type="oval" w="lg" len="lg"/>
+          </a:ln>
+        </p:spPr>
+        <p:style>
+          <a:lnRef idx="1">
+            <a:schemeClr val="accent1"/>
+          </a:lnRef>
+          <a:fillRef idx="0">
+            <a:schemeClr val="accent1"/>
+          </a:fillRef>
+          <a:effectRef idx="0">
+            <a:schemeClr val="accent1"/>
+          </a:effectRef>
+          <a:fontRef idx="minor">
+            <a:schemeClr val="tx1"/>
+          </a:fontRef>
+        </p:style>
+      </p:cxnSp>
+      <p:sp>
+        <p:nvSpPr>
+          <p:cNvPr id="49" name="Right Arrow 48">
+            <a:extLst>
+              <a:ext uri="{FF2B5EF4-FFF2-40B4-BE49-F238E27FC236}">
+                <a16:creationId xmlns:a16="http://schemas.microsoft.com/office/drawing/2014/main" id="{A715495F-512D-0D49-B10F-3760E9EDCDF4}"/>
+              </a:ext>
+            </a:extLst>
+          </p:cNvPr>
+          <p:cNvSpPr/>
+          <p:nvPr/>
+        </p:nvSpPr>
+        <p:spPr>
+          <a:xfrm>
+            <a:off x="3627748" y="1853668"/>
+            <a:ext cx="461913" cy="462812"/>
+          </a:xfrm>
+          <a:prstGeom prst="rightArrow">
+            <a:avLst/>
+          </a:prstGeom>
+          <a:solidFill>
+            <a:schemeClr val="tx1"/>
+          </a:solidFill>
+          <a:ln>
+            <a:solidFill>
+              <a:schemeClr val="tx1"/>
+            </a:solidFill>
+          </a:ln>
+        </p:spPr>
+        <p:style>
+          <a:lnRef idx="2">
+            <a:schemeClr val="accent1">
+              <a:shade val="50000"/>
+            </a:schemeClr>
+          </a:lnRef>
+          <a:fillRef idx="1">
+            <a:schemeClr val="accent1"/>
+          </a:fillRef>
+          <a:effectRef idx="0">
+            <a:schemeClr val="accent1"/>
+          </a:effectRef>
+          <a:fontRef idx="minor">
+            <a:schemeClr val="lt1"/>
+          </a:fontRef>
+        </p:style>
+        <p:txBody>
+          <a:bodyPr rtlCol="0" anchor="ctr"/>
+          <a:lstStyle/>
+          <a:p>
+            <a:pPr algn="ctr"/>
+            <a:endParaRPr lang="en-US"/>
+          </a:p>
+        </p:txBody>
+      </p:sp>
+      <p:grpSp>
+        <p:nvGrpSpPr>
+          <p:cNvPr id="52" name="Group 51">
+            <a:extLst>
+              <a:ext uri="{FF2B5EF4-FFF2-40B4-BE49-F238E27FC236}">
+                <a16:creationId xmlns:a16="http://schemas.microsoft.com/office/drawing/2014/main" id="{7F30064B-962B-B942-98D2-1298D3EA63C1}"/>
+              </a:ext>
+            </a:extLst>
+          </p:cNvPr>
+          <p:cNvGrpSpPr/>
+          <p:nvPr/>
+        </p:nvGrpSpPr>
+        <p:grpSpPr>
+          <a:xfrm>
+            <a:off x="9340299" y="1409307"/>
+            <a:ext cx="2149311" cy="2460160"/>
+            <a:chOff x="8079777" y="1515606"/>
+            <a:chExt cx="2149311" cy="2460160"/>
+          </a:xfrm>
+        </p:grpSpPr>
+        <p:cxnSp>
+          <p:nvCxnSpPr>
+            <p:cNvPr id="41" name="Curved Connector 40">
+              <a:extLst>
+                <a:ext uri="{FF2B5EF4-FFF2-40B4-BE49-F238E27FC236}">
+                  <a16:creationId xmlns:a16="http://schemas.microsoft.com/office/drawing/2014/main" id="{A3F10BAF-1534-FC4D-B921-90D31E449BE6}"/>
+                </a:ext>
+              </a:extLst>
+            </p:cNvPr>
+            <p:cNvCxnSpPr>
+              <a:cxnSpLocks/>
+            </p:cNvCxnSpPr>
+            <p:nvPr/>
+          </p:nvCxnSpPr>
+          <p:spPr>
+            <a:xfrm rot="5400000">
+              <a:off x="7989210" y="1810252"/>
+              <a:ext cx="676124" cy="86832"/>
+            </a:xfrm>
+            <a:prstGeom prst="curvedConnector3">
+              <a:avLst>
+                <a:gd name="adj1" fmla="val 50000"/>
+              </a:avLst>
+            </a:prstGeom>
+            <a:ln w="38100">
+              <a:solidFill>
+                <a:schemeClr val="tx1"/>
+              </a:solidFill>
+              <a:headEnd type="oval" w="lg" len="lg"/>
+              <a:tailEnd type="oval" w="lg" len="lg"/>
+            </a:ln>
+          </p:spPr>
+          <p:style>
+            <a:lnRef idx="1">
+              <a:schemeClr val="accent1"/>
+            </a:lnRef>
+            <a:fillRef idx="0">
+              <a:schemeClr val="accent1"/>
+            </a:fillRef>
+            <a:effectRef idx="0">
+              <a:schemeClr val="accent1"/>
+            </a:effectRef>
+            <a:fontRef idx="minor">
+              <a:schemeClr val="tx1"/>
+            </a:fontRef>
+          </p:style>
+        </p:cxnSp>
+        <p:sp>
+          <p:nvSpPr>
+            <p:cNvPr id="44" name="TextBox 43">
+              <a:extLst>
+                <a:ext uri="{FF2B5EF4-FFF2-40B4-BE49-F238E27FC236}">
+                  <a16:creationId xmlns:a16="http://schemas.microsoft.com/office/drawing/2014/main" id="{CC30436F-BD4C-2B4A-B0DE-E3855322CC12}"/>
+                </a:ext>
+              </a:extLst>
+            </p:cNvPr>
+            <p:cNvSpPr txBox="1"/>
+            <p:nvPr/>
+          </p:nvSpPr>
+          <p:spPr>
+            <a:xfrm>
+              <a:off x="8485632" y="1638577"/>
+              <a:ext cx="1743456" cy="369332"/>
+            </a:xfrm>
+            <a:prstGeom prst="rect">
+              <a:avLst/>
+            </a:prstGeom>
+            <a:noFill/>
+          </p:spPr>
+          <p:txBody>
+            <a:bodyPr wrap="square" rtlCol="0">
+              <a:spAutoFit/>
+            </a:bodyPr>
+            <a:lstStyle/>
+            <a:p>
+              <a:r>
+                <a:rPr lang="en-US" dirty="0"/>
+                <a:t>Many-to-Many</a:t>
+              </a:r>
+            </a:p>
+          </p:txBody>
+        </p:sp>
+        <p:cxnSp>
+          <p:nvCxnSpPr>
+            <p:cNvPr id="45" name="Curved Connector 44">
+              <a:extLst>
+                <a:ext uri="{FF2B5EF4-FFF2-40B4-BE49-F238E27FC236}">
+                  <a16:creationId xmlns:a16="http://schemas.microsoft.com/office/drawing/2014/main" id="{908D16F9-E08C-3746-ABD0-283B73219C87}"/>
+                </a:ext>
+              </a:extLst>
+            </p:cNvPr>
+            <p:cNvCxnSpPr>
+              <a:cxnSpLocks/>
+            </p:cNvCxnSpPr>
+            <p:nvPr/>
+          </p:nvCxnSpPr>
+          <p:spPr>
+            <a:xfrm rot="16200000" flipH="1">
+              <a:off x="7940012" y="2734445"/>
+              <a:ext cx="528650" cy="249119"/>
+            </a:xfrm>
+            <a:prstGeom prst="curvedConnector3">
+              <a:avLst>
+                <a:gd name="adj1" fmla="val 50000"/>
+              </a:avLst>
+            </a:prstGeom>
+            <a:ln w="38100">
+              <a:solidFill>
+                <a:schemeClr val="tx1"/>
+              </a:solidFill>
+              <a:tailEnd type="oval" w="lg" len="lg"/>
+            </a:ln>
+          </p:spPr>
+          <p:style>
+            <a:lnRef idx="1">
+              <a:schemeClr val="accent1"/>
+            </a:lnRef>
+            <a:fillRef idx="0">
+              <a:schemeClr val="accent1"/>
+            </a:fillRef>
+            <a:effectRef idx="0">
+              <a:schemeClr val="accent1"/>
+            </a:effectRef>
+            <a:fontRef idx="minor">
+              <a:schemeClr val="tx1"/>
+            </a:fontRef>
+          </p:style>
+        </p:cxnSp>
+        <p:sp>
+          <p:nvSpPr>
+            <p:cNvPr id="47" name="TextBox 46">
+              <a:extLst>
+                <a:ext uri="{FF2B5EF4-FFF2-40B4-BE49-F238E27FC236}">
+                  <a16:creationId xmlns:a16="http://schemas.microsoft.com/office/drawing/2014/main" id="{78463654-CF28-F14E-AF93-42B4B190B849}"/>
+                </a:ext>
+              </a:extLst>
+            </p:cNvPr>
+            <p:cNvSpPr txBox="1"/>
+            <p:nvPr/>
+          </p:nvSpPr>
+          <p:spPr>
+            <a:xfrm>
+              <a:off x="8485632" y="2705343"/>
+              <a:ext cx="1634042" cy="369332"/>
+            </a:xfrm>
+            <a:prstGeom prst="rect">
+              <a:avLst/>
+            </a:prstGeom>
+            <a:noFill/>
+          </p:spPr>
+          <p:txBody>
+            <a:bodyPr wrap="square" rtlCol="0">
+              <a:spAutoFit/>
+            </a:bodyPr>
+            <a:lstStyle/>
+            <a:p>
+              <a:r>
+                <a:rPr lang="en-US" dirty="0"/>
+                <a:t>One-to-Many</a:t>
+              </a:r>
+            </a:p>
+          </p:txBody>
+        </p:sp>
+        <p:sp>
+          <p:nvSpPr>
+            <p:cNvPr id="50" name="Right Arrow 49">
+              <a:extLst>
+                <a:ext uri="{FF2B5EF4-FFF2-40B4-BE49-F238E27FC236}">
+                  <a16:creationId xmlns:a16="http://schemas.microsoft.com/office/drawing/2014/main" id="{882237EC-312D-0C45-9CCD-518FA6637DDE}"/>
+                </a:ext>
+              </a:extLst>
+            </p:cNvPr>
+            <p:cNvSpPr/>
+            <p:nvPr/>
+          </p:nvSpPr>
+          <p:spPr>
+            <a:xfrm>
+              <a:off x="8139731" y="3512954"/>
+              <a:ext cx="461913" cy="462812"/>
+            </a:xfrm>
+            <a:prstGeom prst="rightArrow">
+              <a:avLst/>
+            </a:prstGeom>
+            <a:solidFill>
+              <a:schemeClr val="tx1"/>
+            </a:solidFill>
+            <a:ln>
+              <a:solidFill>
+                <a:schemeClr val="tx1"/>
+              </a:solidFill>
+            </a:ln>
+          </p:spPr>
+          <p:style>
+            <a:lnRef idx="2">
+              <a:schemeClr val="accent1">
+                <a:shade val="50000"/>
+              </a:schemeClr>
+            </a:lnRef>
+            <a:fillRef idx="1">
+              <a:schemeClr val="accent1"/>
+            </a:fillRef>
+            <a:effectRef idx="0">
+              <a:schemeClr val="accent1"/>
+            </a:effectRef>
+            <a:fontRef idx="minor">
+              <a:schemeClr val="lt1"/>
+            </a:fontRef>
+          </p:style>
+          <p:txBody>
+            <a:bodyPr rtlCol="0" anchor="ctr"/>
+            <a:lstStyle/>
+            <a:p>
+              <a:pPr algn="ctr"/>
+              <a:endParaRPr lang="en-US"/>
+            </a:p>
+          </p:txBody>
+        </p:sp>
+        <p:sp>
+          <p:nvSpPr>
+            <p:cNvPr id="51" name="TextBox 50">
+              <a:extLst>
+                <a:ext uri="{FF2B5EF4-FFF2-40B4-BE49-F238E27FC236}">
+                  <a16:creationId xmlns:a16="http://schemas.microsoft.com/office/drawing/2014/main" id="{4BE91D36-9A2E-3E4D-B3BE-3EEF3B8F6662}"/>
+                </a:ext>
+              </a:extLst>
+            </p:cNvPr>
+            <p:cNvSpPr txBox="1"/>
+            <p:nvPr/>
+          </p:nvSpPr>
+          <p:spPr>
+            <a:xfrm>
+              <a:off x="8741978" y="3512954"/>
+              <a:ext cx="670246" cy="369332"/>
+            </a:xfrm>
+            <a:prstGeom prst="rect">
+              <a:avLst/>
+            </a:prstGeom>
+            <a:noFill/>
+          </p:spPr>
+          <p:txBody>
+            <a:bodyPr wrap="square" rtlCol="0">
+              <a:spAutoFit/>
+            </a:bodyPr>
+            <a:lstStyle/>
+            <a:p>
+              <a:r>
+                <a:rPr lang="en-US" dirty="0"/>
+                <a:t>'Is’</a:t>
+              </a:r>
+            </a:p>
+          </p:txBody>
+        </p:sp>
+      </p:grpSp>
+      <p:sp>
+        <p:nvSpPr>
+          <p:cNvPr id="22" name="Rectangle 21">
+            <a:extLst>
+              <a:ext uri="{FF2B5EF4-FFF2-40B4-BE49-F238E27FC236}">
+                <a16:creationId xmlns:a16="http://schemas.microsoft.com/office/drawing/2014/main" id="{D488D394-D6A0-2348-B994-9154C45129FE}"/>
+              </a:ext>
+            </a:extLst>
+          </p:cNvPr>
+          <p:cNvSpPr/>
+          <p:nvPr/>
+        </p:nvSpPr>
+        <p:spPr>
+          <a:xfrm>
+            <a:off x="6483219" y="519055"/>
+            <a:ext cx="2168165" cy="1197204"/>
+          </a:xfrm>
+          <a:prstGeom prst="rect">
+            <a:avLst/>
+          </a:prstGeom>
+          <a:noFill/>
+          <a:ln w="28575">
+            <a:solidFill>
+              <a:schemeClr val="tx1"/>
+            </a:solidFill>
+          </a:ln>
+        </p:spPr>
+        <p:style>
+          <a:lnRef idx="2">
+            <a:schemeClr val="accent1">
+              <a:shade val="50000"/>
+            </a:schemeClr>
+          </a:lnRef>
+          <a:fillRef idx="1">
+            <a:schemeClr val="accent1"/>
+          </a:fillRef>
+          <a:effectRef idx="0">
+            <a:schemeClr val="accent1"/>
+          </a:effectRef>
+          <a:fontRef idx="minor">
+            <a:schemeClr val="lt1"/>
+          </a:fontRef>
+        </p:style>
+        <p:txBody>
+          <a:bodyPr rtlCol="0" anchor="t"/>
+          <a:lstStyle/>
+          <a:p>
+            <a:r>
+              <a:rPr lang="en-US" dirty="0">
+                <a:solidFill>
+                  <a:schemeClr val="tx1"/>
+                </a:solidFill>
+              </a:rPr>
+              <a:t>Organization</a:t>
+            </a:r>
+          </a:p>
+          <a:p>
+            <a:pPr marL="285750" indent="-285750">
               <a:buFont typeface="Arial" panose="020B0604020202020204" pitchFamily="34" charset="0"/>
               <a:buChar char="•"/>
             </a:pPr>
             <a:r>
-              <a:rPr lang="en-US" sz="2400" dirty="0"/>
-              <a:t>Rarefaction curve</a:t>
-            </a:r>
-          </a:p>
-          <a:p>
-            <a:pPr marL="342900" indent="-342900">
+              <a:rPr lang="en-US" dirty="0">
+                <a:solidFill>
+                  <a:schemeClr val="tx1"/>
+                </a:solidFill>
+              </a:rPr>
+              <a:t>A group of users</a:t>
+            </a:r>
+          </a:p>
+          <a:p>
+            <a:pPr marL="285750" indent="-285750">
               <a:buFont typeface="Arial" panose="020B0604020202020204" pitchFamily="34" charset="0"/>
               <a:buChar char="•"/>
             </a:pPr>
             <a:r>
-              <a:rPr lang="en-US" sz="2400" dirty="0"/>
-              <a:t>Average genome size</a:t>
-            </a:r>
-          </a:p>
-          <a:p>
-            <a:pPr marL="342900" indent="-342900">
+              <a:rPr lang="en-US" dirty="0">
+                <a:solidFill>
+                  <a:schemeClr val="tx1"/>
+                </a:solidFill>
+              </a:rPr>
+              <a:t>E.g. Mason Lab</a:t>
+            </a:r>
+          </a:p>
+        </p:txBody>
+      </p:sp>
+      <p:cxnSp>
+        <p:nvCxnSpPr>
+          <p:cNvPr id="23" name="Curved Connector 22">
+            <a:extLst>
+              <a:ext uri="{FF2B5EF4-FFF2-40B4-BE49-F238E27FC236}">
+                <a16:creationId xmlns:a16="http://schemas.microsoft.com/office/drawing/2014/main" id="{3E836DB5-128A-CC4C-B4C5-1953F21DEAC6}"/>
+              </a:ext>
+            </a:extLst>
+          </p:cNvPr>
+          <p:cNvCxnSpPr>
+            <a:cxnSpLocks/>
+            <a:stCxn id="22" idx="1"/>
+            <a:endCxn id="11" idx="0"/>
+          </p:cNvCxnSpPr>
+          <p:nvPr/>
+        </p:nvCxnSpPr>
+        <p:spPr>
+          <a:xfrm rot="10800000" flipV="1">
+            <a:off x="5173745" y="1117657"/>
+            <a:ext cx="1309475" cy="291650"/>
+          </a:xfrm>
+          <a:prstGeom prst="curvedConnector2">
+            <a:avLst/>
+          </a:prstGeom>
+          <a:ln w="38100">
+            <a:solidFill>
+              <a:schemeClr val="tx1"/>
+            </a:solidFill>
+            <a:tailEnd type="oval" w="lg" len="lg"/>
+          </a:ln>
+        </p:spPr>
+        <p:style>
+          <a:lnRef idx="1">
+            <a:schemeClr val="accent1"/>
+          </a:lnRef>
+          <a:fillRef idx="0">
+            <a:schemeClr val="accent1"/>
+          </a:fillRef>
+          <a:effectRef idx="0">
+            <a:schemeClr val="accent1"/>
+          </a:effectRef>
+          <a:fontRef idx="minor">
+            <a:schemeClr val="tx1"/>
+          </a:fontRef>
+        </p:style>
+      </p:cxnSp>
+      <p:sp>
+        <p:nvSpPr>
+          <p:cNvPr id="27" name="Rectangle 26">
+            <a:extLst>
+              <a:ext uri="{FF2B5EF4-FFF2-40B4-BE49-F238E27FC236}">
+                <a16:creationId xmlns:a16="http://schemas.microsoft.com/office/drawing/2014/main" id="{F19293A9-E8D8-C347-9A09-5ED70081E5BD}"/>
+              </a:ext>
+            </a:extLst>
+          </p:cNvPr>
+          <p:cNvSpPr/>
+          <p:nvPr/>
+        </p:nvSpPr>
+        <p:spPr>
+          <a:xfrm>
+            <a:off x="6483220" y="2154103"/>
+            <a:ext cx="2168165" cy="1197204"/>
+          </a:xfrm>
+          <a:prstGeom prst="rect">
+            <a:avLst/>
+          </a:prstGeom>
+          <a:noFill/>
+          <a:ln w="28575">
+            <a:solidFill>
+              <a:schemeClr val="tx1"/>
+            </a:solidFill>
+          </a:ln>
+        </p:spPr>
+        <p:style>
+          <a:lnRef idx="2">
+            <a:schemeClr val="accent1">
+              <a:shade val="50000"/>
+            </a:schemeClr>
+          </a:lnRef>
+          <a:fillRef idx="1">
+            <a:schemeClr val="accent1"/>
+          </a:fillRef>
+          <a:effectRef idx="0">
+            <a:schemeClr val="accent1"/>
+          </a:effectRef>
+          <a:fontRef idx="minor">
+            <a:schemeClr val="lt1"/>
+          </a:fontRef>
+        </p:style>
+        <p:txBody>
+          <a:bodyPr rtlCol="0" anchor="t"/>
+          <a:lstStyle/>
+          <a:p>
+            <a:r>
+              <a:rPr lang="en-US" dirty="0">
+                <a:solidFill>
+                  <a:schemeClr val="tx1"/>
+                </a:solidFill>
+              </a:rPr>
+              <a:t>User</a:t>
+            </a:r>
+          </a:p>
+          <a:p>
+            <a:pPr marL="285750" indent="-285750">
               <a:buFont typeface="Arial" panose="020B0604020202020204" pitchFamily="34" charset="0"/>
               <a:buChar char="•"/>
             </a:pPr>
             <a:r>
-              <a:rPr lang="en-US" sz="2400" dirty="0"/>
-              <a:t>Top taxa</a:t>
-            </a:r>
-          </a:p>
-          <a:p>
-            <a:pPr marL="342900" indent="-342900">
-              <a:buFont typeface="Arial" panose="020B0604020202020204" pitchFamily="34" charset="0"/>
-              <a:buChar char="•"/>
-            </a:pPr>
-            <a:r>
-              <a:rPr lang="en-US" sz="2400" dirty="0"/>
-              <a:t>Microbe directory</a:t>
-            </a:r>
-          </a:p>
-          <a:p>
-            <a:pPr marL="342900" indent="-342900">
-              <a:buFont typeface="Arial" panose="020B0604020202020204" pitchFamily="34" charset="0"/>
-              <a:buChar char="•"/>
-            </a:pPr>
-            <a:r>
-              <a:rPr lang="en-US" sz="2400" dirty="0"/>
-              <a:t>Reference comparisons</a:t>
-            </a:r>
-          </a:p>
-          <a:p>
-            <a:pPr marL="342900" indent="-342900">
-              <a:buFont typeface="Arial" panose="020B0604020202020204" pitchFamily="34" charset="0"/>
-              <a:buChar char="•"/>
-            </a:pPr>
-            <a:r>
-              <a:rPr lang="en-US" sz="2400" dirty="0"/>
-              <a:t>Top AMR</a:t>
-            </a:r>
-          </a:p>
-          <a:p>
-            <a:pPr marL="342900" indent="-342900">
-              <a:buFont typeface="Arial" panose="020B0604020202020204" pitchFamily="34" charset="0"/>
-              <a:buChar char="•"/>
-            </a:pPr>
-            <a:endParaRPr lang="en-US" sz="2400" dirty="0"/>
-          </a:p>
-          <a:p>
-            <a:endParaRPr lang="en-US" sz="2400" dirty="0"/>
-          </a:p>
-          <a:p>
-            <a:endParaRPr lang="en-US" sz="2400" dirty="0"/>
+              <a:rPr lang="en-US" dirty="0">
+                <a:solidFill>
+                  <a:schemeClr val="tx1"/>
+                </a:solidFill>
+              </a:rPr>
+              <a:t>A Person</a:t>
+            </a:r>
           </a:p>
         </p:txBody>
       </p:sp>
+      <p:cxnSp>
+        <p:nvCxnSpPr>
+          <p:cNvPr id="28" name="Curved Connector 27">
+            <a:extLst>
+              <a:ext uri="{FF2B5EF4-FFF2-40B4-BE49-F238E27FC236}">
+                <a16:creationId xmlns:a16="http://schemas.microsoft.com/office/drawing/2014/main" id="{A26E805E-9104-E148-8B0E-9614FF93E8D2}"/>
+              </a:ext>
+            </a:extLst>
+          </p:cNvPr>
+          <p:cNvCxnSpPr>
+            <a:cxnSpLocks/>
+            <a:stCxn id="22" idx="2"/>
+            <a:endCxn id="27" idx="0"/>
+          </p:cNvCxnSpPr>
+          <p:nvPr/>
+        </p:nvCxnSpPr>
+        <p:spPr>
+          <a:xfrm rot="16200000" flipH="1">
+            <a:off x="7348380" y="1935180"/>
+            <a:ext cx="437844" cy="1"/>
+          </a:xfrm>
+          <a:prstGeom prst="curvedConnector3">
+            <a:avLst>
+              <a:gd name="adj1" fmla="val 50000"/>
+            </a:avLst>
+          </a:prstGeom>
+          <a:ln w="38100">
+            <a:solidFill>
+              <a:schemeClr val="tx1"/>
+            </a:solidFill>
+            <a:headEnd type="oval" w="lg" len="lg"/>
+            <a:tailEnd type="oval" w="lg" len="lg"/>
+          </a:ln>
+        </p:spPr>
+        <p:style>
+          <a:lnRef idx="1">
+            <a:schemeClr val="accent1"/>
+          </a:lnRef>
+          <a:fillRef idx="0">
+            <a:schemeClr val="accent1"/>
+          </a:fillRef>
+          <a:effectRef idx="0">
+            <a:schemeClr val="accent1"/>
+          </a:effectRef>
+          <a:fontRef idx="minor">
+            <a:schemeClr val="tx1"/>
+          </a:fontRef>
+        </p:style>
+      </p:cxnSp>
     </p:spTree>
     <p:extLst>
       <p:ext uri="{BB962C8B-B14F-4D97-AF65-F5344CB8AC3E}">
-        <p14:creationId xmlns:p14="http://schemas.microsoft.com/office/powerpoint/2010/main" val="2191986415"/>
+        <p14:creationId xmlns:p14="http://schemas.microsoft.com/office/powerpoint/2010/main" val="3553050564"/>
       </p:ext>
     </p:extLst>
   </p:cSld>
@@ -13271,271 +15272,1316 @@
       </p:grpSpPr>
       <p:sp>
         <p:nvSpPr>
-          <p:cNvPr id="2" name="Title 1">
+          <p:cNvPr id="5" name="Rectangle 4">
             <a:extLst>
               <a:ext uri="{FF2B5EF4-FFF2-40B4-BE49-F238E27FC236}">
-                <a16:creationId xmlns:a16="http://schemas.microsoft.com/office/drawing/2014/main" id="{C6858BC2-676F-2348-BD13-F789210DBD00}"/>
+                <a16:creationId xmlns:a16="http://schemas.microsoft.com/office/drawing/2014/main" id="{EEEAB8D6-B7EA-4640-BA04-BB2B8CFD8396}"/>
               </a:ext>
             </a:extLst>
           </p:cNvPr>
-          <p:cNvSpPr>
-            <a:spLocks noGrp="1"/>
-          </p:cNvSpPr>
-          <p:nvPr>
-            <p:ph type="title"/>
-          </p:nvPr>
+          <p:cNvSpPr/>
+          <p:nvPr/>
         </p:nvSpPr>
-        <p:spPr/>
+        <p:spPr>
+          <a:xfrm>
+            <a:off x="1212570" y="3270865"/>
+            <a:ext cx="2168165" cy="1197204"/>
+          </a:xfrm>
+          <a:prstGeom prst="rect">
+            <a:avLst/>
+          </a:prstGeom>
+          <a:noFill/>
+          <a:ln w="28575">
+            <a:solidFill>
+              <a:schemeClr val="tx1"/>
+            </a:solidFill>
+          </a:ln>
+        </p:spPr>
+        <p:style>
+          <a:lnRef idx="2">
+            <a:schemeClr val="accent1">
+              <a:shade val="50000"/>
+            </a:schemeClr>
+          </a:lnRef>
+          <a:fillRef idx="1">
+            <a:schemeClr val="accent1"/>
+          </a:fillRef>
+          <a:effectRef idx="0">
+            <a:schemeClr val="accent1"/>
+          </a:effectRef>
+          <a:fontRef idx="minor">
+            <a:schemeClr val="lt1"/>
+          </a:fontRef>
+        </p:style>
         <p:txBody>
-          <a:bodyPr/>
+          <a:bodyPr rtlCol="0" anchor="t"/>
           <a:lstStyle/>
           <a:p>
             <a:r>
-              <a:rPr lang="en-US" dirty="0" err="1"/>
-              <a:t>MetaGenScope</a:t>
-            </a:r>
-            <a:r>
-              <a:rPr lang="en-US" dirty="0"/>
-              <a:t>- New Features</a:t>
+              <a:rPr lang="en-US" dirty="0">
+                <a:solidFill>
+                  <a:schemeClr val="tx1"/>
+                </a:solidFill>
+              </a:rPr>
+              <a:t>Sample</a:t>
+            </a:r>
+          </a:p>
+          <a:p>
+            <a:pPr marL="285750" indent="-285750">
+              <a:buFont typeface="Arial" panose="020B0604020202020204" pitchFamily="34" charset="0"/>
+              <a:buChar char="•"/>
+            </a:pPr>
+            <a:r>
+              <a:rPr lang="en-US" dirty="0">
+                <a:solidFill>
+                  <a:schemeClr val="tx1"/>
+                </a:solidFill>
+              </a:rPr>
+              <a:t>One data point</a:t>
+            </a:r>
+          </a:p>
+          <a:p>
+            <a:pPr marL="285750" indent="-285750">
+              <a:buFont typeface="Arial" panose="020B0604020202020204" pitchFamily="34" charset="0"/>
+              <a:buChar char="•"/>
+            </a:pPr>
+            <a:r>
+              <a:rPr lang="en-US" dirty="0">
+                <a:solidFill>
+                  <a:schemeClr val="tx1"/>
+                </a:solidFill>
+              </a:rPr>
+              <a:t>E.g. one swab</a:t>
             </a:r>
           </a:p>
         </p:txBody>
       </p:sp>
       <p:sp>
         <p:nvSpPr>
-          <p:cNvPr id="4" name="TextBox 3">
+          <p:cNvPr id="6" name="Rectangle 5">
             <a:extLst>
               <a:ext uri="{FF2B5EF4-FFF2-40B4-BE49-F238E27FC236}">
-                <a16:creationId xmlns:a16="http://schemas.microsoft.com/office/drawing/2014/main" id="{74B194CA-F84C-5D4E-96EB-EF80283AE5AD}"/>
+                <a16:creationId xmlns:a16="http://schemas.microsoft.com/office/drawing/2014/main" id="{A0C571F2-45EE-9B43-9683-6FBC88B653A9}"/>
               </a:ext>
             </a:extLst>
           </p:cNvPr>
-          <p:cNvSpPr txBox="1"/>
+          <p:cNvSpPr/>
           <p:nvPr/>
         </p:nvSpPr>
         <p:spPr>
           <a:xfrm>
-            <a:off x="838200" y="1459723"/>
-            <a:ext cx="4796742" cy="4524315"/>
+            <a:off x="4006486" y="4679403"/>
+            <a:ext cx="3418442" cy="1197204"/>
           </a:xfrm>
           <a:prstGeom prst="rect">
             <a:avLst/>
           </a:prstGeom>
           <a:noFill/>
-        </p:spPr>
+          <a:ln w="28575">
+            <a:solidFill>
+              <a:schemeClr val="tx1"/>
+            </a:solidFill>
+          </a:ln>
+        </p:spPr>
+        <p:style>
+          <a:lnRef idx="2">
+            <a:schemeClr val="accent1">
+              <a:shade val="50000"/>
+            </a:schemeClr>
+          </a:lnRef>
+          <a:fillRef idx="1">
+            <a:schemeClr val="accent1"/>
+          </a:fillRef>
+          <a:effectRef idx="0">
+            <a:schemeClr val="accent1"/>
+          </a:effectRef>
+          <a:fontRef idx="minor">
+            <a:schemeClr val="lt1"/>
+          </a:fontRef>
+        </p:style>
         <p:txBody>
-          <a:bodyPr wrap="square" rtlCol="0">
-            <a:spAutoFit/>
-          </a:bodyPr>
+          <a:bodyPr rtlCol="0" anchor="t"/>
           <a:lstStyle/>
           <a:p>
             <a:r>
-              <a:rPr lang="en-US" sz="2400" dirty="0"/>
-              <a:t>Modules- Sample</a:t>
-            </a:r>
-          </a:p>
-          <a:p>
-            <a:pPr marL="342900" indent="-342900">
+              <a:rPr lang="en-US" dirty="0">
+                <a:solidFill>
+                  <a:schemeClr val="tx1"/>
+                </a:solidFill>
+              </a:rPr>
+              <a:t>Analysis Module</a:t>
+            </a:r>
+          </a:p>
+          <a:p>
+            <a:pPr marL="285750" indent="-285750">
               <a:buFont typeface="Arial" panose="020B0604020202020204" pitchFamily="34" charset="0"/>
               <a:buChar char="•"/>
             </a:pPr>
             <a:r>
-              <a:rPr lang="en-US" sz="2400" dirty="0"/>
-              <a:t>Alpha diversity</a:t>
-            </a:r>
-          </a:p>
-          <a:p>
-            <a:pPr marL="342900" indent="-342900">
+              <a:rPr lang="en-US" dirty="0">
+                <a:solidFill>
+                  <a:schemeClr val="tx1"/>
+                </a:solidFill>
+              </a:rPr>
+              <a:t>A specific tool run on a sample</a:t>
+            </a:r>
+          </a:p>
+          <a:p>
+            <a:pPr marL="285750" indent="-285750">
               <a:buFont typeface="Arial" panose="020B0604020202020204" pitchFamily="34" charset="0"/>
               <a:buChar char="•"/>
             </a:pPr>
             <a:r>
-              <a:rPr lang="en-US" sz="2400" dirty="0"/>
-              <a:t>Reference comparison</a:t>
-            </a:r>
-          </a:p>
-          <a:p>
-            <a:pPr marL="342900" indent="-342900">
+              <a:rPr lang="en-US" dirty="0">
+                <a:solidFill>
+                  <a:schemeClr val="tx1"/>
+                </a:solidFill>
+              </a:rPr>
+              <a:t>E.g. Read Count, Paired end </a:t>
+            </a:r>
+            <a:r>
+              <a:rPr lang="en-US" dirty="0" err="1">
+                <a:solidFill>
+                  <a:schemeClr val="tx1"/>
+                </a:solidFill>
+              </a:rPr>
+              <a:t>fastqs</a:t>
+            </a:r>
+            <a:endParaRPr lang="en-US" dirty="0">
+              <a:solidFill>
+                <a:schemeClr val="tx1"/>
+              </a:solidFill>
+            </a:endParaRPr>
+          </a:p>
+        </p:txBody>
+      </p:sp>
+      <p:cxnSp>
+        <p:nvCxnSpPr>
+          <p:cNvPr id="9" name="Curved Connector 8">
+            <a:extLst>
+              <a:ext uri="{FF2B5EF4-FFF2-40B4-BE49-F238E27FC236}">
+                <a16:creationId xmlns:a16="http://schemas.microsoft.com/office/drawing/2014/main" id="{5E6D2EEE-9FAB-3E45-8819-28EA73A3A440}"/>
+              </a:ext>
+            </a:extLst>
+          </p:cNvPr>
+          <p:cNvCxnSpPr>
+            <a:stCxn id="4" idx="2"/>
+            <a:endCxn id="5" idx="1"/>
+          </p:cNvCxnSpPr>
+          <p:nvPr/>
+        </p:nvCxnSpPr>
+        <p:spPr>
+          <a:xfrm rot="5400000">
+            <a:off x="1248997" y="2574797"/>
+            <a:ext cx="1258243" cy="1331096"/>
+          </a:xfrm>
+          <a:prstGeom prst="curvedConnector4">
+            <a:avLst>
+              <a:gd name="adj1" fmla="val 26213"/>
+              <a:gd name="adj2" fmla="val 117174"/>
+            </a:avLst>
+          </a:prstGeom>
+          <a:ln w="38100">
+            <a:solidFill>
+              <a:schemeClr val="tx1"/>
+            </a:solidFill>
+            <a:tailEnd type="oval" w="lg" len="lg"/>
+          </a:ln>
+        </p:spPr>
+        <p:style>
+          <a:lnRef idx="1">
+            <a:schemeClr val="accent1"/>
+          </a:lnRef>
+          <a:fillRef idx="0">
+            <a:schemeClr val="accent1"/>
+          </a:fillRef>
+          <a:effectRef idx="0">
+            <a:schemeClr val="accent1"/>
+          </a:effectRef>
+          <a:fontRef idx="minor">
+            <a:schemeClr val="tx1"/>
+          </a:fontRef>
+        </p:style>
+      </p:cxnSp>
+      <p:cxnSp>
+        <p:nvCxnSpPr>
+          <p:cNvPr id="10" name="Curved Connector 9">
+            <a:extLst>
+              <a:ext uri="{FF2B5EF4-FFF2-40B4-BE49-F238E27FC236}">
+                <a16:creationId xmlns:a16="http://schemas.microsoft.com/office/drawing/2014/main" id="{6BD1A3E6-A668-854C-8372-3C633851382A}"/>
+              </a:ext>
+            </a:extLst>
+          </p:cNvPr>
+          <p:cNvCxnSpPr>
+            <a:cxnSpLocks/>
+            <a:stCxn id="5" idx="2"/>
+            <a:endCxn id="6" idx="1"/>
+          </p:cNvCxnSpPr>
+          <p:nvPr/>
+        </p:nvCxnSpPr>
+        <p:spPr>
+          <a:xfrm rot="16200000" flipH="1">
+            <a:off x="2746601" y="4018120"/>
+            <a:ext cx="809936" cy="1709833"/>
+          </a:xfrm>
+          <a:prstGeom prst="curvedConnector2">
+            <a:avLst/>
+          </a:prstGeom>
+          <a:ln w="38100">
+            <a:solidFill>
+              <a:schemeClr val="tx1"/>
+            </a:solidFill>
+            <a:tailEnd type="oval" w="lg" len="lg"/>
+          </a:ln>
+        </p:spPr>
+        <p:style>
+          <a:lnRef idx="1">
+            <a:schemeClr val="accent1"/>
+          </a:lnRef>
+          <a:fillRef idx="0">
+            <a:schemeClr val="accent1"/>
+          </a:fillRef>
+          <a:effectRef idx="0">
+            <a:schemeClr val="accent1"/>
+          </a:effectRef>
+          <a:fontRef idx="minor">
+            <a:schemeClr val="tx1"/>
+          </a:fontRef>
+        </p:style>
+      </p:cxnSp>
+      <p:grpSp>
+        <p:nvGrpSpPr>
+          <p:cNvPr id="12" name="Group 11">
+            <a:extLst>
+              <a:ext uri="{FF2B5EF4-FFF2-40B4-BE49-F238E27FC236}">
+                <a16:creationId xmlns:a16="http://schemas.microsoft.com/office/drawing/2014/main" id="{4E3B9C47-0677-2D41-B15B-A3B34271C0E6}"/>
+              </a:ext>
+            </a:extLst>
+          </p:cNvPr>
+          <p:cNvGrpSpPr/>
+          <p:nvPr/>
+        </p:nvGrpSpPr>
+        <p:grpSpPr>
+          <a:xfrm>
+            <a:off x="1459583" y="1409307"/>
+            <a:ext cx="4798243" cy="1201917"/>
+            <a:chOff x="1459583" y="1409307"/>
+            <a:chExt cx="4798243" cy="1201917"/>
+          </a:xfrm>
+        </p:grpSpPr>
+        <p:sp>
+          <p:nvSpPr>
+            <p:cNvPr id="4" name="Rectangle 3">
+              <a:extLst>
+                <a:ext uri="{FF2B5EF4-FFF2-40B4-BE49-F238E27FC236}">
+                  <a16:creationId xmlns:a16="http://schemas.microsoft.com/office/drawing/2014/main" id="{897FB6F9-5D64-DC40-B8E2-1B62DB208466}"/>
+                </a:ext>
+              </a:extLst>
+            </p:cNvPr>
+            <p:cNvSpPr/>
+            <p:nvPr/>
+          </p:nvSpPr>
+          <p:spPr>
+            <a:xfrm>
+              <a:off x="1459583" y="1414020"/>
+              <a:ext cx="2168165" cy="1197204"/>
+            </a:xfrm>
+            <a:prstGeom prst="rect">
+              <a:avLst/>
+            </a:prstGeom>
+            <a:noFill/>
+            <a:ln w="28575">
+              <a:solidFill>
+                <a:schemeClr val="tx1"/>
+              </a:solidFill>
+            </a:ln>
+          </p:spPr>
+          <p:style>
+            <a:lnRef idx="2">
+              <a:schemeClr val="accent1">
+                <a:shade val="50000"/>
+              </a:schemeClr>
+            </a:lnRef>
+            <a:fillRef idx="1">
+              <a:schemeClr val="accent1"/>
+            </a:fillRef>
+            <a:effectRef idx="0">
+              <a:schemeClr val="accent1"/>
+            </a:effectRef>
+            <a:fontRef idx="minor">
+              <a:schemeClr val="lt1"/>
+            </a:fontRef>
+          </p:style>
+          <p:txBody>
+            <a:bodyPr rtlCol="0" anchor="t"/>
+            <a:lstStyle/>
+            <a:p>
+              <a:r>
+                <a:rPr lang="en-US" dirty="0">
+                  <a:solidFill>
+                    <a:schemeClr val="tx1"/>
+                  </a:solidFill>
+                </a:rPr>
+                <a:t>Sample Library</a:t>
+              </a:r>
+            </a:p>
+            <a:p>
+              <a:pPr marL="285750" indent="-285750">
+                <a:buFont typeface="Arial" panose="020B0604020202020204" pitchFamily="34" charset="0"/>
+                <a:buChar char="•"/>
+              </a:pPr>
+              <a:r>
+                <a:rPr lang="en-US" dirty="0">
+                  <a:solidFill>
+                    <a:schemeClr val="tx1"/>
+                  </a:solidFill>
+                </a:rPr>
+                <a:t>Group of Samples</a:t>
+              </a:r>
+            </a:p>
+            <a:p>
+              <a:pPr marL="285750" indent="-285750">
+                <a:buFont typeface="Arial" panose="020B0604020202020204" pitchFamily="34" charset="0"/>
+                <a:buChar char="•"/>
+              </a:pPr>
+              <a:r>
+                <a:rPr lang="en-US" dirty="0">
+                  <a:solidFill>
+                    <a:schemeClr val="tx1"/>
+                  </a:solidFill>
+                </a:rPr>
+                <a:t>E.g. MetaSUB</a:t>
+              </a:r>
+            </a:p>
+          </p:txBody>
+        </p:sp>
+        <p:sp>
+          <p:nvSpPr>
+            <p:cNvPr id="11" name="Rectangle 10">
+              <a:extLst>
+                <a:ext uri="{FF2B5EF4-FFF2-40B4-BE49-F238E27FC236}">
+                  <a16:creationId xmlns:a16="http://schemas.microsoft.com/office/drawing/2014/main" id="{67E38E01-7A7A-2846-97DE-42E2283D43F2}"/>
+                </a:ext>
+              </a:extLst>
+            </p:cNvPr>
+            <p:cNvSpPr/>
+            <p:nvPr/>
+          </p:nvSpPr>
+          <p:spPr>
+            <a:xfrm>
+              <a:off x="4089661" y="1409307"/>
+              <a:ext cx="2168165" cy="1197204"/>
+            </a:xfrm>
+            <a:prstGeom prst="rect">
+              <a:avLst/>
+            </a:prstGeom>
+            <a:noFill/>
+            <a:ln w="28575">
+              <a:solidFill>
+                <a:schemeClr val="tx1"/>
+              </a:solidFill>
+            </a:ln>
+          </p:spPr>
+          <p:style>
+            <a:lnRef idx="2">
+              <a:schemeClr val="accent1">
+                <a:shade val="50000"/>
+              </a:schemeClr>
+            </a:lnRef>
+            <a:fillRef idx="1">
+              <a:schemeClr val="accent1"/>
+            </a:fillRef>
+            <a:effectRef idx="0">
+              <a:schemeClr val="accent1"/>
+            </a:effectRef>
+            <a:fontRef idx="minor">
+              <a:schemeClr val="lt1"/>
+            </a:fontRef>
+          </p:style>
+          <p:txBody>
+            <a:bodyPr rtlCol="0" anchor="t"/>
+            <a:lstStyle/>
+            <a:p>
+              <a:r>
+                <a:rPr lang="en-US" dirty="0">
+                  <a:solidFill>
+                    <a:schemeClr val="tx1"/>
+                  </a:solidFill>
+                </a:rPr>
+                <a:t>Sample Group</a:t>
+              </a:r>
+            </a:p>
+            <a:p>
+              <a:pPr marL="285750" indent="-285750">
+                <a:buFont typeface="Arial" panose="020B0604020202020204" pitchFamily="34" charset="0"/>
+                <a:buChar char="•"/>
+              </a:pPr>
+              <a:r>
+                <a:rPr lang="en-US" dirty="0">
+                  <a:solidFill>
+                    <a:schemeClr val="tx1"/>
+                  </a:solidFill>
+                </a:rPr>
+                <a:t>Group of Samples</a:t>
+              </a:r>
+            </a:p>
+            <a:p>
+              <a:pPr marL="285750" indent="-285750">
+                <a:buFont typeface="Arial" panose="020B0604020202020204" pitchFamily="34" charset="0"/>
+                <a:buChar char="•"/>
+              </a:pPr>
+              <a:r>
+                <a:rPr lang="en-US" dirty="0">
+                  <a:solidFill>
+                    <a:schemeClr val="tx1"/>
+                  </a:solidFill>
+                </a:rPr>
+                <a:t>Ad-hoc</a:t>
+              </a:r>
+            </a:p>
+            <a:p>
+              <a:pPr marL="285750" indent="-285750">
+                <a:buFont typeface="Arial" panose="020B0604020202020204" pitchFamily="34" charset="0"/>
+                <a:buChar char="•"/>
+              </a:pPr>
+              <a:r>
+                <a:rPr lang="en-US" dirty="0">
+                  <a:solidFill>
+                    <a:schemeClr val="tx1"/>
+                  </a:solidFill>
+                </a:rPr>
+                <a:t>E.g. ‘Paris’</a:t>
+              </a:r>
+            </a:p>
+          </p:txBody>
+        </p:sp>
+      </p:grpSp>
+      <p:sp>
+        <p:nvSpPr>
+          <p:cNvPr id="14" name="Rectangle 13">
+            <a:extLst>
+              <a:ext uri="{FF2B5EF4-FFF2-40B4-BE49-F238E27FC236}">
+                <a16:creationId xmlns:a16="http://schemas.microsoft.com/office/drawing/2014/main" id="{345BDBE6-D1A8-7842-BEF1-A1F2994ADDBE}"/>
+              </a:ext>
+            </a:extLst>
+          </p:cNvPr>
+          <p:cNvSpPr/>
+          <p:nvPr/>
+        </p:nvSpPr>
+        <p:spPr>
+          <a:xfrm>
+            <a:off x="7858436" y="5555089"/>
+            <a:ext cx="3775435" cy="1197204"/>
+          </a:xfrm>
+          <a:prstGeom prst="rect">
+            <a:avLst/>
+          </a:prstGeom>
+          <a:noFill/>
+          <a:ln w="28575">
+            <a:solidFill>
+              <a:schemeClr val="tx1"/>
+            </a:solidFill>
+          </a:ln>
+        </p:spPr>
+        <p:style>
+          <a:lnRef idx="2">
+            <a:schemeClr val="accent1">
+              <a:shade val="50000"/>
+            </a:schemeClr>
+          </a:lnRef>
+          <a:fillRef idx="1">
+            <a:schemeClr val="accent1"/>
+          </a:fillRef>
+          <a:effectRef idx="0">
+            <a:schemeClr val="accent1"/>
+          </a:effectRef>
+          <a:fontRef idx="minor">
+            <a:schemeClr val="lt1"/>
+          </a:fontRef>
+        </p:style>
+        <p:txBody>
+          <a:bodyPr rtlCol="0" anchor="t"/>
+          <a:lstStyle/>
+          <a:p>
+            <a:r>
+              <a:rPr lang="en-US" dirty="0">
+                <a:solidFill>
+                  <a:schemeClr val="tx1"/>
+                </a:solidFill>
+              </a:rPr>
+              <a:t>Analysis Module Field</a:t>
+            </a:r>
+          </a:p>
+          <a:p>
+            <a:pPr marL="285750" indent="-285750">
               <a:buFont typeface="Arial" panose="020B0604020202020204" pitchFamily="34" charset="0"/>
               <a:buChar char="•"/>
             </a:pPr>
             <a:r>
-              <a:rPr lang="en-US" sz="2400" dirty="0"/>
-              <a:t>Taxonomy</a:t>
-            </a:r>
-          </a:p>
-          <a:p>
-            <a:pPr marL="342900" indent="-342900">
+              <a:rPr lang="en-US" dirty="0">
+                <a:solidFill>
+                  <a:schemeClr val="tx1"/>
+                </a:solidFill>
+              </a:rPr>
+              <a:t>Useful extra level</a:t>
+            </a:r>
+          </a:p>
+          <a:p>
+            <a:pPr marL="285750" indent="-285750">
               <a:buFont typeface="Arial" panose="020B0604020202020204" pitchFamily="34" charset="0"/>
               <a:buChar char="•"/>
             </a:pPr>
             <a:r>
-              <a:rPr lang="en-US" sz="2400" dirty="0"/>
-              <a:t>Pathways</a:t>
-            </a:r>
-          </a:p>
-          <a:p>
-            <a:pPr marL="342900" indent="-342900">
+              <a:rPr lang="en-US" dirty="0">
+                <a:solidFill>
+                  <a:schemeClr val="tx1"/>
+                </a:solidFill>
+              </a:rPr>
+              <a:t>For results that should be together</a:t>
+            </a:r>
+          </a:p>
+          <a:p>
+            <a:pPr marL="285750" indent="-285750">
               <a:buFont typeface="Arial" panose="020B0604020202020204" pitchFamily="34" charset="0"/>
               <a:buChar char="•"/>
             </a:pPr>
             <a:r>
-              <a:rPr lang="en-US" sz="2400" dirty="0"/>
-              <a:t>Stats (Read count, GC, </a:t>
-            </a:r>
-            <a:r>
-              <a:rPr lang="en-US" sz="2400" dirty="0" err="1"/>
-              <a:t>etc</a:t>
-            </a:r>
-            <a:r>
-              <a:rPr lang="en-US" sz="2400" dirty="0"/>
-              <a:t>)</a:t>
-            </a:r>
-          </a:p>
-          <a:p>
-            <a:pPr marL="342900" indent="-342900">
+              <a:rPr lang="en-US" dirty="0">
+                <a:solidFill>
+                  <a:schemeClr val="tx1"/>
+                </a:solidFill>
+              </a:rPr>
+              <a:t>E.g. R1 and R2 in paired end reads</a:t>
+            </a:r>
+          </a:p>
+        </p:txBody>
+      </p:sp>
+      <p:cxnSp>
+        <p:nvCxnSpPr>
+          <p:cNvPr id="18" name="Curved Connector 17">
+            <a:extLst>
+              <a:ext uri="{FF2B5EF4-FFF2-40B4-BE49-F238E27FC236}">
+                <a16:creationId xmlns:a16="http://schemas.microsoft.com/office/drawing/2014/main" id="{54011FE5-45EA-A542-8A0F-57FE10AD6CA3}"/>
+              </a:ext>
+            </a:extLst>
+          </p:cNvPr>
+          <p:cNvCxnSpPr>
+            <a:cxnSpLocks/>
+            <a:stCxn id="11" idx="2"/>
+            <a:endCxn id="5" idx="3"/>
+          </p:cNvCxnSpPr>
+          <p:nvPr/>
+        </p:nvCxnSpPr>
+        <p:spPr>
+          <a:xfrm rot="5400000">
+            <a:off x="3645762" y="2341485"/>
+            <a:ext cx="1262956" cy="1793009"/>
+          </a:xfrm>
+          <a:prstGeom prst="curvedConnector2">
+            <a:avLst/>
+          </a:prstGeom>
+          <a:ln w="38100">
+            <a:solidFill>
+              <a:schemeClr val="tx1"/>
+            </a:solidFill>
+            <a:headEnd type="oval" w="lg" len="lg"/>
+            <a:tailEnd type="oval" w="lg" len="lg"/>
+          </a:ln>
+        </p:spPr>
+        <p:style>
+          <a:lnRef idx="1">
+            <a:schemeClr val="accent1"/>
+          </a:lnRef>
+          <a:fillRef idx="0">
+            <a:schemeClr val="accent1"/>
+          </a:fillRef>
+          <a:effectRef idx="0">
+            <a:schemeClr val="accent1"/>
+          </a:effectRef>
+          <a:fontRef idx="minor">
+            <a:schemeClr val="tx1"/>
+          </a:fontRef>
+        </p:style>
+      </p:cxnSp>
+      <p:cxnSp>
+        <p:nvCxnSpPr>
+          <p:cNvPr id="21" name="Curved Connector 20">
+            <a:extLst>
+              <a:ext uri="{FF2B5EF4-FFF2-40B4-BE49-F238E27FC236}">
+                <a16:creationId xmlns:a16="http://schemas.microsoft.com/office/drawing/2014/main" id="{C7D2D2BF-8678-4248-B06B-B2F2AB223C22}"/>
+              </a:ext>
+            </a:extLst>
+          </p:cNvPr>
+          <p:cNvCxnSpPr>
+            <a:cxnSpLocks/>
+            <a:stCxn id="6" idx="2"/>
+            <a:endCxn id="14" idx="1"/>
+          </p:cNvCxnSpPr>
+          <p:nvPr/>
+        </p:nvCxnSpPr>
+        <p:spPr>
+          <a:xfrm rot="16200000" flipH="1">
+            <a:off x="6648529" y="4943784"/>
+            <a:ext cx="277084" cy="2142729"/>
+          </a:xfrm>
+          <a:prstGeom prst="curvedConnector2">
+            <a:avLst/>
+          </a:prstGeom>
+          <a:ln w="38100">
+            <a:solidFill>
+              <a:schemeClr val="tx1"/>
+            </a:solidFill>
+            <a:tailEnd type="oval" w="lg" len="lg"/>
+          </a:ln>
+        </p:spPr>
+        <p:style>
+          <a:lnRef idx="1">
+            <a:schemeClr val="accent1"/>
+          </a:lnRef>
+          <a:fillRef idx="0">
+            <a:schemeClr val="accent1"/>
+          </a:fillRef>
+          <a:effectRef idx="0">
+            <a:schemeClr val="accent1"/>
+          </a:effectRef>
+          <a:fontRef idx="minor">
+            <a:schemeClr val="tx1"/>
+          </a:fontRef>
+        </p:style>
+      </p:cxnSp>
+      <p:cxnSp>
+        <p:nvCxnSpPr>
+          <p:cNvPr id="26" name="Curved Connector 25">
+            <a:extLst>
+              <a:ext uri="{FF2B5EF4-FFF2-40B4-BE49-F238E27FC236}">
+                <a16:creationId xmlns:a16="http://schemas.microsoft.com/office/drawing/2014/main" id="{F70AA115-C52D-7A4E-B61A-A62705D6309E}"/>
+              </a:ext>
+            </a:extLst>
+          </p:cNvPr>
+          <p:cNvCxnSpPr>
+            <a:cxnSpLocks/>
+            <a:stCxn id="11" idx="2"/>
+            <a:endCxn id="6" idx="1"/>
+          </p:cNvCxnSpPr>
+          <p:nvPr/>
+        </p:nvCxnSpPr>
+        <p:spPr>
+          <a:xfrm rot="5400000">
+            <a:off x="3254368" y="3358629"/>
+            <a:ext cx="2671494" cy="1167258"/>
+          </a:xfrm>
+          <a:prstGeom prst="curvedConnector4">
+            <a:avLst>
+              <a:gd name="adj1" fmla="val 38796"/>
+              <a:gd name="adj2" fmla="val 119584"/>
+            </a:avLst>
+          </a:prstGeom>
+          <a:ln w="38100">
+            <a:solidFill>
+              <a:schemeClr val="tx1"/>
+            </a:solidFill>
+            <a:tailEnd type="oval" w="lg" len="lg"/>
+          </a:ln>
+        </p:spPr>
+        <p:style>
+          <a:lnRef idx="1">
+            <a:schemeClr val="accent1"/>
+          </a:lnRef>
+          <a:fillRef idx="0">
+            <a:schemeClr val="accent1"/>
+          </a:fillRef>
+          <a:effectRef idx="0">
+            <a:schemeClr val="accent1"/>
+          </a:effectRef>
+          <a:fontRef idx="minor">
+            <a:schemeClr val="tx1"/>
+          </a:fontRef>
+        </p:style>
+      </p:cxnSp>
+      <p:sp>
+        <p:nvSpPr>
+          <p:cNvPr id="49" name="Right Arrow 48">
+            <a:extLst>
+              <a:ext uri="{FF2B5EF4-FFF2-40B4-BE49-F238E27FC236}">
+                <a16:creationId xmlns:a16="http://schemas.microsoft.com/office/drawing/2014/main" id="{A715495F-512D-0D49-B10F-3760E9EDCDF4}"/>
+              </a:ext>
+            </a:extLst>
+          </p:cNvPr>
+          <p:cNvSpPr/>
+          <p:nvPr/>
+        </p:nvSpPr>
+        <p:spPr>
+          <a:xfrm>
+            <a:off x="3627748" y="1853668"/>
+            <a:ext cx="461913" cy="462812"/>
+          </a:xfrm>
+          <a:prstGeom prst="rightArrow">
+            <a:avLst/>
+          </a:prstGeom>
+          <a:solidFill>
+            <a:schemeClr val="tx1"/>
+          </a:solidFill>
+          <a:ln>
+            <a:solidFill>
+              <a:schemeClr val="tx1"/>
+            </a:solidFill>
+          </a:ln>
+        </p:spPr>
+        <p:style>
+          <a:lnRef idx="2">
+            <a:schemeClr val="accent1">
+              <a:shade val="50000"/>
+            </a:schemeClr>
+          </a:lnRef>
+          <a:fillRef idx="1">
+            <a:schemeClr val="accent1"/>
+          </a:fillRef>
+          <a:effectRef idx="0">
+            <a:schemeClr val="accent1"/>
+          </a:effectRef>
+          <a:fontRef idx="minor">
+            <a:schemeClr val="lt1"/>
+          </a:fontRef>
+        </p:style>
+        <p:txBody>
+          <a:bodyPr rtlCol="0" anchor="ctr"/>
+          <a:lstStyle/>
+          <a:p>
+            <a:pPr algn="ctr"/>
+            <a:endParaRPr lang="en-US"/>
+          </a:p>
+        </p:txBody>
+      </p:sp>
+      <p:grpSp>
+        <p:nvGrpSpPr>
+          <p:cNvPr id="52" name="Group 51">
+            <a:extLst>
+              <a:ext uri="{FF2B5EF4-FFF2-40B4-BE49-F238E27FC236}">
+                <a16:creationId xmlns:a16="http://schemas.microsoft.com/office/drawing/2014/main" id="{7F30064B-962B-B942-98D2-1298D3EA63C1}"/>
+              </a:ext>
+            </a:extLst>
+          </p:cNvPr>
+          <p:cNvGrpSpPr/>
+          <p:nvPr/>
+        </p:nvGrpSpPr>
+        <p:grpSpPr>
+          <a:xfrm>
+            <a:off x="9340299" y="1409307"/>
+            <a:ext cx="2149311" cy="2460160"/>
+            <a:chOff x="8079777" y="1515606"/>
+            <a:chExt cx="2149311" cy="2460160"/>
+          </a:xfrm>
+        </p:grpSpPr>
+        <p:cxnSp>
+          <p:nvCxnSpPr>
+            <p:cNvPr id="41" name="Curved Connector 40">
+              <a:extLst>
+                <a:ext uri="{FF2B5EF4-FFF2-40B4-BE49-F238E27FC236}">
+                  <a16:creationId xmlns:a16="http://schemas.microsoft.com/office/drawing/2014/main" id="{A3F10BAF-1534-FC4D-B921-90D31E449BE6}"/>
+                </a:ext>
+              </a:extLst>
+            </p:cNvPr>
+            <p:cNvCxnSpPr>
+              <a:cxnSpLocks/>
+            </p:cNvCxnSpPr>
+            <p:nvPr/>
+          </p:nvCxnSpPr>
+          <p:spPr>
+            <a:xfrm rot="5400000">
+              <a:off x="7989210" y="1810252"/>
+              <a:ext cx="676124" cy="86832"/>
+            </a:xfrm>
+            <a:prstGeom prst="curvedConnector3">
+              <a:avLst>
+                <a:gd name="adj1" fmla="val 50000"/>
+              </a:avLst>
+            </a:prstGeom>
+            <a:ln w="38100">
+              <a:solidFill>
+                <a:schemeClr val="tx1"/>
+              </a:solidFill>
+              <a:headEnd type="oval" w="lg" len="lg"/>
+              <a:tailEnd type="oval" w="lg" len="lg"/>
+            </a:ln>
+          </p:spPr>
+          <p:style>
+            <a:lnRef idx="1">
+              <a:schemeClr val="accent1"/>
+            </a:lnRef>
+            <a:fillRef idx="0">
+              <a:schemeClr val="accent1"/>
+            </a:fillRef>
+            <a:effectRef idx="0">
+              <a:schemeClr val="accent1"/>
+            </a:effectRef>
+            <a:fontRef idx="minor">
+              <a:schemeClr val="tx1"/>
+            </a:fontRef>
+          </p:style>
+        </p:cxnSp>
+        <p:sp>
+          <p:nvSpPr>
+            <p:cNvPr id="44" name="TextBox 43">
+              <a:extLst>
+                <a:ext uri="{FF2B5EF4-FFF2-40B4-BE49-F238E27FC236}">
+                  <a16:creationId xmlns:a16="http://schemas.microsoft.com/office/drawing/2014/main" id="{CC30436F-BD4C-2B4A-B0DE-E3855322CC12}"/>
+                </a:ext>
+              </a:extLst>
+            </p:cNvPr>
+            <p:cNvSpPr txBox="1"/>
+            <p:nvPr/>
+          </p:nvSpPr>
+          <p:spPr>
+            <a:xfrm>
+              <a:off x="8485632" y="1638577"/>
+              <a:ext cx="1743456" cy="369332"/>
+            </a:xfrm>
+            <a:prstGeom prst="rect">
+              <a:avLst/>
+            </a:prstGeom>
+            <a:noFill/>
+          </p:spPr>
+          <p:txBody>
+            <a:bodyPr wrap="square" rtlCol="0">
+              <a:spAutoFit/>
+            </a:bodyPr>
+            <a:lstStyle/>
+            <a:p>
+              <a:r>
+                <a:rPr lang="en-US" dirty="0"/>
+                <a:t>Many-to-Many</a:t>
+              </a:r>
+            </a:p>
+          </p:txBody>
+        </p:sp>
+        <p:cxnSp>
+          <p:nvCxnSpPr>
+            <p:cNvPr id="45" name="Curved Connector 44">
+              <a:extLst>
+                <a:ext uri="{FF2B5EF4-FFF2-40B4-BE49-F238E27FC236}">
+                  <a16:creationId xmlns:a16="http://schemas.microsoft.com/office/drawing/2014/main" id="{908D16F9-E08C-3746-ABD0-283B73219C87}"/>
+                </a:ext>
+              </a:extLst>
+            </p:cNvPr>
+            <p:cNvCxnSpPr>
+              <a:cxnSpLocks/>
+            </p:cNvCxnSpPr>
+            <p:nvPr/>
+          </p:nvCxnSpPr>
+          <p:spPr>
+            <a:xfrm rot="16200000" flipH="1">
+              <a:off x="7940012" y="2734445"/>
+              <a:ext cx="528650" cy="249119"/>
+            </a:xfrm>
+            <a:prstGeom prst="curvedConnector3">
+              <a:avLst>
+                <a:gd name="adj1" fmla="val 50000"/>
+              </a:avLst>
+            </a:prstGeom>
+            <a:ln w="38100">
+              <a:solidFill>
+                <a:schemeClr val="tx1"/>
+              </a:solidFill>
+              <a:tailEnd type="oval" w="lg" len="lg"/>
+            </a:ln>
+          </p:spPr>
+          <p:style>
+            <a:lnRef idx="1">
+              <a:schemeClr val="accent1"/>
+            </a:lnRef>
+            <a:fillRef idx="0">
+              <a:schemeClr val="accent1"/>
+            </a:fillRef>
+            <a:effectRef idx="0">
+              <a:schemeClr val="accent1"/>
+            </a:effectRef>
+            <a:fontRef idx="minor">
+              <a:schemeClr val="tx1"/>
+            </a:fontRef>
+          </p:style>
+        </p:cxnSp>
+        <p:sp>
+          <p:nvSpPr>
+            <p:cNvPr id="47" name="TextBox 46">
+              <a:extLst>
+                <a:ext uri="{FF2B5EF4-FFF2-40B4-BE49-F238E27FC236}">
+                  <a16:creationId xmlns:a16="http://schemas.microsoft.com/office/drawing/2014/main" id="{78463654-CF28-F14E-AF93-42B4B190B849}"/>
+                </a:ext>
+              </a:extLst>
+            </p:cNvPr>
+            <p:cNvSpPr txBox="1"/>
+            <p:nvPr/>
+          </p:nvSpPr>
+          <p:spPr>
+            <a:xfrm>
+              <a:off x="8485632" y="2705343"/>
+              <a:ext cx="1634042" cy="369332"/>
+            </a:xfrm>
+            <a:prstGeom prst="rect">
+              <a:avLst/>
+            </a:prstGeom>
+            <a:noFill/>
+          </p:spPr>
+          <p:txBody>
+            <a:bodyPr wrap="square" rtlCol="0">
+              <a:spAutoFit/>
+            </a:bodyPr>
+            <a:lstStyle/>
+            <a:p>
+              <a:r>
+                <a:rPr lang="en-US" dirty="0"/>
+                <a:t>One-to-Many</a:t>
+              </a:r>
+            </a:p>
+          </p:txBody>
+        </p:sp>
+        <p:sp>
+          <p:nvSpPr>
+            <p:cNvPr id="50" name="Right Arrow 49">
+              <a:extLst>
+                <a:ext uri="{FF2B5EF4-FFF2-40B4-BE49-F238E27FC236}">
+                  <a16:creationId xmlns:a16="http://schemas.microsoft.com/office/drawing/2014/main" id="{882237EC-312D-0C45-9CCD-518FA6637DDE}"/>
+                </a:ext>
+              </a:extLst>
+            </p:cNvPr>
+            <p:cNvSpPr/>
+            <p:nvPr/>
+          </p:nvSpPr>
+          <p:spPr>
+            <a:xfrm>
+              <a:off x="8139731" y="3512954"/>
+              <a:ext cx="461913" cy="462812"/>
+            </a:xfrm>
+            <a:prstGeom prst="rightArrow">
+              <a:avLst/>
+            </a:prstGeom>
+            <a:solidFill>
+              <a:schemeClr val="tx1"/>
+            </a:solidFill>
+            <a:ln>
+              <a:solidFill>
+                <a:schemeClr val="tx1"/>
+              </a:solidFill>
+            </a:ln>
+          </p:spPr>
+          <p:style>
+            <a:lnRef idx="2">
+              <a:schemeClr val="accent1">
+                <a:shade val="50000"/>
+              </a:schemeClr>
+            </a:lnRef>
+            <a:fillRef idx="1">
+              <a:schemeClr val="accent1"/>
+            </a:fillRef>
+            <a:effectRef idx="0">
+              <a:schemeClr val="accent1"/>
+            </a:effectRef>
+            <a:fontRef idx="minor">
+              <a:schemeClr val="lt1"/>
+            </a:fontRef>
+          </p:style>
+          <p:txBody>
+            <a:bodyPr rtlCol="0" anchor="ctr"/>
+            <a:lstStyle/>
+            <a:p>
+              <a:pPr algn="ctr"/>
+              <a:endParaRPr lang="en-US"/>
+            </a:p>
+          </p:txBody>
+        </p:sp>
+        <p:sp>
+          <p:nvSpPr>
+            <p:cNvPr id="51" name="TextBox 50">
+              <a:extLst>
+                <a:ext uri="{FF2B5EF4-FFF2-40B4-BE49-F238E27FC236}">
+                  <a16:creationId xmlns:a16="http://schemas.microsoft.com/office/drawing/2014/main" id="{4BE91D36-9A2E-3E4D-B3BE-3EEF3B8F6662}"/>
+                </a:ext>
+              </a:extLst>
+            </p:cNvPr>
+            <p:cNvSpPr txBox="1"/>
+            <p:nvPr/>
+          </p:nvSpPr>
+          <p:spPr>
+            <a:xfrm>
+              <a:off x="8741978" y="3512954"/>
+              <a:ext cx="670246" cy="369332"/>
+            </a:xfrm>
+            <a:prstGeom prst="rect">
+              <a:avLst/>
+            </a:prstGeom>
+            <a:noFill/>
+          </p:spPr>
+          <p:txBody>
+            <a:bodyPr wrap="square" rtlCol="0">
+              <a:spAutoFit/>
+            </a:bodyPr>
+            <a:lstStyle/>
+            <a:p>
+              <a:r>
+                <a:rPr lang="en-US" dirty="0"/>
+                <a:t>'Is’</a:t>
+              </a:r>
+            </a:p>
+          </p:txBody>
+        </p:sp>
+      </p:grpSp>
+      <p:sp>
+        <p:nvSpPr>
+          <p:cNvPr id="22" name="Rectangle 21">
+            <a:extLst>
+              <a:ext uri="{FF2B5EF4-FFF2-40B4-BE49-F238E27FC236}">
+                <a16:creationId xmlns:a16="http://schemas.microsoft.com/office/drawing/2014/main" id="{D488D394-D6A0-2348-B994-9154C45129FE}"/>
+              </a:ext>
+            </a:extLst>
+          </p:cNvPr>
+          <p:cNvSpPr/>
+          <p:nvPr/>
+        </p:nvSpPr>
+        <p:spPr>
+          <a:xfrm>
+            <a:off x="6483219" y="519055"/>
+            <a:ext cx="2168165" cy="1197204"/>
+          </a:xfrm>
+          <a:prstGeom prst="rect">
+            <a:avLst/>
+          </a:prstGeom>
+          <a:noFill/>
+          <a:ln w="28575">
+            <a:solidFill>
+              <a:schemeClr val="tx1"/>
+            </a:solidFill>
+          </a:ln>
+        </p:spPr>
+        <p:style>
+          <a:lnRef idx="2">
+            <a:schemeClr val="accent1">
+              <a:shade val="50000"/>
+            </a:schemeClr>
+          </a:lnRef>
+          <a:fillRef idx="1">
+            <a:schemeClr val="accent1"/>
+          </a:fillRef>
+          <a:effectRef idx="0">
+            <a:schemeClr val="accent1"/>
+          </a:effectRef>
+          <a:fontRef idx="minor">
+            <a:schemeClr val="lt1"/>
+          </a:fontRef>
+        </p:style>
+        <p:txBody>
+          <a:bodyPr rtlCol="0" anchor="t"/>
+          <a:lstStyle/>
+          <a:p>
+            <a:r>
+              <a:rPr lang="en-US" dirty="0">
+                <a:solidFill>
+                  <a:schemeClr val="tx1"/>
+                </a:solidFill>
+              </a:rPr>
+              <a:t>Organization</a:t>
+            </a:r>
+          </a:p>
+          <a:p>
+            <a:pPr marL="285750" indent="-285750">
               <a:buFont typeface="Arial" panose="020B0604020202020204" pitchFamily="34" charset="0"/>
               <a:buChar char="•"/>
             </a:pPr>
             <a:r>
-              <a:rPr lang="en-US" sz="2400" dirty="0"/>
-              <a:t>Assembly stats</a:t>
-            </a:r>
-          </a:p>
-          <a:p>
-            <a:pPr marL="342900" indent="-342900">
+              <a:rPr lang="en-US" dirty="0">
+                <a:solidFill>
+                  <a:schemeClr val="tx1"/>
+                </a:solidFill>
+              </a:rPr>
+              <a:t>A group of users</a:t>
+            </a:r>
+          </a:p>
+          <a:p>
+            <a:pPr marL="285750" indent="-285750">
               <a:buFont typeface="Arial" panose="020B0604020202020204" pitchFamily="34" charset="0"/>
               <a:buChar char="•"/>
             </a:pPr>
             <a:r>
-              <a:rPr lang="en-US" sz="2400" dirty="0"/>
-              <a:t>Microbe directory</a:t>
-            </a:r>
-          </a:p>
-          <a:p>
-            <a:pPr marL="342900" indent="-342900">
+              <a:rPr lang="en-US" dirty="0">
+                <a:solidFill>
+                  <a:schemeClr val="tx1"/>
+                </a:solidFill>
+              </a:rPr>
+              <a:t>E.g. Mason Lab</a:t>
+            </a:r>
+          </a:p>
+        </p:txBody>
+      </p:sp>
+      <p:cxnSp>
+        <p:nvCxnSpPr>
+          <p:cNvPr id="23" name="Curved Connector 22">
+            <a:extLst>
+              <a:ext uri="{FF2B5EF4-FFF2-40B4-BE49-F238E27FC236}">
+                <a16:creationId xmlns:a16="http://schemas.microsoft.com/office/drawing/2014/main" id="{3E836DB5-128A-CC4C-B4C5-1953F21DEAC6}"/>
+              </a:ext>
+            </a:extLst>
+          </p:cNvPr>
+          <p:cNvCxnSpPr>
+            <a:cxnSpLocks/>
+            <a:stCxn id="22" idx="1"/>
+            <a:endCxn id="11" idx="0"/>
+          </p:cNvCxnSpPr>
+          <p:nvPr/>
+        </p:nvCxnSpPr>
+        <p:spPr>
+          <a:xfrm rot="10800000" flipV="1">
+            <a:off x="5173745" y="1117657"/>
+            <a:ext cx="1309475" cy="291650"/>
+          </a:xfrm>
+          <a:prstGeom prst="curvedConnector2">
+            <a:avLst/>
+          </a:prstGeom>
+          <a:ln w="38100">
+            <a:solidFill>
+              <a:schemeClr val="tx1"/>
+            </a:solidFill>
+            <a:tailEnd type="oval" w="lg" len="lg"/>
+          </a:ln>
+        </p:spPr>
+        <p:style>
+          <a:lnRef idx="1">
+            <a:schemeClr val="accent1"/>
+          </a:lnRef>
+          <a:fillRef idx="0">
+            <a:schemeClr val="accent1"/>
+          </a:fillRef>
+          <a:effectRef idx="0">
+            <a:schemeClr val="accent1"/>
+          </a:effectRef>
+          <a:fontRef idx="minor">
+            <a:schemeClr val="tx1"/>
+          </a:fontRef>
+        </p:style>
+      </p:cxnSp>
+      <p:sp>
+        <p:nvSpPr>
+          <p:cNvPr id="27" name="Rectangle 26">
+            <a:extLst>
+              <a:ext uri="{FF2B5EF4-FFF2-40B4-BE49-F238E27FC236}">
+                <a16:creationId xmlns:a16="http://schemas.microsoft.com/office/drawing/2014/main" id="{F19293A9-E8D8-C347-9A09-5ED70081E5BD}"/>
+              </a:ext>
+            </a:extLst>
+          </p:cNvPr>
+          <p:cNvSpPr/>
+          <p:nvPr/>
+        </p:nvSpPr>
+        <p:spPr>
+          <a:xfrm>
+            <a:off x="6483220" y="2154103"/>
+            <a:ext cx="2168165" cy="1197204"/>
+          </a:xfrm>
+          <a:prstGeom prst="rect">
+            <a:avLst/>
+          </a:prstGeom>
+          <a:noFill/>
+          <a:ln w="28575">
+            <a:solidFill>
+              <a:schemeClr val="tx1"/>
+            </a:solidFill>
+          </a:ln>
+        </p:spPr>
+        <p:style>
+          <a:lnRef idx="2">
+            <a:schemeClr val="accent1">
+              <a:shade val="50000"/>
+            </a:schemeClr>
+          </a:lnRef>
+          <a:fillRef idx="1">
+            <a:schemeClr val="accent1"/>
+          </a:fillRef>
+          <a:effectRef idx="0">
+            <a:schemeClr val="accent1"/>
+          </a:effectRef>
+          <a:fontRef idx="minor">
+            <a:schemeClr val="lt1"/>
+          </a:fontRef>
+        </p:style>
+        <p:txBody>
+          <a:bodyPr rtlCol="0" anchor="t"/>
+          <a:lstStyle/>
+          <a:p>
+            <a:r>
+              <a:rPr lang="en-US" dirty="0">
+                <a:solidFill>
+                  <a:schemeClr val="tx1"/>
+                </a:solidFill>
+              </a:rPr>
+              <a:t>User</a:t>
+            </a:r>
+          </a:p>
+          <a:p>
+            <a:pPr marL="285750" indent="-285750">
               <a:buFont typeface="Arial" panose="020B0604020202020204" pitchFamily="34" charset="0"/>
               <a:buChar char="•"/>
             </a:pPr>
-            <a:endParaRPr lang="en-US" sz="2400" dirty="0"/>
-          </a:p>
-          <a:p>
-            <a:pPr marL="342900" indent="-342900">
-              <a:buFont typeface="Arial" panose="020B0604020202020204" pitchFamily="34" charset="0"/>
-              <a:buChar char="•"/>
-            </a:pPr>
-            <a:endParaRPr lang="en-US" sz="2400" dirty="0"/>
-          </a:p>
-          <a:p>
-            <a:endParaRPr lang="en-US" sz="2400" dirty="0"/>
-          </a:p>
-          <a:p>
-            <a:endParaRPr lang="en-US" sz="2400" dirty="0"/>
+            <a:r>
+              <a:rPr lang="en-US" dirty="0">
+                <a:solidFill>
+                  <a:schemeClr val="tx1"/>
+                </a:solidFill>
+              </a:rPr>
+              <a:t>A Person</a:t>
+            </a:r>
           </a:p>
         </p:txBody>
       </p:sp>
-      <p:sp>
-        <p:nvSpPr>
-          <p:cNvPr id="5" name="TextBox 4">
+      <p:cxnSp>
+        <p:nvCxnSpPr>
+          <p:cNvPr id="28" name="Curved Connector 27">
             <a:extLst>
               <a:ext uri="{FF2B5EF4-FFF2-40B4-BE49-F238E27FC236}">
-                <a16:creationId xmlns:a16="http://schemas.microsoft.com/office/drawing/2014/main" id="{28C9E3B0-71B4-2844-AA14-44DADD19D31E}"/>
+                <a16:creationId xmlns:a16="http://schemas.microsoft.com/office/drawing/2014/main" id="{A26E805E-9104-E148-8B0E-9614FF93E8D2}"/>
               </a:ext>
             </a:extLst>
           </p:cNvPr>
-          <p:cNvSpPr txBox="1"/>
-          <p:nvPr/>
-        </p:nvSpPr>
-        <p:spPr>
-          <a:xfrm>
-            <a:off x="6096000" y="1459723"/>
-            <a:ext cx="4796742" cy="3416320"/>
-          </a:xfrm>
-          <a:prstGeom prst="rect">
-            <a:avLst/>
-          </a:prstGeom>
-          <a:noFill/>
-        </p:spPr>
-        <p:txBody>
-          <a:bodyPr wrap="square" rtlCol="0">
-            <a:spAutoFit/>
-          </a:bodyPr>
-          <a:lstStyle/>
-          <a:p>
-            <a:r>
-              <a:rPr lang="en-US" sz="2400" dirty="0"/>
-              <a:t>Modules- Specie</a:t>
-            </a:r>
-          </a:p>
-          <a:p>
-            <a:pPr marL="342900" indent="-342900">
-              <a:buFont typeface="Arial" panose="020B0604020202020204" pitchFamily="34" charset="0"/>
-              <a:buChar char="•"/>
-            </a:pPr>
-            <a:r>
-              <a:rPr lang="en-US" sz="2400" dirty="0"/>
-              <a:t>Alignment to reference</a:t>
-            </a:r>
-          </a:p>
-          <a:p>
-            <a:pPr marL="342900" indent="-342900">
-              <a:buFont typeface="Arial" panose="020B0604020202020204" pitchFamily="34" charset="0"/>
-              <a:buChar char="•"/>
-            </a:pPr>
-            <a:r>
-              <a:rPr lang="en-US" sz="2400" dirty="0"/>
-              <a:t>Strain guess</a:t>
-            </a:r>
-          </a:p>
-          <a:p>
-            <a:pPr marL="342900" indent="-342900">
-              <a:buFont typeface="Arial" panose="020B0604020202020204" pitchFamily="34" charset="0"/>
-              <a:buChar char="•"/>
-            </a:pPr>
-            <a:r>
-              <a:rPr lang="en-US" sz="2400" dirty="0"/>
-              <a:t>Assembly stats</a:t>
-            </a:r>
-          </a:p>
-          <a:p>
-            <a:pPr marL="342900" indent="-342900">
-              <a:buFont typeface="Arial" panose="020B0604020202020204" pitchFamily="34" charset="0"/>
-              <a:buChar char="•"/>
-            </a:pPr>
-            <a:r>
-              <a:rPr lang="en-US" sz="2400" dirty="0"/>
-              <a:t>‘Also found in’</a:t>
-            </a:r>
-          </a:p>
-          <a:p>
-            <a:pPr marL="342900" indent="-342900">
-              <a:buFont typeface="Arial" panose="020B0604020202020204" pitchFamily="34" charset="0"/>
-              <a:buChar char="•"/>
-            </a:pPr>
-            <a:r>
-              <a:rPr lang="en-US" sz="2400" dirty="0"/>
-              <a:t>Microbe directory annotations</a:t>
-            </a:r>
-          </a:p>
-          <a:p>
-            <a:pPr marL="342900" indent="-342900">
-              <a:buFont typeface="Arial" panose="020B0604020202020204" pitchFamily="34" charset="0"/>
-              <a:buChar char="•"/>
-            </a:pPr>
-            <a:endParaRPr lang="en-US" sz="2400" dirty="0"/>
-          </a:p>
-          <a:p>
-            <a:endParaRPr lang="en-US" sz="2400" dirty="0"/>
-          </a:p>
-          <a:p>
-            <a:endParaRPr lang="en-US" sz="2400" dirty="0"/>
-          </a:p>
-        </p:txBody>
-      </p:sp>
+          <p:cNvCxnSpPr>
+            <a:cxnSpLocks/>
+            <a:stCxn id="22" idx="2"/>
+            <a:endCxn id="27" idx="0"/>
+          </p:cNvCxnSpPr>
+          <p:nvPr/>
+        </p:nvCxnSpPr>
+        <p:spPr>
+          <a:xfrm rot="16200000" flipH="1">
+            <a:off x="7348380" y="1935180"/>
+            <a:ext cx="437844" cy="1"/>
+          </a:xfrm>
+          <a:prstGeom prst="curvedConnector3">
+            <a:avLst>
+              <a:gd name="adj1" fmla="val 50000"/>
+            </a:avLst>
+          </a:prstGeom>
+          <a:ln w="38100">
+            <a:solidFill>
+              <a:schemeClr val="tx1"/>
+            </a:solidFill>
+            <a:headEnd type="oval" w="lg" len="lg"/>
+            <a:tailEnd type="oval" w="lg" len="lg"/>
+          </a:ln>
+        </p:spPr>
+        <p:style>
+          <a:lnRef idx="1">
+            <a:schemeClr val="accent1"/>
+          </a:lnRef>
+          <a:fillRef idx="0">
+            <a:schemeClr val="accent1"/>
+          </a:fillRef>
+          <a:effectRef idx="0">
+            <a:schemeClr val="accent1"/>
+          </a:effectRef>
+          <a:fontRef idx="minor">
+            <a:schemeClr val="tx1"/>
+          </a:fontRef>
+        </p:style>
+      </p:cxnSp>
     </p:spTree>
     <p:extLst>
       <p:ext uri="{BB962C8B-B14F-4D97-AF65-F5344CB8AC3E}">
-        <p14:creationId xmlns:p14="http://schemas.microsoft.com/office/powerpoint/2010/main" val="2182792545"/>
+        <p14:creationId xmlns:p14="http://schemas.microsoft.com/office/powerpoint/2010/main" val="3374118576"/>
       </p:ext>
     </p:extLst>
   </p:cSld>
@@ -13562,40 +16608,63 @@
           <a:chExt cx="0" cy="0"/>
         </a:xfrm>
       </p:grpSpPr>
-      <p:pic>
-        <p:nvPicPr>
-          <p:cNvPr id="3" name="Picture 2" descr="A close up of a map&#10;&#10;Description automatically generated">
+      <p:sp>
+        <p:nvSpPr>
+          <p:cNvPr id="2" name="Title 1">
             <a:extLst>
               <a:ext uri="{FF2B5EF4-FFF2-40B4-BE49-F238E27FC236}">
-                <a16:creationId xmlns:a16="http://schemas.microsoft.com/office/drawing/2014/main" id="{89103FA9-AD4C-7A40-92C6-94C34D70F310}"/>
+                <a16:creationId xmlns:a16="http://schemas.microsoft.com/office/drawing/2014/main" id="{C0B48CF6-71FD-4848-8B03-5E82F4FF3D92}"/>
               </a:ext>
             </a:extLst>
           </p:cNvPr>
-          <p:cNvPicPr>
-            <a:picLocks noChangeAspect="1"/>
-          </p:cNvPicPr>
-          <p:nvPr/>
-        </p:nvPicPr>
-        <p:blipFill>
-          <a:blip r:embed="rId2"/>
-          <a:stretch>
-            <a:fillRect/>
-          </a:stretch>
-        </p:blipFill>
-        <p:spPr>
-          <a:xfrm>
-            <a:off x="0" y="556647"/>
-            <a:ext cx="12192000" cy="5744705"/>
-          </a:xfrm>
-          <a:prstGeom prst="rect">
-            <a:avLst/>
-          </a:prstGeom>
-        </p:spPr>
-      </p:pic>
+          <p:cNvSpPr>
+            <a:spLocks noGrp="1"/>
+          </p:cNvSpPr>
+          <p:nvPr>
+            <p:ph type="title"/>
+          </p:nvPr>
+        </p:nvSpPr>
+        <p:spPr/>
+        <p:txBody>
+          <a:bodyPr/>
+          <a:lstStyle/>
+          <a:p>
+            <a:r>
+              <a:rPr lang="en-US" dirty="0"/>
+              <a:t>MGS3</a:t>
+            </a:r>
+          </a:p>
+        </p:txBody>
+      </p:sp>
+      <p:sp>
+        <p:nvSpPr>
+          <p:cNvPr id="3" name="Text Placeholder 2">
+            <a:extLst>
+              <a:ext uri="{FF2B5EF4-FFF2-40B4-BE49-F238E27FC236}">
+                <a16:creationId xmlns:a16="http://schemas.microsoft.com/office/drawing/2014/main" id="{9DAAFDE6-6D70-834F-9BD1-3882BB3EF0EA}"/>
+              </a:ext>
+            </a:extLst>
+          </p:cNvPr>
+          <p:cNvSpPr>
+            <a:spLocks noGrp="1"/>
+          </p:cNvSpPr>
+          <p:nvPr>
+            <p:ph type="body" idx="1"/>
+          </p:nvPr>
+        </p:nvSpPr>
+        <p:spPr/>
+        <p:txBody>
+          <a:bodyPr/>
+          <a:lstStyle/>
+          <a:p>
+            <a:endParaRPr lang="en-US"/>
+          </a:p>
+        </p:txBody>
+      </p:sp>
     </p:spTree>
     <p:extLst>
       <p:ext uri="{BB962C8B-B14F-4D97-AF65-F5344CB8AC3E}">
-        <p14:creationId xmlns:p14="http://schemas.microsoft.com/office/powerpoint/2010/main" val="2303961915"/>
+        <p14:creationId xmlns:p14="http://schemas.microsoft.com/office/powerpoint/2010/main" val="2917312004"/>
       </p:ext>
     </p:extLst>
   </p:cSld>
@@ -13705,6 +16774,855 @@
           <a:chExt cx="0" cy="0"/>
         </a:xfrm>
       </p:grpSpPr>
+      <p:sp>
+        <p:nvSpPr>
+          <p:cNvPr id="2" name="Title 1">
+            <a:extLst>
+              <a:ext uri="{FF2B5EF4-FFF2-40B4-BE49-F238E27FC236}">
+                <a16:creationId xmlns:a16="http://schemas.microsoft.com/office/drawing/2014/main" id="{C6858BC2-676F-2348-BD13-F789210DBD00}"/>
+              </a:ext>
+            </a:extLst>
+          </p:cNvPr>
+          <p:cNvSpPr>
+            <a:spLocks noGrp="1"/>
+          </p:cNvSpPr>
+          <p:nvPr>
+            <p:ph type="title"/>
+          </p:nvPr>
+        </p:nvSpPr>
+        <p:spPr/>
+        <p:txBody>
+          <a:bodyPr/>
+          <a:lstStyle/>
+          <a:p>
+            <a:r>
+              <a:rPr lang="en-US" dirty="0" err="1"/>
+              <a:t>MetaGenScope</a:t>
+            </a:r>
+            <a:endParaRPr lang="en-US" dirty="0"/>
+          </a:p>
+        </p:txBody>
+      </p:sp>
+      <p:sp>
+        <p:nvSpPr>
+          <p:cNvPr id="3" name="TextBox 2">
+            <a:extLst>
+              <a:ext uri="{FF2B5EF4-FFF2-40B4-BE49-F238E27FC236}">
+                <a16:creationId xmlns:a16="http://schemas.microsoft.com/office/drawing/2014/main" id="{B3F32835-ACBF-914F-A66E-58B0270D02C0}"/>
+              </a:ext>
+            </a:extLst>
+          </p:cNvPr>
+          <p:cNvSpPr txBox="1"/>
+          <p:nvPr/>
+        </p:nvSpPr>
+        <p:spPr>
+          <a:xfrm>
+            <a:off x="838200" y="1506022"/>
+            <a:ext cx="6685613" cy="3046988"/>
+          </a:xfrm>
+          <a:prstGeom prst="rect">
+            <a:avLst/>
+          </a:prstGeom>
+          <a:noFill/>
+        </p:spPr>
+        <p:txBody>
+          <a:bodyPr wrap="square" rtlCol="0">
+            <a:spAutoFit/>
+          </a:bodyPr>
+          <a:lstStyle/>
+          <a:p>
+            <a:pPr marL="342900" indent="-342900">
+              <a:buFont typeface="Arial" panose="020B0604020202020204" pitchFamily="34" charset="0"/>
+              <a:buChar char="•"/>
+            </a:pPr>
+            <a:r>
+              <a:rPr lang="en-US" sz="2400" dirty="0"/>
+              <a:t>TypeScript + ReactJS</a:t>
+            </a:r>
+          </a:p>
+          <a:p>
+            <a:pPr marL="342900" indent="-342900">
+              <a:buFont typeface="Arial" panose="020B0604020202020204" pitchFamily="34" charset="0"/>
+              <a:buChar char="•"/>
+            </a:pPr>
+            <a:r>
+              <a:rPr lang="en-US" sz="2400" dirty="0"/>
+              <a:t>Microservice Architecture</a:t>
+            </a:r>
+          </a:p>
+          <a:p>
+            <a:pPr marL="800100" lvl="1" indent="-342900">
+              <a:buFont typeface="Arial" panose="020B0604020202020204" pitchFamily="34" charset="0"/>
+              <a:buChar char="•"/>
+            </a:pPr>
+            <a:r>
+              <a:rPr lang="en-US" sz="2400" dirty="0"/>
+              <a:t>Database</a:t>
+            </a:r>
+          </a:p>
+          <a:p>
+            <a:pPr marL="800100" lvl="1" indent="-342900">
+              <a:buFont typeface="Arial" panose="020B0604020202020204" pitchFamily="34" charset="0"/>
+              <a:buChar char="•"/>
+            </a:pPr>
+            <a:r>
+              <a:rPr lang="en-US" sz="2400" dirty="0"/>
+              <a:t>Worker Nodes</a:t>
+            </a:r>
+          </a:p>
+          <a:p>
+            <a:pPr marL="800100" lvl="1" indent="-342900">
+              <a:buFont typeface="Arial" panose="020B0604020202020204" pitchFamily="34" charset="0"/>
+              <a:buChar char="•"/>
+            </a:pPr>
+            <a:r>
+              <a:rPr lang="en-US" sz="2400" dirty="0"/>
+              <a:t>Redis + RabbitMQ</a:t>
+            </a:r>
+          </a:p>
+          <a:p>
+            <a:pPr marL="342900" indent="-342900">
+              <a:buFont typeface="Arial" panose="020B0604020202020204" pitchFamily="34" charset="0"/>
+              <a:buChar char="•"/>
+            </a:pPr>
+            <a:endParaRPr lang="en-US" sz="2400" dirty="0"/>
+          </a:p>
+          <a:p>
+            <a:endParaRPr lang="en-US" sz="2400" dirty="0"/>
+          </a:p>
+          <a:p>
+            <a:r>
+              <a:rPr lang="en-US" sz="2400" dirty="0">
+                <a:hlinkClick r:id="rId2"/>
+              </a:rPr>
+              <a:t>https://github.com/dcdanko/capalyzer</a:t>
+            </a:r>
+            <a:endParaRPr lang="en-US" sz="2400" dirty="0"/>
+          </a:p>
+        </p:txBody>
+      </p:sp>
+    </p:spTree>
+    <p:extLst>
+      <p:ext uri="{BB962C8B-B14F-4D97-AF65-F5344CB8AC3E}">
+        <p14:creationId xmlns:p14="http://schemas.microsoft.com/office/powerpoint/2010/main" val="3858736445"/>
+      </p:ext>
+    </p:extLst>
+  </p:cSld>
+  <p:clrMapOvr>
+    <a:masterClrMapping/>
+  </p:clrMapOvr>
+</p:sld>
+</file>
+
+<file path=ppt/slides/slide21.xml><?xml version="1.0" encoding="utf-8"?>
+<p:sld xmlns:a="http://schemas.openxmlformats.org/drawingml/2006/main" xmlns:r="http://schemas.openxmlformats.org/officeDocument/2006/relationships" xmlns:p="http://schemas.openxmlformats.org/presentationml/2006/main">
+  <p:cSld>
+    <p:spTree>
+      <p:nvGrpSpPr>
+        <p:cNvPr id="1" name=""/>
+        <p:cNvGrpSpPr/>
+        <p:nvPr/>
+      </p:nvGrpSpPr>
+      <p:grpSpPr>
+        <a:xfrm>
+          <a:off x="0" y="0"/>
+          <a:ext cx="0" cy="0"/>
+          <a:chOff x="0" y="0"/>
+          <a:chExt cx="0" cy="0"/>
+        </a:xfrm>
+      </p:grpSpPr>
+      <p:sp>
+        <p:nvSpPr>
+          <p:cNvPr id="2" name="Title 1">
+            <a:extLst>
+              <a:ext uri="{FF2B5EF4-FFF2-40B4-BE49-F238E27FC236}">
+                <a16:creationId xmlns:a16="http://schemas.microsoft.com/office/drawing/2014/main" id="{C6858BC2-676F-2348-BD13-F789210DBD00}"/>
+              </a:ext>
+            </a:extLst>
+          </p:cNvPr>
+          <p:cNvSpPr>
+            <a:spLocks noGrp="1"/>
+          </p:cNvSpPr>
+          <p:nvPr>
+            <p:ph type="title"/>
+          </p:nvPr>
+        </p:nvSpPr>
+        <p:spPr/>
+        <p:txBody>
+          <a:bodyPr/>
+          <a:lstStyle/>
+          <a:p>
+            <a:r>
+              <a:rPr lang="en-US" dirty="0" err="1"/>
+              <a:t>MetaGenScope</a:t>
+            </a:r>
+            <a:r>
+              <a:rPr lang="en-US" dirty="0"/>
+              <a:t>- New Features</a:t>
+            </a:r>
+          </a:p>
+        </p:txBody>
+      </p:sp>
+      <p:sp>
+        <p:nvSpPr>
+          <p:cNvPr id="3" name="TextBox 2">
+            <a:extLst>
+              <a:ext uri="{FF2B5EF4-FFF2-40B4-BE49-F238E27FC236}">
+                <a16:creationId xmlns:a16="http://schemas.microsoft.com/office/drawing/2014/main" id="{B3F32835-ACBF-914F-A66E-58B0270D02C0}"/>
+              </a:ext>
+            </a:extLst>
+          </p:cNvPr>
+          <p:cNvSpPr txBox="1"/>
+          <p:nvPr/>
+        </p:nvSpPr>
+        <p:spPr>
+          <a:xfrm>
+            <a:off x="838200" y="1506022"/>
+            <a:ext cx="6685613" cy="3785652"/>
+          </a:xfrm>
+          <a:prstGeom prst="rect">
+            <a:avLst/>
+          </a:prstGeom>
+          <a:noFill/>
+        </p:spPr>
+        <p:txBody>
+          <a:bodyPr wrap="square" rtlCol="0">
+            <a:spAutoFit/>
+          </a:bodyPr>
+          <a:lstStyle/>
+          <a:p>
+            <a:pPr marL="342900" indent="-342900">
+              <a:buFont typeface="Arial" panose="020B0604020202020204" pitchFamily="34" charset="0"/>
+              <a:buChar char="•"/>
+            </a:pPr>
+            <a:r>
+              <a:rPr lang="en-US" sz="2400" dirty="0"/>
+              <a:t>Upload Samples</a:t>
+            </a:r>
+          </a:p>
+          <a:p>
+            <a:pPr marL="342900" indent="-342900">
+              <a:buFont typeface="Arial" panose="020B0604020202020204" pitchFamily="34" charset="0"/>
+              <a:buChar char="•"/>
+            </a:pPr>
+            <a:r>
+              <a:rPr lang="en-US" sz="2400" dirty="0"/>
+              <a:t>Manage samples and sample groups</a:t>
+            </a:r>
+          </a:p>
+          <a:p>
+            <a:pPr marL="800100" lvl="1" indent="-342900">
+              <a:buFont typeface="Arial" panose="020B0604020202020204" pitchFamily="34" charset="0"/>
+              <a:buChar char="•"/>
+            </a:pPr>
+            <a:r>
+              <a:rPr lang="en-US" sz="2400" dirty="0"/>
+              <a:t>make new groups</a:t>
+            </a:r>
+          </a:p>
+          <a:p>
+            <a:pPr marL="800100" lvl="1" indent="-342900">
+              <a:buFont typeface="Arial" panose="020B0604020202020204" pitchFamily="34" charset="0"/>
+              <a:buChar char="•"/>
+            </a:pPr>
+            <a:r>
+              <a:rPr lang="en-US" sz="2400" dirty="0"/>
+              <a:t>Delete groups</a:t>
+            </a:r>
+          </a:p>
+          <a:p>
+            <a:pPr marL="342900" indent="-342900">
+              <a:buFont typeface="Arial" panose="020B0604020202020204" pitchFamily="34" charset="0"/>
+              <a:buChar char="•"/>
+            </a:pPr>
+            <a:r>
+              <a:rPr lang="en-US" sz="2400" dirty="0"/>
+              <a:t>Search groups/samples</a:t>
+            </a:r>
+          </a:p>
+          <a:p>
+            <a:pPr marL="342900" indent="-342900">
+              <a:buFont typeface="Arial" panose="020B0604020202020204" pitchFamily="34" charset="0"/>
+              <a:buChar char="•"/>
+            </a:pPr>
+            <a:r>
+              <a:rPr lang="en-US" sz="2400" dirty="0"/>
+              <a:t>Species view (in addition to sample and group)</a:t>
+            </a:r>
+          </a:p>
+          <a:p>
+            <a:pPr marL="342900" indent="-342900">
+              <a:buFont typeface="Arial" panose="020B0604020202020204" pitchFamily="34" charset="0"/>
+              <a:buChar char="•"/>
+            </a:pPr>
+            <a:r>
+              <a:rPr lang="en-US" sz="2400" dirty="0"/>
+              <a:t>Gene search in groups</a:t>
+            </a:r>
+          </a:p>
+          <a:p>
+            <a:pPr marL="342900" indent="-342900">
+              <a:buFont typeface="Arial" panose="020B0604020202020204" pitchFamily="34" charset="0"/>
+              <a:buChar char="•"/>
+            </a:pPr>
+            <a:r>
+              <a:rPr lang="en-US" sz="2400" dirty="0"/>
+              <a:t>Support long reads</a:t>
+            </a:r>
+          </a:p>
+          <a:p>
+            <a:pPr marL="342900" indent="-342900">
+              <a:buFont typeface="Arial" panose="020B0604020202020204" pitchFamily="34" charset="0"/>
+              <a:buChar char="•"/>
+            </a:pPr>
+            <a:endParaRPr lang="en-US" sz="2400" dirty="0"/>
+          </a:p>
+          <a:p>
+            <a:endParaRPr lang="en-US" sz="2400" dirty="0"/>
+          </a:p>
+        </p:txBody>
+      </p:sp>
+      <p:sp>
+        <p:nvSpPr>
+          <p:cNvPr id="4" name="TextBox 3">
+            <a:extLst>
+              <a:ext uri="{FF2B5EF4-FFF2-40B4-BE49-F238E27FC236}">
+                <a16:creationId xmlns:a16="http://schemas.microsoft.com/office/drawing/2014/main" id="{74B194CA-F84C-5D4E-96EB-EF80283AE5AD}"/>
+              </a:ext>
+            </a:extLst>
+          </p:cNvPr>
+          <p:cNvSpPr txBox="1"/>
+          <p:nvPr/>
+        </p:nvSpPr>
+        <p:spPr>
+          <a:xfrm>
+            <a:off x="7252505" y="1506022"/>
+            <a:ext cx="4796742" cy="5632311"/>
+          </a:xfrm>
+          <a:prstGeom prst="rect">
+            <a:avLst/>
+          </a:prstGeom>
+          <a:noFill/>
+        </p:spPr>
+        <p:txBody>
+          <a:bodyPr wrap="square" rtlCol="0">
+            <a:spAutoFit/>
+          </a:bodyPr>
+          <a:lstStyle/>
+          <a:p>
+            <a:r>
+              <a:rPr lang="en-US" sz="2400" dirty="0"/>
+              <a:t>Modules- Group</a:t>
+            </a:r>
+          </a:p>
+          <a:p>
+            <a:pPr marL="342900" indent="-342900">
+              <a:buFont typeface="Arial" panose="020B0604020202020204" pitchFamily="34" charset="0"/>
+              <a:buChar char="•"/>
+            </a:pPr>
+            <a:r>
+              <a:rPr lang="en-US" sz="2400" dirty="0"/>
+              <a:t>Dimensionality Reduction</a:t>
+            </a:r>
+          </a:p>
+          <a:p>
+            <a:pPr marL="342900" indent="-342900">
+              <a:buFont typeface="Arial" panose="020B0604020202020204" pitchFamily="34" charset="0"/>
+              <a:buChar char="•"/>
+            </a:pPr>
+            <a:r>
+              <a:rPr lang="en-US" sz="2400" dirty="0"/>
+              <a:t>Multi-Axis</a:t>
+            </a:r>
+          </a:p>
+          <a:p>
+            <a:pPr marL="342900" indent="-342900">
+              <a:buFont typeface="Arial" panose="020B0604020202020204" pitchFamily="34" charset="0"/>
+              <a:buChar char="•"/>
+            </a:pPr>
+            <a:r>
+              <a:rPr lang="en-US" sz="2400" dirty="0"/>
+              <a:t>Volcano</a:t>
+            </a:r>
+          </a:p>
+          <a:p>
+            <a:pPr marL="342900" indent="-342900">
+              <a:buFont typeface="Arial" panose="020B0604020202020204" pitchFamily="34" charset="0"/>
+              <a:buChar char="•"/>
+            </a:pPr>
+            <a:r>
+              <a:rPr lang="en-US" sz="2400" dirty="0"/>
+              <a:t>Alpha diversity</a:t>
+            </a:r>
+          </a:p>
+          <a:p>
+            <a:pPr marL="342900" indent="-342900">
+              <a:buFont typeface="Arial" panose="020B0604020202020204" pitchFamily="34" charset="0"/>
+              <a:buChar char="•"/>
+            </a:pPr>
+            <a:r>
+              <a:rPr lang="en-US" sz="2400" dirty="0"/>
+              <a:t>Beta diversity</a:t>
+            </a:r>
+          </a:p>
+          <a:p>
+            <a:pPr marL="342900" indent="-342900">
+              <a:buFont typeface="Arial" panose="020B0604020202020204" pitchFamily="34" charset="0"/>
+              <a:buChar char="•"/>
+            </a:pPr>
+            <a:r>
+              <a:rPr lang="en-US" sz="2400" dirty="0"/>
+              <a:t>Rarefaction curve</a:t>
+            </a:r>
+          </a:p>
+          <a:p>
+            <a:pPr marL="342900" indent="-342900">
+              <a:buFont typeface="Arial" panose="020B0604020202020204" pitchFamily="34" charset="0"/>
+              <a:buChar char="•"/>
+            </a:pPr>
+            <a:r>
+              <a:rPr lang="en-US" sz="2400" dirty="0"/>
+              <a:t>Average genome size</a:t>
+            </a:r>
+          </a:p>
+          <a:p>
+            <a:pPr marL="342900" indent="-342900">
+              <a:buFont typeface="Arial" panose="020B0604020202020204" pitchFamily="34" charset="0"/>
+              <a:buChar char="•"/>
+            </a:pPr>
+            <a:r>
+              <a:rPr lang="en-US" sz="2400" dirty="0"/>
+              <a:t>Top taxa</a:t>
+            </a:r>
+          </a:p>
+          <a:p>
+            <a:pPr marL="342900" indent="-342900">
+              <a:buFont typeface="Arial" panose="020B0604020202020204" pitchFamily="34" charset="0"/>
+              <a:buChar char="•"/>
+            </a:pPr>
+            <a:r>
+              <a:rPr lang="en-US" sz="2400" dirty="0"/>
+              <a:t>Microbe directory</a:t>
+            </a:r>
+          </a:p>
+          <a:p>
+            <a:pPr marL="342900" indent="-342900">
+              <a:buFont typeface="Arial" panose="020B0604020202020204" pitchFamily="34" charset="0"/>
+              <a:buChar char="•"/>
+            </a:pPr>
+            <a:r>
+              <a:rPr lang="en-US" sz="2400" dirty="0"/>
+              <a:t>Reference comparisons</a:t>
+            </a:r>
+          </a:p>
+          <a:p>
+            <a:pPr marL="342900" indent="-342900">
+              <a:buFont typeface="Arial" panose="020B0604020202020204" pitchFamily="34" charset="0"/>
+              <a:buChar char="•"/>
+            </a:pPr>
+            <a:r>
+              <a:rPr lang="en-US" sz="2400" dirty="0"/>
+              <a:t>Top AMR</a:t>
+            </a:r>
+          </a:p>
+          <a:p>
+            <a:pPr marL="342900" indent="-342900">
+              <a:buFont typeface="Arial" panose="020B0604020202020204" pitchFamily="34" charset="0"/>
+              <a:buChar char="•"/>
+            </a:pPr>
+            <a:endParaRPr lang="en-US" sz="2400" dirty="0"/>
+          </a:p>
+          <a:p>
+            <a:endParaRPr lang="en-US" sz="2400" dirty="0"/>
+          </a:p>
+          <a:p>
+            <a:endParaRPr lang="en-US" sz="2400" dirty="0"/>
+          </a:p>
+        </p:txBody>
+      </p:sp>
+    </p:spTree>
+    <p:extLst>
+      <p:ext uri="{BB962C8B-B14F-4D97-AF65-F5344CB8AC3E}">
+        <p14:creationId xmlns:p14="http://schemas.microsoft.com/office/powerpoint/2010/main" val="2191986415"/>
+      </p:ext>
+    </p:extLst>
+  </p:cSld>
+  <p:clrMapOvr>
+    <a:masterClrMapping/>
+  </p:clrMapOvr>
+</p:sld>
+</file>
+
+<file path=ppt/slides/slide22.xml><?xml version="1.0" encoding="utf-8"?>
+<p:sld xmlns:a="http://schemas.openxmlformats.org/drawingml/2006/main" xmlns:r="http://schemas.openxmlformats.org/officeDocument/2006/relationships" xmlns:p="http://schemas.openxmlformats.org/presentationml/2006/main">
+  <p:cSld>
+    <p:spTree>
+      <p:nvGrpSpPr>
+        <p:cNvPr id="1" name=""/>
+        <p:cNvGrpSpPr/>
+        <p:nvPr/>
+      </p:nvGrpSpPr>
+      <p:grpSpPr>
+        <a:xfrm>
+          <a:off x="0" y="0"/>
+          <a:ext cx="0" cy="0"/>
+          <a:chOff x="0" y="0"/>
+          <a:chExt cx="0" cy="0"/>
+        </a:xfrm>
+      </p:grpSpPr>
+      <p:sp>
+        <p:nvSpPr>
+          <p:cNvPr id="2" name="Title 1">
+            <a:extLst>
+              <a:ext uri="{FF2B5EF4-FFF2-40B4-BE49-F238E27FC236}">
+                <a16:creationId xmlns:a16="http://schemas.microsoft.com/office/drawing/2014/main" id="{C6858BC2-676F-2348-BD13-F789210DBD00}"/>
+              </a:ext>
+            </a:extLst>
+          </p:cNvPr>
+          <p:cNvSpPr>
+            <a:spLocks noGrp="1"/>
+          </p:cNvSpPr>
+          <p:nvPr>
+            <p:ph type="title"/>
+          </p:nvPr>
+        </p:nvSpPr>
+        <p:spPr/>
+        <p:txBody>
+          <a:bodyPr/>
+          <a:lstStyle/>
+          <a:p>
+            <a:r>
+              <a:rPr lang="en-US" dirty="0" err="1"/>
+              <a:t>MetaGenScope</a:t>
+            </a:r>
+            <a:r>
+              <a:rPr lang="en-US" dirty="0"/>
+              <a:t>- New Features</a:t>
+            </a:r>
+          </a:p>
+        </p:txBody>
+      </p:sp>
+      <p:sp>
+        <p:nvSpPr>
+          <p:cNvPr id="4" name="TextBox 3">
+            <a:extLst>
+              <a:ext uri="{FF2B5EF4-FFF2-40B4-BE49-F238E27FC236}">
+                <a16:creationId xmlns:a16="http://schemas.microsoft.com/office/drawing/2014/main" id="{74B194CA-F84C-5D4E-96EB-EF80283AE5AD}"/>
+              </a:ext>
+            </a:extLst>
+          </p:cNvPr>
+          <p:cNvSpPr txBox="1"/>
+          <p:nvPr/>
+        </p:nvSpPr>
+        <p:spPr>
+          <a:xfrm>
+            <a:off x="838200" y="1459723"/>
+            <a:ext cx="4796742" cy="4524315"/>
+          </a:xfrm>
+          <a:prstGeom prst="rect">
+            <a:avLst/>
+          </a:prstGeom>
+          <a:noFill/>
+        </p:spPr>
+        <p:txBody>
+          <a:bodyPr wrap="square" rtlCol="0">
+            <a:spAutoFit/>
+          </a:bodyPr>
+          <a:lstStyle/>
+          <a:p>
+            <a:r>
+              <a:rPr lang="en-US" sz="2400" dirty="0"/>
+              <a:t>Modules- Sample</a:t>
+            </a:r>
+          </a:p>
+          <a:p>
+            <a:pPr marL="342900" indent="-342900">
+              <a:buFont typeface="Arial" panose="020B0604020202020204" pitchFamily="34" charset="0"/>
+              <a:buChar char="•"/>
+            </a:pPr>
+            <a:r>
+              <a:rPr lang="en-US" sz="2400" dirty="0"/>
+              <a:t>Alpha diversity</a:t>
+            </a:r>
+          </a:p>
+          <a:p>
+            <a:pPr marL="342900" indent="-342900">
+              <a:buFont typeface="Arial" panose="020B0604020202020204" pitchFamily="34" charset="0"/>
+              <a:buChar char="•"/>
+            </a:pPr>
+            <a:r>
+              <a:rPr lang="en-US" sz="2400" dirty="0"/>
+              <a:t>Reference comparison</a:t>
+            </a:r>
+          </a:p>
+          <a:p>
+            <a:pPr marL="342900" indent="-342900">
+              <a:buFont typeface="Arial" panose="020B0604020202020204" pitchFamily="34" charset="0"/>
+              <a:buChar char="•"/>
+            </a:pPr>
+            <a:r>
+              <a:rPr lang="en-US" sz="2400" dirty="0"/>
+              <a:t>Taxonomy</a:t>
+            </a:r>
+          </a:p>
+          <a:p>
+            <a:pPr marL="342900" indent="-342900">
+              <a:buFont typeface="Arial" panose="020B0604020202020204" pitchFamily="34" charset="0"/>
+              <a:buChar char="•"/>
+            </a:pPr>
+            <a:r>
+              <a:rPr lang="en-US" sz="2400" dirty="0"/>
+              <a:t>Pathways</a:t>
+            </a:r>
+          </a:p>
+          <a:p>
+            <a:pPr marL="342900" indent="-342900">
+              <a:buFont typeface="Arial" panose="020B0604020202020204" pitchFamily="34" charset="0"/>
+              <a:buChar char="•"/>
+            </a:pPr>
+            <a:r>
+              <a:rPr lang="en-US" sz="2400" dirty="0"/>
+              <a:t>Stats (Read count, GC, </a:t>
+            </a:r>
+            <a:r>
+              <a:rPr lang="en-US" sz="2400" dirty="0" err="1"/>
+              <a:t>etc</a:t>
+            </a:r>
+            <a:r>
+              <a:rPr lang="en-US" sz="2400" dirty="0"/>
+              <a:t>)</a:t>
+            </a:r>
+          </a:p>
+          <a:p>
+            <a:pPr marL="342900" indent="-342900">
+              <a:buFont typeface="Arial" panose="020B0604020202020204" pitchFamily="34" charset="0"/>
+              <a:buChar char="•"/>
+            </a:pPr>
+            <a:r>
+              <a:rPr lang="en-US" sz="2400" dirty="0"/>
+              <a:t>Assembly stats</a:t>
+            </a:r>
+          </a:p>
+          <a:p>
+            <a:pPr marL="342900" indent="-342900">
+              <a:buFont typeface="Arial" panose="020B0604020202020204" pitchFamily="34" charset="0"/>
+              <a:buChar char="•"/>
+            </a:pPr>
+            <a:r>
+              <a:rPr lang="en-US" sz="2400" dirty="0"/>
+              <a:t>Microbe directory</a:t>
+            </a:r>
+          </a:p>
+          <a:p>
+            <a:pPr marL="342900" indent="-342900">
+              <a:buFont typeface="Arial" panose="020B0604020202020204" pitchFamily="34" charset="0"/>
+              <a:buChar char="•"/>
+            </a:pPr>
+            <a:endParaRPr lang="en-US" sz="2400" dirty="0"/>
+          </a:p>
+          <a:p>
+            <a:pPr marL="342900" indent="-342900">
+              <a:buFont typeface="Arial" panose="020B0604020202020204" pitchFamily="34" charset="0"/>
+              <a:buChar char="•"/>
+            </a:pPr>
+            <a:endParaRPr lang="en-US" sz="2400" dirty="0"/>
+          </a:p>
+          <a:p>
+            <a:endParaRPr lang="en-US" sz="2400" dirty="0"/>
+          </a:p>
+          <a:p>
+            <a:endParaRPr lang="en-US" sz="2400" dirty="0"/>
+          </a:p>
+        </p:txBody>
+      </p:sp>
+      <p:sp>
+        <p:nvSpPr>
+          <p:cNvPr id="5" name="TextBox 4">
+            <a:extLst>
+              <a:ext uri="{FF2B5EF4-FFF2-40B4-BE49-F238E27FC236}">
+                <a16:creationId xmlns:a16="http://schemas.microsoft.com/office/drawing/2014/main" id="{28C9E3B0-71B4-2844-AA14-44DADD19D31E}"/>
+              </a:ext>
+            </a:extLst>
+          </p:cNvPr>
+          <p:cNvSpPr txBox="1"/>
+          <p:nvPr/>
+        </p:nvSpPr>
+        <p:spPr>
+          <a:xfrm>
+            <a:off x="6096000" y="1459723"/>
+            <a:ext cx="4796742" cy="3416320"/>
+          </a:xfrm>
+          <a:prstGeom prst="rect">
+            <a:avLst/>
+          </a:prstGeom>
+          <a:noFill/>
+        </p:spPr>
+        <p:txBody>
+          <a:bodyPr wrap="square" rtlCol="0">
+            <a:spAutoFit/>
+          </a:bodyPr>
+          <a:lstStyle/>
+          <a:p>
+            <a:r>
+              <a:rPr lang="en-US" sz="2400" dirty="0"/>
+              <a:t>Modules- Specie</a:t>
+            </a:r>
+          </a:p>
+          <a:p>
+            <a:pPr marL="342900" indent="-342900">
+              <a:buFont typeface="Arial" panose="020B0604020202020204" pitchFamily="34" charset="0"/>
+              <a:buChar char="•"/>
+            </a:pPr>
+            <a:r>
+              <a:rPr lang="en-US" sz="2400" dirty="0"/>
+              <a:t>Alignment to reference</a:t>
+            </a:r>
+          </a:p>
+          <a:p>
+            <a:pPr marL="342900" indent="-342900">
+              <a:buFont typeface="Arial" panose="020B0604020202020204" pitchFamily="34" charset="0"/>
+              <a:buChar char="•"/>
+            </a:pPr>
+            <a:r>
+              <a:rPr lang="en-US" sz="2400" dirty="0"/>
+              <a:t>Strain guess</a:t>
+            </a:r>
+          </a:p>
+          <a:p>
+            <a:pPr marL="342900" indent="-342900">
+              <a:buFont typeface="Arial" panose="020B0604020202020204" pitchFamily="34" charset="0"/>
+              <a:buChar char="•"/>
+            </a:pPr>
+            <a:r>
+              <a:rPr lang="en-US" sz="2400" dirty="0"/>
+              <a:t>Assembly stats</a:t>
+            </a:r>
+          </a:p>
+          <a:p>
+            <a:pPr marL="342900" indent="-342900">
+              <a:buFont typeface="Arial" panose="020B0604020202020204" pitchFamily="34" charset="0"/>
+              <a:buChar char="•"/>
+            </a:pPr>
+            <a:r>
+              <a:rPr lang="en-US" sz="2400" dirty="0"/>
+              <a:t>‘Also found in’</a:t>
+            </a:r>
+          </a:p>
+          <a:p>
+            <a:pPr marL="342900" indent="-342900">
+              <a:buFont typeface="Arial" panose="020B0604020202020204" pitchFamily="34" charset="0"/>
+              <a:buChar char="•"/>
+            </a:pPr>
+            <a:r>
+              <a:rPr lang="en-US" sz="2400" dirty="0"/>
+              <a:t>Microbe directory annotations</a:t>
+            </a:r>
+          </a:p>
+          <a:p>
+            <a:pPr marL="342900" indent="-342900">
+              <a:buFont typeface="Arial" panose="020B0604020202020204" pitchFamily="34" charset="0"/>
+              <a:buChar char="•"/>
+            </a:pPr>
+            <a:endParaRPr lang="en-US" sz="2400" dirty="0"/>
+          </a:p>
+          <a:p>
+            <a:endParaRPr lang="en-US" sz="2400" dirty="0"/>
+          </a:p>
+          <a:p>
+            <a:endParaRPr lang="en-US" sz="2400" dirty="0"/>
+          </a:p>
+        </p:txBody>
+      </p:sp>
+    </p:spTree>
+    <p:extLst>
+      <p:ext uri="{BB962C8B-B14F-4D97-AF65-F5344CB8AC3E}">
+        <p14:creationId xmlns:p14="http://schemas.microsoft.com/office/powerpoint/2010/main" val="2182792545"/>
+      </p:ext>
+    </p:extLst>
+  </p:cSld>
+  <p:clrMapOvr>
+    <a:masterClrMapping/>
+  </p:clrMapOvr>
+</p:sld>
+</file>
+
+<file path=ppt/slides/slide23.xml><?xml version="1.0" encoding="utf-8"?>
+<p:sld xmlns:a="http://schemas.openxmlformats.org/drawingml/2006/main" xmlns:r="http://schemas.openxmlformats.org/officeDocument/2006/relationships" xmlns:p="http://schemas.openxmlformats.org/presentationml/2006/main">
+  <p:cSld>
+    <p:spTree>
+      <p:nvGrpSpPr>
+        <p:cNvPr id="1" name=""/>
+        <p:cNvGrpSpPr/>
+        <p:nvPr/>
+      </p:nvGrpSpPr>
+      <p:grpSpPr>
+        <a:xfrm>
+          <a:off x="0" y="0"/>
+          <a:ext cx="0" cy="0"/>
+          <a:chOff x="0" y="0"/>
+          <a:chExt cx="0" cy="0"/>
+        </a:xfrm>
+      </p:grpSpPr>
+      <p:pic>
+        <p:nvPicPr>
+          <p:cNvPr id="3" name="Picture 2" descr="A close up of a map&#10;&#10;Description automatically generated">
+            <a:extLst>
+              <a:ext uri="{FF2B5EF4-FFF2-40B4-BE49-F238E27FC236}">
+                <a16:creationId xmlns:a16="http://schemas.microsoft.com/office/drawing/2014/main" id="{89103FA9-AD4C-7A40-92C6-94C34D70F310}"/>
+              </a:ext>
+            </a:extLst>
+          </p:cNvPr>
+          <p:cNvPicPr>
+            <a:picLocks noChangeAspect="1"/>
+          </p:cNvPicPr>
+          <p:nvPr/>
+        </p:nvPicPr>
+        <p:blipFill>
+          <a:blip r:embed="rId2"/>
+          <a:stretch>
+            <a:fillRect/>
+          </a:stretch>
+        </p:blipFill>
+        <p:spPr>
+          <a:xfrm>
+            <a:off x="0" y="556647"/>
+            <a:ext cx="12192000" cy="5744705"/>
+          </a:xfrm>
+          <a:prstGeom prst="rect">
+            <a:avLst/>
+          </a:prstGeom>
+        </p:spPr>
+      </p:pic>
+    </p:spTree>
+    <p:extLst>
+      <p:ext uri="{BB962C8B-B14F-4D97-AF65-F5344CB8AC3E}">
+        <p14:creationId xmlns:p14="http://schemas.microsoft.com/office/powerpoint/2010/main" val="2303961915"/>
+      </p:ext>
+    </p:extLst>
+  </p:cSld>
+  <p:clrMapOvr>
+    <a:masterClrMapping/>
+  </p:clrMapOvr>
+</p:sld>
+</file>
+
+<file path=ppt/slides/slide24.xml><?xml version="1.0" encoding="utf-8"?>
+<p:sld xmlns:a="http://schemas.openxmlformats.org/drawingml/2006/main" xmlns:r="http://schemas.openxmlformats.org/officeDocument/2006/relationships" xmlns:p="http://schemas.openxmlformats.org/presentationml/2006/main">
+  <p:cSld>
+    <p:spTree>
+      <p:nvGrpSpPr>
+        <p:cNvPr id="1" name=""/>
+        <p:cNvGrpSpPr/>
+        <p:nvPr/>
+      </p:nvGrpSpPr>
+      <p:grpSpPr>
+        <a:xfrm>
+          <a:off x="0" y="0"/>
+          <a:ext cx="0" cy="0"/>
+          <a:chOff x="0" y="0"/>
+          <a:chExt cx="0" cy="0"/>
+        </a:xfrm>
+      </p:grpSpPr>
       <p:pic>
         <p:nvPicPr>
           <p:cNvPr id="3" name="Picture 2" descr="A picture containing computer&#10;&#10;Description automatically generated">
@@ -13748,7 +17666,7 @@
 </p:sld>
 </file>
 
-<file path=ppt/slides/slide21.xml><?xml version="1.0" encoding="utf-8"?>
+<file path=ppt/slides/slide25.xml><?xml version="1.0" encoding="utf-8"?>
 <p:sld xmlns:a="http://schemas.openxmlformats.org/drawingml/2006/main" xmlns:r="http://schemas.openxmlformats.org/officeDocument/2006/relationships" xmlns:p="http://schemas.openxmlformats.org/presentationml/2006/main">
   <p:cSld>
     <p:spTree>
@@ -13808,7 +17726,7 @@
 </p:sld>
 </file>
 
-<file path=ppt/slides/slide22.xml><?xml version="1.0" encoding="utf-8"?>
+<file path=ppt/slides/slide26.xml><?xml version="1.0" encoding="utf-8"?>
 <p:sld xmlns:a="http://schemas.openxmlformats.org/drawingml/2006/main" xmlns:r="http://schemas.openxmlformats.org/officeDocument/2006/relationships" xmlns:p="http://schemas.openxmlformats.org/presentationml/2006/main">
   <p:cSld>
     <p:spTree>
@@ -13868,7 +17786,7 @@
 </p:sld>
 </file>
 
-<file path=ppt/slides/slide23.xml><?xml version="1.0" encoding="utf-8"?>
+<file path=ppt/slides/slide27.xml><?xml version="1.0" encoding="utf-8"?>
 <p:sld xmlns:a="http://schemas.openxmlformats.org/drawingml/2006/main" xmlns:r="http://schemas.openxmlformats.org/officeDocument/2006/relationships" xmlns:p="http://schemas.openxmlformats.org/presentationml/2006/main">
   <p:cSld>
     <p:spTree>
@@ -13928,7 +17846,7 @@
 </p:sld>
 </file>
 
-<file path=ppt/slides/slide24.xml><?xml version="1.0" encoding="utf-8"?>
+<file path=ppt/slides/slide28.xml><?xml version="1.0" encoding="utf-8"?>
 <p:sld xmlns:a="http://schemas.openxmlformats.org/drawingml/2006/main" xmlns:r="http://schemas.openxmlformats.org/officeDocument/2006/relationships" xmlns:p="http://schemas.openxmlformats.org/presentationml/2006/main">
   <p:cSld>
     <p:spTree>
@@ -14011,7 +17929,7 @@
 </p:sld>
 </file>
 
-<file path=ppt/slides/slide25.xml><?xml version="1.0" encoding="utf-8"?>
+<file path=ppt/slides/slide29.xml><?xml version="1.0" encoding="utf-8"?>
 <p:sld xmlns:a="http://schemas.openxmlformats.org/drawingml/2006/main" xmlns:r="http://schemas.openxmlformats.org/officeDocument/2006/relationships" xmlns:p="http://schemas.openxmlformats.org/presentationml/2006/main">
   <p:cSld>
     <p:spTree>
@@ -14146,36 +18064,6 @@
     <p:extLst>
       <p:ext uri="{BB962C8B-B14F-4D97-AF65-F5344CB8AC3E}">
         <p14:creationId xmlns:p14="http://schemas.microsoft.com/office/powerpoint/2010/main" val="3695156241"/>
-      </p:ext>
-    </p:extLst>
-  </p:cSld>
-  <p:clrMapOvr>
-    <a:masterClrMapping/>
-  </p:clrMapOvr>
-</p:sld>
-</file>
-
-<file path=ppt/slides/slide26.xml><?xml version="1.0" encoding="utf-8"?>
-<p:sld xmlns:a="http://schemas.openxmlformats.org/drawingml/2006/main" xmlns:r="http://schemas.openxmlformats.org/officeDocument/2006/relationships" xmlns:p="http://schemas.openxmlformats.org/presentationml/2006/main">
-  <p:cSld>
-    <p:spTree>
-      <p:nvGrpSpPr>
-        <p:cNvPr id="1" name=""/>
-        <p:cNvGrpSpPr/>
-        <p:nvPr/>
-      </p:nvGrpSpPr>
-      <p:grpSpPr>
-        <a:xfrm>
-          <a:off x="0" y="0"/>
-          <a:ext cx="0" cy="0"/>
-          <a:chOff x="0" y="0"/>
-          <a:chExt cx="0" cy="0"/>
-        </a:xfrm>
-      </p:grpSpPr>
-    </p:spTree>
-    <p:extLst>
-      <p:ext uri="{BB962C8B-B14F-4D97-AF65-F5344CB8AC3E}">
-        <p14:creationId xmlns:p14="http://schemas.microsoft.com/office/powerpoint/2010/main" val="373389180"/>
       </p:ext>
     </p:extLst>
   </p:cSld>
@@ -19101,6 +22989,36 @@
 </p:sld>
 </file>
 
+<file path=ppt/slides/slide30.xml><?xml version="1.0" encoding="utf-8"?>
+<p:sld xmlns:a="http://schemas.openxmlformats.org/drawingml/2006/main" xmlns:r="http://schemas.openxmlformats.org/officeDocument/2006/relationships" xmlns:p="http://schemas.openxmlformats.org/presentationml/2006/main">
+  <p:cSld>
+    <p:spTree>
+      <p:nvGrpSpPr>
+        <p:cNvPr id="1" name=""/>
+        <p:cNvGrpSpPr/>
+        <p:nvPr/>
+      </p:nvGrpSpPr>
+      <p:grpSpPr>
+        <a:xfrm>
+          <a:off x="0" y="0"/>
+          <a:ext cx="0" cy="0"/>
+          <a:chOff x="0" y="0"/>
+          <a:chExt cx="0" cy="0"/>
+        </a:xfrm>
+      </p:grpSpPr>
+    </p:spTree>
+    <p:extLst>
+      <p:ext uri="{BB962C8B-B14F-4D97-AF65-F5344CB8AC3E}">
+        <p14:creationId xmlns:p14="http://schemas.microsoft.com/office/powerpoint/2010/main" val="373389180"/>
+      </p:ext>
+    </p:extLst>
+  </p:cSld>
+  <p:clrMapOvr>
+    <a:masterClrMapping/>
+  </p:clrMapOvr>
+</p:sld>
+</file>
+
 <file path=ppt/slides/slide4.xml><?xml version="1.0" encoding="utf-8"?>
 <p:sld xmlns:a="http://schemas.openxmlformats.org/drawingml/2006/main" xmlns:r="http://schemas.openxmlformats.org/officeDocument/2006/relationships" xmlns:p="http://schemas.openxmlformats.org/presentationml/2006/main">
   <p:cSld>
